--- a/21551009代磊/读书报告/读书报告.pptx
+++ b/21551009代磊/读书报告/读书报告.pptx
@@ -1,121 +1,161 @@
 
 <file path=ppt/presentation.xml><?xml version="1.0" encoding="utf-8"?>
-<p:presentation xmlns:a="http://schemas.openxmlformats.org/drawingml/2006/main" xmlns:r="http://schemas.openxmlformats.org/officeDocument/2006/relationships" xmlns:p="http://schemas.openxmlformats.org/presentationml/2006/main" saveSubsetFonts="1" autoCompressPictures="0">
+<p:presentation xmlns:a="http://schemas.openxmlformats.org/drawingml/2006/main" xmlns:r="http://schemas.openxmlformats.org/officeDocument/2006/relationships" xmlns:p="http://schemas.openxmlformats.org/presentationml/2006/main" saveSubsetFonts="1">
   <p:sldMasterIdLst>
     <p:sldMasterId id="2147483648" r:id="rId1"/>
   </p:sldMasterIdLst>
   <p:notesMasterIdLst>
-    <p:notesMasterId r:id="rId9"/>
+    <p:notesMasterId r:id="rId8"/>
   </p:notesMasterIdLst>
   <p:sldIdLst>
     <p:sldId id="256" r:id="rId2"/>
     <p:sldId id="257" r:id="rId3"/>
-    <p:sldId id="261" r:id="rId4"/>
-    <p:sldId id="258" r:id="rId5"/>
-    <p:sldId id="260" r:id="rId6"/>
-    <p:sldId id="259" r:id="rId7"/>
-    <p:sldId id="262" r:id="rId8"/>
+    <p:sldId id="259" r:id="rId4"/>
+    <p:sldId id="260" r:id="rId5"/>
+    <p:sldId id="261" r:id="rId6"/>
+    <p:sldId id="262" r:id="rId7"/>
   </p:sldIdLst>
-  <p:sldSz cx="12192000" cy="6858000"/>
+  <p:sldSz cx="9144000" cy="6858000" type="screen4x3"/>
   <p:notesSz cx="6858000" cy="9144000"/>
   <p:defaultTextStyle>
     <a:defPPr>
-      <a:defRPr lang="en-US"/>
+      <a:defRPr lang="zh-CN"/>
     </a:defPPr>
-    <a:lvl1pPr marL="0" algn="l" defTabSz="914400" rtl="0" eaLnBrk="1" latinLnBrk="0" hangingPunct="1">
-      <a:defRPr sz="1800" kern="1200">
+    <a:lvl1pPr algn="l" rtl="0" fontAlgn="base">
+      <a:spcBef>
+        <a:spcPct val="0"/>
+      </a:spcBef>
+      <a:spcAft>
+        <a:spcPct val="0"/>
+      </a:spcAft>
+      <a:defRPr kern="1200">
         <a:solidFill>
           <a:schemeClr val="tx1"/>
         </a:solidFill>
-        <a:latin typeface="+mn-lt"/>
-        <a:ea typeface="+mn-ea"/>
+        <a:latin typeface="Arial" charset="0"/>
+        <a:ea typeface="宋体" charset="-122"/>
         <a:cs typeface="+mn-cs"/>
       </a:defRPr>
     </a:lvl1pPr>
-    <a:lvl2pPr marL="457200" algn="l" defTabSz="914400" rtl="0" eaLnBrk="1" latinLnBrk="0" hangingPunct="1">
-      <a:defRPr sz="1800" kern="1200">
+    <a:lvl2pPr marL="457200" algn="l" rtl="0" fontAlgn="base">
+      <a:spcBef>
+        <a:spcPct val="0"/>
+      </a:spcBef>
+      <a:spcAft>
+        <a:spcPct val="0"/>
+      </a:spcAft>
+      <a:defRPr kern="1200">
         <a:solidFill>
           <a:schemeClr val="tx1"/>
         </a:solidFill>
-        <a:latin typeface="+mn-lt"/>
-        <a:ea typeface="+mn-ea"/>
+        <a:latin typeface="Arial" charset="0"/>
+        <a:ea typeface="宋体" charset="-122"/>
         <a:cs typeface="+mn-cs"/>
       </a:defRPr>
     </a:lvl2pPr>
-    <a:lvl3pPr marL="914400" algn="l" defTabSz="914400" rtl="0" eaLnBrk="1" latinLnBrk="0" hangingPunct="1">
-      <a:defRPr sz="1800" kern="1200">
+    <a:lvl3pPr marL="914400" algn="l" rtl="0" fontAlgn="base">
+      <a:spcBef>
+        <a:spcPct val="0"/>
+      </a:spcBef>
+      <a:spcAft>
+        <a:spcPct val="0"/>
+      </a:spcAft>
+      <a:defRPr kern="1200">
         <a:solidFill>
           <a:schemeClr val="tx1"/>
         </a:solidFill>
-        <a:latin typeface="+mn-lt"/>
-        <a:ea typeface="+mn-ea"/>
+        <a:latin typeface="Arial" charset="0"/>
+        <a:ea typeface="宋体" charset="-122"/>
         <a:cs typeface="+mn-cs"/>
       </a:defRPr>
     </a:lvl3pPr>
-    <a:lvl4pPr marL="1371600" algn="l" defTabSz="914400" rtl="0" eaLnBrk="1" latinLnBrk="0" hangingPunct="1">
-      <a:defRPr sz="1800" kern="1200">
+    <a:lvl4pPr marL="1371600" algn="l" rtl="0" fontAlgn="base">
+      <a:spcBef>
+        <a:spcPct val="0"/>
+      </a:spcBef>
+      <a:spcAft>
+        <a:spcPct val="0"/>
+      </a:spcAft>
+      <a:defRPr kern="1200">
         <a:solidFill>
           <a:schemeClr val="tx1"/>
         </a:solidFill>
-        <a:latin typeface="+mn-lt"/>
-        <a:ea typeface="+mn-ea"/>
+        <a:latin typeface="Arial" charset="0"/>
+        <a:ea typeface="宋体" charset="-122"/>
         <a:cs typeface="+mn-cs"/>
       </a:defRPr>
     </a:lvl4pPr>
-    <a:lvl5pPr marL="1828800" algn="l" defTabSz="914400" rtl="0" eaLnBrk="1" latinLnBrk="0" hangingPunct="1">
-      <a:defRPr sz="1800" kern="1200">
+    <a:lvl5pPr marL="1828800" algn="l" rtl="0" fontAlgn="base">
+      <a:spcBef>
+        <a:spcPct val="0"/>
+      </a:spcBef>
+      <a:spcAft>
+        <a:spcPct val="0"/>
+      </a:spcAft>
+      <a:defRPr kern="1200">
         <a:solidFill>
           <a:schemeClr val="tx1"/>
         </a:solidFill>
-        <a:latin typeface="+mn-lt"/>
-        <a:ea typeface="+mn-ea"/>
+        <a:latin typeface="Arial" charset="0"/>
+        <a:ea typeface="宋体" charset="-122"/>
         <a:cs typeface="+mn-cs"/>
       </a:defRPr>
     </a:lvl5pPr>
     <a:lvl6pPr marL="2286000" algn="l" defTabSz="914400" rtl="0" eaLnBrk="1" latinLnBrk="0" hangingPunct="1">
-      <a:defRPr sz="1800" kern="1200">
+      <a:defRPr kern="1200">
         <a:solidFill>
           <a:schemeClr val="tx1"/>
         </a:solidFill>
-        <a:latin typeface="+mn-lt"/>
-        <a:ea typeface="+mn-ea"/>
+        <a:latin typeface="Arial" charset="0"/>
+        <a:ea typeface="宋体" charset="-122"/>
         <a:cs typeface="+mn-cs"/>
       </a:defRPr>
     </a:lvl6pPr>
     <a:lvl7pPr marL="2743200" algn="l" defTabSz="914400" rtl="0" eaLnBrk="1" latinLnBrk="0" hangingPunct="1">
-      <a:defRPr sz="1800" kern="1200">
+      <a:defRPr kern="1200">
         <a:solidFill>
           <a:schemeClr val="tx1"/>
         </a:solidFill>
-        <a:latin typeface="+mn-lt"/>
-        <a:ea typeface="+mn-ea"/>
+        <a:latin typeface="Arial" charset="0"/>
+        <a:ea typeface="宋体" charset="-122"/>
         <a:cs typeface="+mn-cs"/>
       </a:defRPr>
     </a:lvl7pPr>
     <a:lvl8pPr marL="3200400" algn="l" defTabSz="914400" rtl="0" eaLnBrk="1" latinLnBrk="0" hangingPunct="1">
-      <a:defRPr sz="1800" kern="1200">
+      <a:defRPr kern="1200">
         <a:solidFill>
           <a:schemeClr val="tx1"/>
         </a:solidFill>
-        <a:latin typeface="+mn-lt"/>
-        <a:ea typeface="+mn-ea"/>
+        <a:latin typeface="Arial" charset="0"/>
+        <a:ea typeface="宋体" charset="-122"/>
         <a:cs typeface="+mn-cs"/>
       </a:defRPr>
     </a:lvl8pPr>
     <a:lvl9pPr marL="3657600" algn="l" defTabSz="914400" rtl="0" eaLnBrk="1" latinLnBrk="0" hangingPunct="1">
-      <a:defRPr sz="1800" kern="1200">
+      <a:defRPr kern="1200">
         <a:solidFill>
           <a:schemeClr val="tx1"/>
         </a:solidFill>
-        <a:latin typeface="+mn-lt"/>
-        <a:ea typeface="+mn-ea"/>
+        <a:latin typeface="Arial" charset="0"/>
+        <a:ea typeface="宋体" charset="-122"/>
         <a:cs typeface="+mn-cs"/>
       </a:defRPr>
     </a:lvl9pPr>
   </p:defaultTextStyle>
   <p:extLst>
     <p:ext uri="{EFAFB233-063F-42B5-8137-9DF3F51BA10A}">
-      <p15:sldGuideLst xmlns:p15="http://schemas.microsoft.com/office/powerpoint/2012/main"/>
+      <p15:sldGuideLst xmlns:p15="http://schemas.microsoft.com/office/powerpoint/2012/main">
+        <p15:guide id="1" orient="horz" pos="2160">
+          <p15:clr>
+            <a:srgbClr val="A4A3A4"/>
+          </p15:clr>
+        </p15:guide>
+        <p15:guide id="2" pos="2880">
+          <p15:clr>
+            <a:srgbClr val="A4A3A4"/>
+          </p15:clr>
+        </p15:guide>
+      </p15:sldGuideLst>
     </p:ext>
   </p:extLst>
 </p:presentation>
@@ -145,7 +185,7 @@
       </p:grpSpPr>
       <p:sp>
         <p:nvSpPr>
-          <p:cNvPr id="2" name="Header Placeholder 1"/>
+          <p:cNvPr id="2" name="页眉占位符 1"/>
           <p:cNvSpPr>
             <a:spLocks noGrp="1"/>
           </p:cNvSpPr>
@@ -156,7 +196,7 @@
         <p:spPr>
           <a:xfrm>
             <a:off x="0" y="0"/>
-            <a:ext cx="2971800" cy="458788"/>
+            <a:ext cx="2971800" cy="457200"/>
           </a:xfrm>
           <a:prstGeom prst="rect">
             <a:avLst/>
@@ -166,17 +206,23 @@
           <a:bodyPr vert="horz" lIns="91440" tIns="45720" rIns="91440" bIns="45720" rtlCol="0"/>
           <a:lstStyle>
             <a:lvl1pPr algn="l">
-              <a:defRPr sz="1200"/>
+              <a:defRPr sz="1200">
+                <a:latin typeface="Arial" pitchFamily="34" charset="0"/>
+                <a:ea typeface="宋体" pitchFamily="2" charset="-122"/>
+              </a:defRPr>
             </a:lvl1pPr>
           </a:lstStyle>
           <a:p>
-            <a:endParaRPr lang="en-US"/>
-          </a:p>
-        </p:txBody>
-      </p:sp>
-      <p:sp>
-        <p:nvSpPr>
-          <p:cNvPr id="3" name="Date Placeholder 2"/>
+            <a:pPr>
+              <a:defRPr/>
+            </a:pPr>
+            <a:endParaRPr lang="zh-CN" altLang="en-US"/>
+          </a:p>
+        </p:txBody>
+      </p:sp>
+      <p:sp>
+        <p:nvSpPr>
+          <p:cNvPr id="3" name="日期占位符 2"/>
           <p:cNvSpPr>
             <a:spLocks noGrp="1"/>
           </p:cNvSpPr>
@@ -187,7 +233,7 @@
         <p:spPr>
           <a:xfrm>
             <a:off x="3884613" y="0"/>
-            <a:ext cx="2971800" cy="458788"/>
+            <a:ext cx="2971800" cy="457200"/>
           </a:xfrm>
           <a:prstGeom prst="rect">
             <a:avLst/>
@@ -197,20 +243,30 @@
           <a:bodyPr vert="horz" lIns="91440" tIns="45720" rIns="91440" bIns="45720" rtlCol="0"/>
           <a:lstStyle>
             <a:lvl1pPr algn="r">
-              <a:defRPr sz="1200"/>
+              <a:defRPr sz="1200">
+                <a:latin typeface="Arial" pitchFamily="34" charset="0"/>
+                <a:ea typeface="宋体" pitchFamily="2" charset="-122"/>
+              </a:defRPr>
             </a:lvl1pPr>
           </a:lstStyle>
           <a:p>
-            <a:fld id="{3F27EE65-5949-0E4B-A02D-C33E3EFDD5FF}" type="datetimeFigureOut">
-              <a:t>12/22/15</a:t>
+            <a:pPr>
+              <a:defRPr/>
+            </a:pPr>
+            <a:fld id="{AC3FACD8-C06A-4E76-9929-2B621957C16F}" type="datetimeFigureOut">
+              <a:rPr lang="zh-CN" altLang="en-US"/>
+              <a:pPr>
+                <a:defRPr/>
+              </a:pPr>
+              <a:t>15/12/23</a:t>
             </a:fld>
-            <a:endParaRPr lang="en-US"/>
-          </a:p>
-        </p:txBody>
-      </p:sp>
-      <p:sp>
-        <p:nvSpPr>
-          <p:cNvPr id="4" name="Slide Image Placeholder 3"/>
+            <a:endParaRPr lang="zh-CN" altLang="en-US"/>
+          </a:p>
+        </p:txBody>
+      </p:sp>
+      <p:sp>
+        <p:nvSpPr>
+          <p:cNvPr id="4" name="幻灯片图像占位符 3"/>
           <p:cNvSpPr>
             <a:spLocks noGrp="1" noRot="1" noChangeAspect="1"/>
           </p:cNvSpPr>
@@ -220,8 +276,8 @@
         </p:nvSpPr>
         <p:spPr>
           <a:xfrm>
-            <a:off x="685800" y="1143000"/>
-            <a:ext cx="5486400" cy="3086100"/>
+            <a:off x="1143000" y="685800"/>
+            <a:ext cx="4572000" cy="3429000"/>
           </a:xfrm>
           <a:prstGeom prst="rect">
             <a:avLst/>
@@ -237,13 +293,14 @@
           <a:bodyPr vert="horz" lIns="91440" tIns="45720" rIns="91440" bIns="45720" rtlCol="0" anchor="ctr"/>
           <a:lstStyle/>
           <a:p>
-            <a:endParaRPr lang="en-US"/>
-          </a:p>
-        </p:txBody>
-      </p:sp>
-      <p:sp>
-        <p:nvSpPr>
-          <p:cNvPr id="5" name="Notes Placeholder 4"/>
+            <a:pPr lvl="0"/>
+            <a:endParaRPr lang="zh-CN" altLang="en-US" noProof="0" smtClean="0"/>
+          </a:p>
+        </p:txBody>
+      </p:sp>
+      <p:sp>
+        <p:nvSpPr>
+          <p:cNvPr id="5" name="备注占位符 4"/>
           <p:cNvSpPr>
             <a:spLocks noGrp="1"/>
           </p:cNvSpPr>
@@ -253,57 +310,58 @@
         </p:nvSpPr>
         <p:spPr>
           <a:xfrm>
-            <a:off x="685800" y="4400550"/>
-            <a:ext cx="5486400" cy="3600450"/>
+            <a:off x="685800" y="4343400"/>
+            <a:ext cx="5486400" cy="4114800"/>
           </a:xfrm>
           <a:prstGeom prst="rect">
             <a:avLst/>
           </a:prstGeom>
         </p:spPr>
         <p:txBody>
-          <a:bodyPr vert="horz" lIns="91440" tIns="45720" rIns="91440" bIns="45720" rtlCol="0"/>
+          <a:bodyPr vert="horz" lIns="91440" tIns="45720" rIns="91440" bIns="45720" rtlCol="0">
+            <a:normAutofit/>
+          </a:bodyPr>
           <a:lstStyle/>
           <a:p>
             <a:pPr lvl="0"/>
             <a:r>
-              <a:rPr lang="en-US" altLang="zh-CN"/>
-              <a:t>Click to edit Master text styles</a:t>
+              <a:rPr lang="zh-CN" altLang="en-US" noProof="0" smtClean="0"/>
+              <a:t>单击此处编辑母版文本样式</a:t>
             </a:r>
           </a:p>
           <a:p>
             <a:pPr lvl="1"/>
             <a:r>
-              <a:rPr lang="en-US" altLang="zh-CN"/>
-              <a:t>Second level</a:t>
+              <a:rPr lang="zh-CN" altLang="en-US" noProof="0" smtClean="0"/>
+              <a:t>第二级</a:t>
             </a:r>
           </a:p>
           <a:p>
             <a:pPr lvl="2"/>
             <a:r>
-              <a:rPr lang="en-US" altLang="zh-CN"/>
-              <a:t>Third level</a:t>
+              <a:rPr lang="zh-CN" altLang="en-US" noProof="0" smtClean="0"/>
+              <a:t>第三级</a:t>
             </a:r>
           </a:p>
           <a:p>
             <a:pPr lvl="3"/>
             <a:r>
-              <a:rPr lang="en-US" altLang="zh-CN"/>
-              <a:t>Fourth level</a:t>
+              <a:rPr lang="zh-CN" altLang="en-US" noProof="0" smtClean="0"/>
+              <a:t>第四级</a:t>
             </a:r>
           </a:p>
           <a:p>
             <a:pPr lvl="4"/>
             <a:r>
-              <a:rPr lang="en-US" altLang="zh-CN"/>
-              <a:t>Fifth level</a:t>
-            </a:r>
-            <a:endParaRPr lang="en-US"/>
-          </a:p>
-        </p:txBody>
-      </p:sp>
-      <p:sp>
-        <p:nvSpPr>
-          <p:cNvPr id="6" name="Footer Placeholder 5"/>
+              <a:rPr lang="zh-CN" altLang="en-US" noProof="0" smtClean="0"/>
+              <a:t>第五级</a:t>
+            </a:r>
+          </a:p>
+        </p:txBody>
+      </p:sp>
+      <p:sp>
+        <p:nvSpPr>
+          <p:cNvPr id="6" name="页脚占位符 5"/>
           <p:cNvSpPr>
             <a:spLocks noGrp="1"/>
           </p:cNvSpPr>
@@ -314,7 +372,7 @@
         <p:spPr>
           <a:xfrm>
             <a:off x="0" y="8685213"/>
-            <a:ext cx="2971800" cy="458787"/>
+            <a:ext cx="2971800" cy="457200"/>
           </a:xfrm>
           <a:prstGeom prst="rect">
             <a:avLst/>
@@ -324,17 +382,23 @@
           <a:bodyPr vert="horz" lIns="91440" tIns="45720" rIns="91440" bIns="45720" rtlCol="0" anchor="b"/>
           <a:lstStyle>
             <a:lvl1pPr algn="l">
-              <a:defRPr sz="1200"/>
+              <a:defRPr sz="1200">
+                <a:latin typeface="Arial" pitchFamily="34" charset="0"/>
+                <a:ea typeface="宋体" pitchFamily="2" charset="-122"/>
+              </a:defRPr>
             </a:lvl1pPr>
           </a:lstStyle>
           <a:p>
-            <a:endParaRPr lang="en-US"/>
-          </a:p>
-        </p:txBody>
-      </p:sp>
-      <p:sp>
-        <p:nvSpPr>
-          <p:cNvPr id="7" name="Slide Number Placeholder 6"/>
+            <a:pPr>
+              <a:defRPr/>
+            </a:pPr>
+            <a:endParaRPr lang="zh-CN" altLang="en-US"/>
+          </a:p>
+        </p:txBody>
+      </p:sp>
+      <p:sp>
+        <p:nvSpPr>
+          <p:cNvPr id="7" name="灯片编号占位符 6"/>
           <p:cNvSpPr>
             <a:spLocks noGrp="1"/>
           </p:cNvSpPr>
@@ -345,7 +409,7 @@
         <p:spPr>
           <a:xfrm>
             <a:off x="3884613" y="8685213"/>
-            <a:ext cx="2971800" cy="458787"/>
+            <a:ext cx="2971800" cy="457200"/>
           </a:xfrm>
           <a:prstGeom prst="rect">
             <a:avLst/>
@@ -355,27 +419,43 @@
           <a:bodyPr vert="horz" lIns="91440" tIns="45720" rIns="91440" bIns="45720" rtlCol="0" anchor="b"/>
           <a:lstStyle>
             <a:lvl1pPr algn="r">
-              <a:defRPr sz="1200"/>
+              <a:defRPr sz="1200">
+                <a:latin typeface="Arial" pitchFamily="34" charset="0"/>
+                <a:ea typeface="宋体" pitchFamily="2" charset="-122"/>
+              </a:defRPr>
             </a:lvl1pPr>
           </a:lstStyle>
           <a:p>
-            <a:fld id="{A9483F51-91C4-B545-A0D4-981478E33ABC}" type="slidenum">
+            <a:pPr>
+              <a:defRPr/>
+            </a:pPr>
+            <a:fld id="{FDFAAD15-0F32-4F1A-88D9-5BECD87E2BBA}" type="slidenum">
+              <a:rPr lang="zh-CN" altLang="en-US"/>
+              <a:pPr>
+                <a:defRPr/>
+              </a:pPr>
               <a:t>‹#›</a:t>
             </a:fld>
-            <a:endParaRPr lang="en-US"/>
+            <a:endParaRPr lang="zh-CN" altLang="en-US"/>
           </a:p>
         </p:txBody>
       </p:sp>
     </p:spTree>
     <p:extLst>
       <p:ext uri="{BB962C8B-B14F-4D97-AF65-F5344CB8AC3E}">
-        <p14:creationId xmlns:p14="http://schemas.microsoft.com/office/powerpoint/2010/main" val="1859031536"/>
+        <p14:creationId xmlns:p14="http://schemas.microsoft.com/office/powerpoint/2010/main" val="1059961393"/>
       </p:ext>
     </p:extLst>
   </p:cSld>
   <p:clrMap bg1="lt1" tx1="dk1" bg2="lt2" tx2="dk2" accent1="accent1" accent2="accent2" accent3="accent3" accent4="accent4" accent5="accent5" accent6="accent6" hlink="hlink" folHlink="folHlink"/>
   <p:notesStyle>
-    <a:lvl1pPr marL="0" algn="l" defTabSz="914400" rtl="0" eaLnBrk="1" latinLnBrk="0" hangingPunct="1">
+    <a:lvl1pPr algn="l" rtl="0" eaLnBrk="0" fontAlgn="base" hangingPunct="0">
+      <a:spcBef>
+        <a:spcPct val="30000"/>
+      </a:spcBef>
+      <a:spcAft>
+        <a:spcPct val="0"/>
+      </a:spcAft>
       <a:defRPr sz="1200" kern="1200">
         <a:solidFill>
           <a:schemeClr val="tx1"/>
@@ -385,7 +465,13 @@
         <a:cs typeface="+mn-cs"/>
       </a:defRPr>
     </a:lvl1pPr>
-    <a:lvl2pPr marL="457200" algn="l" defTabSz="914400" rtl="0" eaLnBrk="1" latinLnBrk="0" hangingPunct="1">
+    <a:lvl2pPr marL="457200" algn="l" rtl="0" eaLnBrk="0" fontAlgn="base" hangingPunct="0">
+      <a:spcBef>
+        <a:spcPct val="30000"/>
+      </a:spcBef>
+      <a:spcAft>
+        <a:spcPct val="0"/>
+      </a:spcAft>
       <a:defRPr sz="1200" kern="1200">
         <a:solidFill>
           <a:schemeClr val="tx1"/>
@@ -395,7 +481,13 @@
         <a:cs typeface="+mn-cs"/>
       </a:defRPr>
     </a:lvl2pPr>
-    <a:lvl3pPr marL="914400" algn="l" defTabSz="914400" rtl="0" eaLnBrk="1" latinLnBrk="0" hangingPunct="1">
+    <a:lvl3pPr marL="914400" algn="l" rtl="0" eaLnBrk="0" fontAlgn="base" hangingPunct="0">
+      <a:spcBef>
+        <a:spcPct val="30000"/>
+      </a:spcBef>
+      <a:spcAft>
+        <a:spcPct val="0"/>
+      </a:spcAft>
       <a:defRPr sz="1200" kern="1200">
         <a:solidFill>
           <a:schemeClr val="tx1"/>
@@ -405,7 +497,13 @@
         <a:cs typeface="+mn-cs"/>
       </a:defRPr>
     </a:lvl3pPr>
-    <a:lvl4pPr marL="1371600" algn="l" defTabSz="914400" rtl="0" eaLnBrk="1" latinLnBrk="0" hangingPunct="1">
+    <a:lvl4pPr marL="1371600" algn="l" rtl="0" eaLnBrk="0" fontAlgn="base" hangingPunct="0">
+      <a:spcBef>
+        <a:spcPct val="30000"/>
+      </a:spcBef>
+      <a:spcAft>
+        <a:spcPct val="0"/>
+      </a:spcAft>
       <a:defRPr sz="1200" kern="1200">
         <a:solidFill>
           <a:schemeClr val="tx1"/>
@@ -415,7 +513,13 @@
         <a:cs typeface="+mn-cs"/>
       </a:defRPr>
     </a:lvl4pPr>
-    <a:lvl5pPr marL="1828800" algn="l" defTabSz="914400" rtl="0" eaLnBrk="1" latinLnBrk="0" hangingPunct="1">
+    <a:lvl5pPr marL="1828800" algn="l" rtl="0" eaLnBrk="0" fontAlgn="base" hangingPunct="0">
+      <a:spcBef>
+        <a:spcPct val="30000"/>
+      </a:spcBef>
+      <a:spcAft>
+        <a:spcPct val="0"/>
+      </a:spcAft>
       <a:defRPr sz="1200" kern="1200">
         <a:solidFill>
           <a:schemeClr val="tx1"/>
@@ -469,9 +573,9 @@
 </p:notesMaster>
 </file>
 
-<file path=ppt/notesSlides/notesSlide1.xml><?xml version="1.0" encoding="utf-8"?>
-<p:notes xmlns:a="http://schemas.openxmlformats.org/drawingml/2006/main" xmlns:r="http://schemas.openxmlformats.org/officeDocument/2006/relationships" xmlns:p="http://schemas.openxmlformats.org/presentationml/2006/main">
-  <p:cSld>
+<file path=ppt/slideLayouts/slideLayout1.xml><?xml version="1.0" encoding="utf-8"?>
+<p:sldLayout xmlns:a="http://schemas.openxmlformats.org/drawingml/2006/main" xmlns:r="http://schemas.openxmlformats.org/officeDocument/2006/relationships" xmlns:p="http://schemas.openxmlformats.org/presentationml/2006/main" type="title" preserve="1">
+  <p:cSld name="标题幻灯片">
     <p:spTree>
       <p:nvGrpSpPr>
         <p:cNvPr id="1" name=""/>
@@ -488,73 +592,254 @@
       </p:grpSpPr>
       <p:sp>
         <p:nvSpPr>
-          <p:cNvPr id="2" name="Slide Image Placeholder 1"/>
-          <p:cNvSpPr>
-            <a:spLocks noGrp="1" noRot="1" noChangeAspect="1"/>
+          <p:cNvPr id="2" name="标题 1"/>
+          <p:cNvSpPr>
+            <a:spLocks noGrp="1"/>
           </p:cNvSpPr>
           <p:nvPr>
-            <p:ph type="sldImg"/>
+            <p:ph type="ctrTitle"/>
           </p:nvPr>
         </p:nvSpPr>
-        <p:spPr/>
-      </p:sp>
-      <p:sp>
-        <p:nvSpPr>
-          <p:cNvPr id="3" name="Notes Placeholder 2"/>
-          <p:cNvSpPr>
-            <a:spLocks noGrp="1"/>
-          </p:cNvSpPr>
-          <p:nvPr>
-            <p:ph type="body" idx="1"/>
-          </p:nvPr>
-        </p:nvSpPr>
-        <p:spPr/>
+        <p:spPr>
+          <a:xfrm>
+            <a:off x="685800" y="2130425"/>
+            <a:ext cx="7772400" cy="1470025"/>
+          </a:xfrm>
+        </p:spPr>
         <p:txBody>
           <a:bodyPr/>
           <a:lstStyle/>
           <a:p>
-            <a:endParaRPr lang="en-US"/>
-          </a:p>
-        </p:txBody>
-      </p:sp>
-      <p:sp>
-        <p:nvSpPr>
-          <p:cNvPr id="4" name="Slide Number Placeholder 3"/>
+            <a:r>
+              <a:rPr lang="zh-CN" altLang="en-US" smtClean="0"/>
+              <a:t>单击此处编辑母版标题样式</a:t>
+            </a:r>
+            <a:endParaRPr lang="zh-CN" altLang="en-US"/>
+          </a:p>
+        </p:txBody>
+      </p:sp>
+      <p:sp>
+        <p:nvSpPr>
+          <p:cNvPr id="3" name="副标题 2"/>
           <p:cNvSpPr>
             <a:spLocks noGrp="1"/>
           </p:cNvSpPr>
           <p:nvPr>
-            <p:ph type="sldNum" sz="quarter" idx="10"/>
+            <p:ph type="subTitle" idx="1"/>
           </p:nvPr>
         </p:nvSpPr>
+        <p:spPr>
+          <a:xfrm>
+            <a:off x="1371600" y="3886200"/>
+            <a:ext cx="6400800" cy="1752600"/>
+          </a:xfrm>
+        </p:spPr>
+        <p:txBody>
+          <a:bodyPr/>
+          <a:lstStyle>
+            <a:lvl1pPr marL="0" indent="0" algn="ctr">
+              <a:buNone/>
+              <a:defRPr>
+                <a:solidFill>
+                  <a:schemeClr val="tx1">
+                    <a:tint val="75000"/>
+                  </a:schemeClr>
+                </a:solidFill>
+              </a:defRPr>
+            </a:lvl1pPr>
+            <a:lvl2pPr marL="457200" indent="0" algn="ctr">
+              <a:buNone/>
+              <a:defRPr>
+                <a:solidFill>
+                  <a:schemeClr val="tx1">
+                    <a:tint val="75000"/>
+                  </a:schemeClr>
+                </a:solidFill>
+              </a:defRPr>
+            </a:lvl2pPr>
+            <a:lvl3pPr marL="914400" indent="0" algn="ctr">
+              <a:buNone/>
+              <a:defRPr>
+                <a:solidFill>
+                  <a:schemeClr val="tx1">
+                    <a:tint val="75000"/>
+                  </a:schemeClr>
+                </a:solidFill>
+              </a:defRPr>
+            </a:lvl3pPr>
+            <a:lvl4pPr marL="1371600" indent="0" algn="ctr">
+              <a:buNone/>
+              <a:defRPr>
+                <a:solidFill>
+                  <a:schemeClr val="tx1">
+                    <a:tint val="75000"/>
+                  </a:schemeClr>
+                </a:solidFill>
+              </a:defRPr>
+            </a:lvl4pPr>
+            <a:lvl5pPr marL="1828800" indent="0" algn="ctr">
+              <a:buNone/>
+              <a:defRPr>
+                <a:solidFill>
+                  <a:schemeClr val="tx1">
+                    <a:tint val="75000"/>
+                  </a:schemeClr>
+                </a:solidFill>
+              </a:defRPr>
+            </a:lvl5pPr>
+            <a:lvl6pPr marL="2286000" indent="0" algn="ctr">
+              <a:buNone/>
+              <a:defRPr>
+                <a:solidFill>
+                  <a:schemeClr val="tx1">
+                    <a:tint val="75000"/>
+                  </a:schemeClr>
+                </a:solidFill>
+              </a:defRPr>
+            </a:lvl6pPr>
+            <a:lvl7pPr marL="2743200" indent="0" algn="ctr">
+              <a:buNone/>
+              <a:defRPr>
+                <a:solidFill>
+                  <a:schemeClr val="tx1">
+                    <a:tint val="75000"/>
+                  </a:schemeClr>
+                </a:solidFill>
+              </a:defRPr>
+            </a:lvl7pPr>
+            <a:lvl8pPr marL="3200400" indent="0" algn="ctr">
+              <a:buNone/>
+              <a:defRPr>
+                <a:solidFill>
+                  <a:schemeClr val="tx1">
+                    <a:tint val="75000"/>
+                  </a:schemeClr>
+                </a:solidFill>
+              </a:defRPr>
+            </a:lvl8pPr>
+            <a:lvl9pPr marL="3657600" indent="0" algn="ctr">
+              <a:buNone/>
+              <a:defRPr>
+                <a:solidFill>
+                  <a:schemeClr val="tx1">
+                    <a:tint val="75000"/>
+                  </a:schemeClr>
+                </a:solidFill>
+              </a:defRPr>
+            </a:lvl9pPr>
+          </a:lstStyle>
+          <a:p>
+            <a:r>
+              <a:rPr lang="zh-CN" altLang="en-US" smtClean="0"/>
+              <a:t>单击此处编辑母版副标题样式</a:t>
+            </a:r>
+            <a:endParaRPr lang="zh-CN" altLang="en-US"/>
+          </a:p>
+        </p:txBody>
+      </p:sp>
+      <p:sp>
+        <p:nvSpPr>
+          <p:cNvPr id="4" name="日期占位符 3"/>
+          <p:cNvSpPr>
+            <a:spLocks noGrp="1"/>
+          </p:cNvSpPr>
+          <p:nvPr>
+            <p:ph type="dt" sz="half" idx="10"/>
+          </p:nvPr>
+        </p:nvSpPr>
         <p:spPr/>
         <p:txBody>
           <a:bodyPr/>
-          <a:lstStyle/>
-          <a:p>
-            <a:fld id="{A9483F51-91C4-B545-A0D4-981478E33ABC}" type="slidenum">
-              <a:t>6</a:t>
+          <a:lstStyle>
+            <a:lvl1pPr>
+              <a:defRPr/>
+            </a:lvl1pPr>
+          </a:lstStyle>
+          <a:p>
+            <a:pPr>
+              <a:defRPr/>
+            </a:pPr>
+            <a:fld id="{0C077A49-8A7E-4DDC-8CAF-D98751ABB73E}" type="datetimeFigureOut">
+              <a:rPr lang="zh-CN" altLang="en-US"/>
+              <a:pPr>
+                <a:defRPr/>
+              </a:pPr>
+              <a:t>15/12/23</a:t>
             </a:fld>
-            <a:endParaRPr lang="en-US"/>
+            <a:endParaRPr lang="zh-CN" altLang="en-US"/>
+          </a:p>
+        </p:txBody>
+      </p:sp>
+      <p:sp>
+        <p:nvSpPr>
+          <p:cNvPr id="5" name="页脚占位符 4"/>
+          <p:cNvSpPr>
+            <a:spLocks noGrp="1"/>
+          </p:cNvSpPr>
+          <p:nvPr>
+            <p:ph type="ftr" sz="quarter" idx="11"/>
+          </p:nvPr>
+        </p:nvSpPr>
+        <p:spPr/>
+        <p:txBody>
+          <a:bodyPr/>
+          <a:lstStyle>
+            <a:lvl1pPr>
+              <a:defRPr/>
+            </a:lvl1pPr>
+          </a:lstStyle>
+          <a:p>
+            <a:pPr>
+              <a:defRPr/>
+            </a:pPr>
+            <a:endParaRPr lang="zh-CN" altLang="en-US"/>
+          </a:p>
+        </p:txBody>
+      </p:sp>
+      <p:sp>
+        <p:nvSpPr>
+          <p:cNvPr id="6" name="灯片编号占位符 5"/>
+          <p:cNvSpPr>
+            <a:spLocks noGrp="1"/>
+          </p:cNvSpPr>
+          <p:nvPr>
+            <p:ph type="sldNum" sz="quarter" idx="12"/>
+          </p:nvPr>
+        </p:nvSpPr>
+        <p:spPr/>
+        <p:txBody>
+          <a:bodyPr/>
+          <a:lstStyle>
+            <a:lvl1pPr>
+              <a:defRPr/>
+            </a:lvl1pPr>
+          </a:lstStyle>
+          <a:p>
+            <a:pPr>
+              <a:defRPr/>
+            </a:pPr>
+            <a:fld id="{DBE1307D-B392-450F-B309-497321C37944}" type="slidenum">
+              <a:rPr lang="zh-CN" altLang="en-US"/>
+              <a:pPr>
+                <a:defRPr/>
+              </a:pPr>
+              <a:t>‹#›</a:t>
+            </a:fld>
+            <a:endParaRPr lang="zh-CN" altLang="en-US"/>
           </a:p>
         </p:txBody>
       </p:sp>
     </p:spTree>
-    <p:extLst>
-      <p:ext uri="{BB962C8B-B14F-4D97-AF65-F5344CB8AC3E}">
-        <p14:creationId xmlns:p14="http://schemas.microsoft.com/office/powerpoint/2010/main" val="1338299904"/>
-      </p:ext>
-    </p:extLst>
   </p:cSld>
   <p:clrMapOvr>
     <a:masterClrMapping/>
   </p:clrMapOvr>
-</p:notes>
+</p:sldLayout>
 </file>
 
-<file path=ppt/slideLayouts/slideLayout1.xml><?xml version="1.0" encoding="utf-8"?>
-<p:sldLayout xmlns:a="http://schemas.openxmlformats.org/drawingml/2006/main" xmlns:r="http://schemas.openxmlformats.org/officeDocument/2006/relationships" xmlns:p="http://schemas.openxmlformats.org/presentationml/2006/main" type="title" preserve="1">
-  <p:cSld name="Title Slide">
+<file path=ppt/slideLayouts/slideLayout10.xml><?xml version="1.0" encoding="utf-8"?>
+<p:sldLayout xmlns:a="http://schemas.openxmlformats.org/drawingml/2006/main" xmlns:r="http://schemas.openxmlformats.org/officeDocument/2006/relationships" xmlns:p="http://schemas.openxmlformats.org/presentationml/2006/main" type="vertTx" preserve="1">
+  <p:cSld name="标题和竖排文字">
     <p:spTree>
       <p:nvGrpSpPr>
         <p:cNvPr id="1" name=""/>
@@ -571,104 +856,82 @@
       </p:grpSpPr>
       <p:sp>
         <p:nvSpPr>
-          <p:cNvPr id="2" name="Title 1"/>
+          <p:cNvPr id="2" name="标题 1"/>
           <p:cNvSpPr>
             <a:spLocks noGrp="1"/>
           </p:cNvSpPr>
           <p:nvPr>
-            <p:ph type="ctrTitle"/>
+            <p:ph type="title"/>
           </p:nvPr>
         </p:nvSpPr>
-        <p:spPr>
-          <a:xfrm>
-            <a:off x="1524000" y="1122363"/>
-            <a:ext cx="9144000" cy="2387600"/>
-          </a:xfrm>
-        </p:spPr>
-        <p:txBody>
-          <a:bodyPr anchor="b"/>
-          <a:lstStyle>
-            <a:lvl1pPr algn="ctr">
-              <a:defRPr sz="6000"/>
-            </a:lvl1pPr>
-          </a:lstStyle>
-          <a:p>
-            <a:r>
-              <a:rPr lang="en-US" altLang="zh-CN"/>
-              <a:t>Click to edit Master title style</a:t>
-            </a:r>
-            <a:endParaRPr lang="en-US"/>
-          </a:p>
-        </p:txBody>
-      </p:sp>
-      <p:sp>
-        <p:nvSpPr>
-          <p:cNvPr id="3" name="Subtitle 2"/>
+        <p:spPr/>
+        <p:txBody>
+          <a:bodyPr/>
+          <a:lstStyle/>
+          <a:p>
+            <a:r>
+              <a:rPr lang="zh-CN" altLang="en-US" smtClean="0"/>
+              <a:t>单击此处编辑母版标题样式</a:t>
+            </a:r>
+            <a:endParaRPr lang="zh-CN" altLang="en-US"/>
+          </a:p>
+        </p:txBody>
+      </p:sp>
+      <p:sp>
+        <p:nvSpPr>
+          <p:cNvPr id="3" name="竖排文字占位符 2"/>
           <p:cNvSpPr>
             <a:spLocks noGrp="1"/>
           </p:cNvSpPr>
           <p:nvPr>
-            <p:ph type="subTitle" idx="1"/>
+            <p:ph type="body" orient="vert" idx="1"/>
           </p:nvPr>
         </p:nvSpPr>
-        <p:spPr>
-          <a:xfrm>
-            <a:off x="1524000" y="3602038"/>
-            <a:ext cx="9144000" cy="1655762"/>
-          </a:xfrm>
-        </p:spPr>
-        <p:txBody>
-          <a:bodyPr/>
-          <a:lstStyle>
-            <a:lvl1pPr marL="0" indent="0" algn="ctr">
-              <a:buNone/>
-              <a:defRPr sz="2400"/>
-            </a:lvl1pPr>
-            <a:lvl2pPr marL="457200" indent="0" algn="ctr">
-              <a:buNone/>
-              <a:defRPr sz="2000"/>
-            </a:lvl2pPr>
-            <a:lvl3pPr marL="914400" indent="0" algn="ctr">
-              <a:buNone/>
-              <a:defRPr sz="1800"/>
-            </a:lvl3pPr>
-            <a:lvl4pPr marL="1371600" indent="0" algn="ctr">
-              <a:buNone/>
-              <a:defRPr sz="1600"/>
-            </a:lvl4pPr>
-            <a:lvl5pPr marL="1828800" indent="0" algn="ctr">
-              <a:buNone/>
-              <a:defRPr sz="1600"/>
-            </a:lvl5pPr>
-            <a:lvl6pPr marL="2286000" indent="0" algn="ctr">
-              <a:buNone/>
-              <a:defRPr sz="1600"/>
-            </a:lvl6pPr>
-            <a:lvl7pPr marL="2743200" indent="0" algn="ctr">
-              <a:buNone/>
-              <a:defRPr sz="1600"/>
-            </a:lvl7pPr>
-            <a:lvl8pPr marL="3200400" indent="0" algn="ctr">
-              <a:buNone/>
-              <a:defRPr sz="1600"/>
-            </a:lvl8pPr>
-            <a:lvl9pPr marL="3657600" indent="0" algn="ctr">
-              <a:buNone/>
-              <a:defRPr sz="1600"/>
-            </a:lvl9pPr>
-          </a:lstStyle>
-          <a:p>
-            <a:r>
-              <a:rPr lang="en-US" altLang="zh-CN"/>
-              <a:t>Click to edit Master subtitle style</a:t>
-            </a:r>
-            <a:endParaRPr lang="en-US"/>
-          </a:p>
-        </p:txBody>
-      </p:sp>
-      <p:sp>
-        <p:nvSpPr>
-          <p:cNvPr id="4" name="Date Placeholder 3"/>
+        <p:spPr/>
+        <p:txBody>
+          <a:bodyPr vert="eaVert"/>
+          <a:lstStyle/>
+          <a:p>
+            <a:pPr lvl="0"/>
+            <a:r>
+              <a:rPr lang="zh-CN" altLang="en-US" smtClean="0"/>
+              <a:t>单击此处编辑母版文本样式</a:t>
+            </a:r>
+          </a:p>
+          <a:p>
+            <a:pPr lvl="1"/>
+            <a:r>
+              <a:rPr lang="zh-CN" altLang="en-US" smtClean="0"/>
+              <a:t>第二级</a:t>
+            </a:r>
+          </a:p>
+          <a:p>
+            <a:pPr lvl="2"/>
+            <a:r>
+              <a:rPr lang="zh-CN" altLang="en-US" smtClean="0"/>
+              <a:t>第三级</a:t>
+            </a:r>
+          </a:p>
+          <a:p>
+            <a:pPr lvl="3"/>
+            <a:r>
+              <a:rPr lang="zh-CN" altLang="en-US" smtClean="0"/>
+              <a:t>第四级</a:t>
+            </a:r>
+          </a:p>
+          <a:p>
+            <a:pPr lvl="4"/>
+            <a:r>
+              <a:rPr lang="zh-CN" altLang="en-US" smtClean="0"/>
+              <a:t>第五级</a:t>
+            </a:r>
+            <a:endParaRPr lang="zh-CN" altLang="en-US"/>
+          </a:p>
+        </p:txBody>
+      </p:sp>
+      <p:sp>
+        <p:nvSpPr>
+          <p:cNvPr id="4" name="日期占位符 3"/>
           <p:cNvSpPr>
             <a:spLocks noGrp="1"/>
           </p:cNvSpPr>
@@ -679,18 +942,29 @@
         <p:spPr/>
         <p:txBody>
           <a:bodyPr/>
-          <a:lstStyle/>
-          <a:p>
-            <a:fld id="{FCE89026-A00A-614F-AC06-99C951F864D4}" type="datetimeFigureOut">
-              <a:t>12/22/15</a:t>
+          <a:lstStyle>
+            <a:lvl1pPr>
+              <a:defRPr/>
+            </a:lvl1pPr>
+          </a:lstStyle>
+          <a:p>
+            <a:pPr>
+              <a:defRPr/>
+            </a:pPr>
+            <a:fld id="{1E1525D9-4B1B-45D1-B71D-EBCF76A9FA52}" type="datetimeFigureOut">
+              <a:rPr lang="zh-CN" altLang="en-US"/>
+              <a:pPr>
+                <a:defRPr/>
+              </a:pPr>
+              <a:t>15/12/23</a:t>
             </a:fld>
-            <a:endParaRPr lang="en-US"/>
-          </a:p>
-        </p:txBody>
-      </p:sp>
-      <p:sp>
-        <p:nvSpPr>
-          <p:cNvPr id="5" name="Footer Placeholder 4"/>
+            <a:endParaRPr lang="zh-CN" altLang="en-US"/>
+          </a:p>
+        </p:txBody>
+      </p:sp>
+      <p:sp>
+        <p:nvSpPr>
+          <p:cNvPr id="5" name="页脚占位符 4"/>
           <p:cNvSpPr>
             <a:spLocks noGrp="1"/>
           </p:cNvSpPr>
@@ -701,15 +975,22 @@
         <p:spPr/>
         <p:txBody>
           <a:bodyPr/>
-          <a:lstStyle/>
-          <a:p>
-            <a:endParaRPr lang="en-US"/>
-          </a:p>
-        </p:txBody>
-      </p:sp>
-      <p:sp>
-        <p:nvSpPr>
-          <p:cNvPr id="6" name="Slide Number Placeholder 5"/>
+          <a:lstStyle>
+            <a:lvl1pPr>
+              <a:defRPr/>
+            </a:lvl1pPr>
+          </a:lstStyle>
+          <a:p>
+            <a:pPr>
+              <a:defRPr/>
+            </a:pPr>
+            <a:endParaRPr lang="zh-CN" altLang="en-US"/>
+          </a:p>
+        </p:txBody>
+      </p:sp>
+      <p:sp>
+        <p:nvSpPr>
+          <p:cNvPr id="6" name="灯片编号占位符 5"/>
           <p:cNvSpPr>
             <a:spLocks noGrp="1"/>
           </p:cNvSpPr>
@@ -720,21 +1001,27 @@
         <p:spPr/>
         <p:txBody>
           <a:bodyPr/>
-          <a:lstStyle/>
-          <a:p>
-            <a:fld id="{EEECE6A6-D597-D144-A728-88310AA6AFDF}" type="slidenum">
+          <a:lstStyle>
+            <a:lvl1pPr>
+              <a:defRPr/>
+            </a:lvl1pPr>
+          </a:lstStyle>
+          <a:p>
+            <a:pPr>
+              <a:defRPr/>
+            </a:pPr>
+            <a:fld id="{02117A13-DBA8-4EC3-9B0C-2E617C5F38C3}" type="slidenum">
+              <a:rPr lang="zh-CN" altLang="en-US"/>
+              <a:pPr>
+                <a:defRPr/>
+              </a:pPr>
               <a:t>‹#›</a:t>
             </a:fld>
-            <a:endParaRPr lang="en-US"/>
+            <a:endParaRPr lang="zh-CN" altLang="en-US"/>
           </a:p>
         </p:txBody>
       </p:sp>
     </p:spTree>
-    <p:extLst>
-      <p:ext uri="{BB962C8B-B14F-4D97-AF65-F5344CB8AC3E}">
-        <p14:creationId xmlns:p14="http://schemas.microsoft.com/office/powerpoint/2010/main" val="349517445"/>
-      </p:ext>
-    </p:extLst>
   </p:cSld>
   <p:clrMapOvr>
     <a:masterClrMapping/>
@@ -742,9 +1029,9 @@
 </p:sldLayout>
 </file>
 
-<file path=ppt/slideLayouts/slideLayout10.xml><?xml version="1.0" encoding="utf-8"?>
-<p:sldLayout xmlns:a="http://schemas.openxmlformats.org/drawingml/2006/main" xmlns:r="http://schemas.openxmlformats.org/officeDocument/2006/relationships" xmlns:p="http://schemas.openxmlformats.org/presentationml/2006/main" type="vertTx" preserve="1">
-  <p:cSld name="Title and Vertical Text">
+<file path=ppt/slideLayouts/slideLayout11.xml><?xml version="1.0" encoding="utf-8"?>
+<p:sldLayout xmlns:a="http://schemas.openxmlformats.org/drawingml/2006/main" xmlns:r="http://schemas.openxmlformats.org/officeDocument/2006/relationships" xmlns:p="http://schemas.openxmlformats.org/presentationml/2006/main" type="vertTitleAndTx" preserve="1">
+  <p:cSld name="垂直排列标题与文本">
     <p:spTree>
       <p:nvGrpSpPr>
         <p:cNvPr id="1" name=""/>
@@ -761,30 +1048,35 @@
       </p:grpSpPr>
       <p:sp>
         <p:nvSpPr>
-          <p:cNvPr id="2" name="Title 1"/>
+          <p:cNvPr id="2" name="竖排标题 1"/>
           <p:cNvSpPr>
             <a:spLocks noGrp="1"/>
           </p:cNvSpPr>
           <p:nvPr>
-            <p:ph type="title"/>
+            <p:ph type="title" orient="vert"/>
           </p:nvPr>
         </p:nvSpPr>
-        <p:spPr/>
-        <p:txBody>
-          <a:bodyPr/>
+        <p:spPr>
+          <a:xfrm>
+            <a:off x="6629400" y="274638"/>
+            <a:ext cx="2057400" cy="5851525"/>
+          </a:xfrm>
+        </p:spPr>
+        <p:txBody>
+          <a:bodyPr vert="eaVert"/>
           <a:lstStyle/>
           <a:p>
             <a:r>
-              <a:rPr lang="en-US" altLang="zh-CN"/>
-              <a:t>Click to edit Master title style</a:t>
-            </a:r>
-            <a:endParaRPr lang="en-US"/>
-          </a:p>
-        </p:txBody>
-      </p:sp>
-      <p:sp>
-        <p:nvSpPr>
-          <p:cNvPr id="3" name="Vertical Text Placeholder 2"/>
+              <a:rPr lang="zh-CN" altLang="en-US" smtClean="0"/>
+              <a:t>单击此处编辑母版标题样式</a:t>
+            </a:r>
+            <a:endParaRPr lang="zh-CN" altLang="en-US"/>
+          </a:p>
+        </p:txBody>
+      </p:sp>
+      <p:sp>
+        <p:nvSpPr>
+          <p:cNvPr id="3" name="竖排文字占位符 2"/>
           <p:cNvSpPr>
             <a:spLocks noGrp="1"/>
           </p:cNvSpPr>
@@ -792,51 +1084,56 @@
             <p:ph type="body" orient="vert" idx="1"/>
           </p:nvPr>
         </p:nvSpPr>
-        <p:spPr/>
+        <p:spPr>
+          <a:xfrm>
+            <a:off x="457200" y="274638"/>
+            <a:ext cx="6019800" cy="5851525"/>
+          </a:xfrm>
+        </p:spPr>
         <p:txBody>
           <a:bodyPr vert="eaVert"/>
           <a:lstStyle/>
           <a:p>
             <a:pPr lvl="0"/>
             <a:r>
-              <a:rPr lang="en-US" altLang="zh-CN"/>
-              <a:t>Click to edit Master text styles</a:t>
+              <a:rPr lang="zh-CN" altLang="en-US" smtClean="0"/>
+              <a:t>单击此处编辑母版文本样式</a:t>
             </a:r>
           </a:p>
           <a:p>
             <a:pPr lvl="1"/>
             <a:r>
-              <a:rPr lang="en-US" altLang="zh-CN"/>
-              <a:t>Second level</a:t>
+              <a:rPr lang="zh-CN" altLang="en-US" smtClean="0"/>
+              <a:t>第二级</a:t>
             </a:r>
           </a:p>
           <a:p>
             <a:pPr lvl="2"/>
             <a:r>
-              <a:rPr lang="en-US" altLang="zh-CN"/>
-              <a:t>Third level</a:t>
+              <a:rPr lang="zh-CN" altLang="en-US" smtClean="0"/>
+              <a:t>第三级</a:t>
             </a:r>
           </a:p>
           <a:p>
             <a:pPr lvl="3"/>
             <a:r>
-              <a:rPr lang="en-US" altLang="zh-CN"/>
-              <a:t>Fourth level</a:t>
+              <a:rPr lang="zh-CN" altLang="en-US" smtClean="0"/>
+              <a:t>第四级</a:t>
             </a:r>
           </a:p>
           <a:p>
             <a:pPr lvl="4"/>
             <a:r>
-              <a:rPr lang="en-US" altLang="zh-CN"/>
-              <a:t>Fifth level</a:t>
-            </a:r>
-            <a:endParaRPr lang="en-US"/>
-          </a:p>
-        </p:txBody>
-      </p:sp>
-      <p:sp>
-        <p:nvSpPr>
-          <p:cNvPr id="4" name="Date Placeholder 3"/>
+              <a:rPr lang="zh-CN" altLang="en-US" smtClean="0"/>
+              <a:t>第五级</a:t>
+            </a:r>
+            <a:endParaRPr lang="zh-CN" altLang="en-US"/>
+          </a:p>
+        </p:txBody>
+      </p:sp>
+      <p:sp>
+        <p:nvSpPr>
+          <p:cNvPr id="4" name="日期占位符 3"/>
           <p:cNvSpPr>
             <a:spLocks noGrp="1"/>
           </p:cNvSpPr>
@@ -847,18 +1144,29 @@
         <p:spPr/>
         <p:txBody>
           <a:bodyPr/>
-          <a:lstStyle/>
-          <a:p>
-            <a:fld id="{FCE89026-A00A-614F-AC06-99C951F864D4}" type="datetimeFigureOut">
-              <a:t>12/22/15</a:t>
+          <a:lstStyle>
+            <a:lvl1pPr>
+              <a:defRPr/>
+            </a:lvl1pPr>
+          </a:lstStyle>
+          <a:p>
+            <a:pPr>
+              <a:defRPr/>
+            </a:pPr>
+            <a:fld id="{E3D7D9CF-9943-46F7-B1C9-66F97AE77FC1}" type="datetimeFigureOut">
+              <a:rPr lang="zh-CN" altLang="en-US"/>
+              <a:pPr>
+                <a:defRPr/>
+              </a:pPr>
+              <a:t>15/12/23</a:t>
             </a:fld>
-            <a:endParaRPr lang="en-US"/>
-          </a:p>
-        </p:txBody>
-      </p:sp>
-      <p:sp>
-        <p:nvSpPr>
-          <p:cNvPr id="5" name="Footer Placeholder 4"/>
+            <a:endParaRPr lang="zh-CN" altLang="en-US"/>
+          </a:p>
+        </p:txBody>
+      </p:sp>
+      <p:sp>
+        <p:nvSpPr>
+          <p:cNvPr id="5" name="页脚占位符 4"/>
           <p:cNvSpPr>
             <a:spLocks noGrp="1"/>
           </p:cNvSpPr>
@@ -869,15 +1177,22 @@
         <p:spPr/>
         <p:txBody>
           <a:bodyPr/>
-          <a:lstStyle/>
-          <a:p>
-            <a:endParaRPr lang="en-US"/>
-          </a:p>
-        </p:txBody>
-      </p:sp>
-      <p:sp>
-        <p:nvSpPr>
-          <p:cNvPr id="6" name="Slide Number Placeholder 5"/>
+          <a:lstStyle>
+            <a:lvl1pPr>
+              <a:defRPr/>
+            </a:lvl1pPr>
+          </a:lstStyle>
+          <a:p>
+            <a:pPr>
+              <a:defRPr/>
+            </a:pPr>
+            <a:endParaRPr lang="zh-CN" altLang="en-US"/>
+          </a:p>
+        </p:txBody>
+      </p:sp>
+      <p:sp>
+        <p:nvSpPr>
+          <p:cNvPr id="6" name="灯片编号占位符 5"/>
           <p:cNvSpPr>
             <a:spLocks noGrp="1"/>
           </p:cNvSpPr>
@@ -888,21 +1203,27 @@
         <p:spPr/>
         <p:txBody>
           <a:bodyPr/>
-          <a:lstStyle/>
-          <a:p>
-            <a:fld id="{EEECE6A6-D597-D144-A728-88310AA6AFDF}" type="slidenum">
+          <a:lstStyle>
+            <a:lvl1pPr>
+              <a:defRPr/>
+            </a:lvl1pPr>
+          </a:lstStyle>
+          <a:p>
+            <a:pPr>
+              <a:defRPr/>
+            </a:pPr>
+            <a:fld id="{9189B18C-D632-4692-8557-F658B7073872}" type="slidenum">
+              <a:rPr lang="zh-CN" altLang="en-US"/>
+              <a:pPr>
+                <a:defRPr/>
+              </a:pPr>
               <a:t>‹#›</a:t>
             </a:fld>
-            <a:endParaRPr lang="en-US"/>
+            <a:endParaRPr lang="zh-CN" altLang="en-US"/>
           </a:p>
         </p:txBody>
       </p:sp>
     </p:spTree>
-    <p:extLst>
-      <p:ext uri="{BB962C8B-B14F-4D97-AF65-F5344CB8AC3E}">
-        <p14:creationId xmlns:p14="http://schemas.microsoft.com/office/powerpoint/2010/main" val="1812282134"/>
-      </p:ext>
-    </p:extLst>
   </p:cSld>
   <p:clrMapOvr>
     <a:masterClrMapping/>
@@ -910,9 +1231,9 @@
 </p:sldLayout>
 </file>
 
-<file path=ppt/slideLayouts/slideLayout11.xml><?xml version="1.0" encoding="utf-8"?>
-<p:sldLayout xmlns:a="http://schemas.openxmlformats.org/drawingml/2006/main" xmlns:r="http://schemas.openxmlformats.org/officeDocument/2006/relationships" xmlns:p="http://schemas.openxmlformats.org/presentationml/2006/main" type="vertTitleAndTx" preserve="1">
-  <p:cSld name="Vertical Title and Text">
+<file path=ppt/slideLayouts/slideLayout2.xml><?xml version="1.0" encoding="utf-8"?>
+<p:sldLayout xmlns:a="http://schemas.openxmlformats.org/drawingml/2006/main" xmlns:r="http://schemas.openxmlformats.org/officeDocument/2006/relationships" xmlns:p="http://schemas.openxmlformats.org/presentationml/2006/main" type="obj" preserve="1">
+  <p:cSld name="标题和内容">
     <p:spTree>
       <p:nvGrpSpPr>
         <p:cNvPr id="1" name=""/>
@@ -929,92 +1250,82 @@
       </p:grpSpPr>
       <p:sp>
         <p:nvSpPr>
-          <p:cNvPr id="2" name="Vertical Title 1"/>
+          <p:cNvPr id="2" name="标题 1"/>
           <p:cNvSpPr>
             <a:spLocks noGrp="1"/>
           </p:cNvSpPr>
           <p:nvPr>
-            <p:ph type="title" orient="vert"/>
+            <p:ph type="title"/>
           </p:nvPr>
         </p:nvSpPr>
-        <p:spPr>
-          <a:xfrm>
-            <a:off x="8724900" y="365125"/>
-            <a:ext cx="2628900" cy="5811838"/>
-          </a:xfrm>
-        </p:spPr>
-        <p:txBody>
-          <a:bodyPr vert="eaVert"/>
+        <p:spPr/>
+        <p:txBody>
+          <a:bodyPr/>
           <a:lstStyle/>
           <a:p>
             <a:r>
-              <a:rPr lang="en-US" altLang="zh-CN"/>
-              <a:t>Click to edit Master title style</a:t>
-            </a:r>
-            <a:endParaRPr lang="en-US"/>
-          </a:p>
-        </p:txBody>
-      </p:sp>
-      <p:sp>
-        <p:nvSpPr>
-          <p:cNvPr id="3" name="Vertical Text Placeholder 2"/>
+              <a:rPr lang="zh-CN" altLang="en-US" smtClean="0"/>
+              <a:t>单击此处编辑母版标题样式</a:t>
+            </a:r>
+            <a:endParaRPr lang="zh-CN" altLang="en-US"/>
+          </a:p>
+        </p:txBody>
+      </p:sp>
+      <p:sp>
+        <p:nvSpPr>
+          <p:cNvPr id="3" name="内容占位符 2"/>
           <p:cNvSpPr>
             <a:spLocks noGrp="1"/>
           </p:cNvSpPr>
           <p:nvPr>
-            <p:ph type="body" orient="vert" idx="1"/>
+            <p:ph idx="1"/>
           </p:nvPr>
         </p:nvSpPr>
-        <p:spPr>
-          <a:xfrm>
-            <a:off x="838200" y="365125"/>
-            <a:ext cx="7734300" cy="5811838"/>
-          </a:xfrm>
-        </p:spPr>
-        <p:txBody>
-          <a:bodyPr vert="eaVert"/>
+        <p:spPr/>
+        <p:txBody>
+          <a:bodyPr/>
           <a:lstStyle/>
           <a:p>
             <a:pPr lvl="0"/>
             <a:r>
-              <a:rPr lang="en-US" altLang="zh-CN"/>
-              <a:t>Click to edit Master text styles</a:t>
+              <a:rPr lang="zh-CN" altLang="en-US" smtClean="0"/>
+              <a:t>单击此处编辑母版文本样式</a:t>
             </a:r>
           </a:p>
           <a:p>
             <a:pPr lvl="1"/>
             <a:r>
-              <a:rPr lang="en-US" altLang="zh-CN"/>
-              <a:t>Second level</a:t>
+              <a:rPr lang="zh-CN" altLang="en-US" smtClean="0"/>
+              <a:t>第二级</a:t>
             </a:r>
           </a:p>
           <a:p>
             <a:pPr lvl="2"/>
             <a:r>
-              <a:rPr lang="en-US" altLang="zh-CN"/>
-              <a:t>Third level</a:t>
+              <a:rPr lang="zh-CN" altLang="en-US" smtClean="0"/>
+              <a:t>第三级</a:t>
             </a:r>
           </a:p>
           <a:p>
             <a:pPr lvl="3"/>
             <a:r>
-              <a:rPr lang="en-US" altLang="zh-CN"/>
-              <a:t>Fourth level</a:t>
+              <a:rPr lang="zh-CN" altLang="en-US" smtClean="0"/>
+              <a:t>第四级</a:t>
             </a:r>
           </a:p>
           <a:p>
             <a:pPr lvl="4"/>
             <a:r>
-              <a:rPr lang="en-US" altLang="zh-CN"/>
-              <a:t>Fifth level</a:t>
-            </a:r>
-            <a:endParaRPr lang="en-US"/>
-          </a:p>
-        </p:txBody>
-      </p:sp>
-      <p:sp>
-        <p:nvSpPr>
-          <p:cNvPr id="4" name="Date Placeholder 3"/>
+              <a:rPr lang="zh-CN" altLang="en-US" smtClean="0"/>
+              <a:t>第五级</a:t>
+            </a:r>
+            <a:endParaRPr lang="zh-CN" altLang="en-US"/>
+          </a:p>
+        </p:txBody>
+      </p:sp>
+      <p:sp>
+        <p:nvSpPr>
+          <p:cNvPr id="4" name="日期占位符 3"/>
           <p:cNvSpPr>
             <a:spLocks noGrp="1"/>
           </p:cNvSpPr>
@@ -1025,18 +1336,29 @@
         <p:spPr/>
         <p:txBody>
           <a:bodyPr/>
-          <a:lstStyle/>
-          <a:p>
-            <a:fld id="{FCE89026-A00A-614F-AC06-99C951F864D4}" type="datetimeFigureOut">
-              <a:t>12/22/15</a:t>
+          <a:lstStyle>
+            <a:lvl1pPr>
+              <a:defRPr/>
+            </a:lvl1pPr>
+          </a:lstStyle>
+          <a:p>
+            <a:pPr>
+              <a:defRPr/>
+            </a:pPr>
+            <a:fld id="{8D0CF8FD-3A91-496A-BDEE-4435A30C76A3}" type="datetimeFigureOut">
+              <a:rPr lang="zh-CN" altLang="en-US"/>
+              <a:pPr>
+                <a:defRPr/>
+              </a:pPr>
+              <a:t>15/12/23</a:t>
             </a:fld>
-            <a:endParaRPr lang="en-US"/>
-          </a:p>
-        </p:txBody>
-      </p:sp>
-      <p:sp>
-        <p:nvSpPr>
-          <p:cNvPr id="5" name="Footer Placeholder 4"/>
+            <a:endParaRPr lang="zh-CN" altLang="en-US"/>
+          </a:p>
+        </p:txBody>
+      </p:sp>
+      <p:sp>
+        <p:nvSpPr>
+          <p:cNvPr id="5" name="页脚占位符 4"/>
           <p:cNvSpPr>
             <a:spLocks noGrp="1"/>
           </p:cNvSpPr>
@@ -1047,15 +1369,22 @@
         <p:spPr/>
         <p:txBody>
           <a:bodyPr/>
-          <a:lstStyle/>
-          <a:p>
-            <a:endParaRPr lang="en-US"/>
-          </a:p>
-        </p:txBody>
-      </p:sp>
-      <p:sp>
-        <p:nvSpPr>
-          <p:cNvPr id="6" name="Slide Number Placeholder 5"/>
+          <a:lstStyle>
+            <a:lvl1pPr>
+              <a:defRPr/>
+            </a:lvl1pPr>
+          </a:lstStyle>
+          <a:p>
+            <a:pPr>
+              <a:defRPr/>
+            </a:pPr>
+            <a:endParaRPr lang="zh-CN" altLang="en-US"/>
+          </a:p>
+        </p:txBody>
+      </p:sp>
+      <p:sp>
+        <p:nvSpPr>
+          <p:cNvPr id="6" name="灯片编号占位符 5"/>
           <p:cNvSpPr>
             <a:spLocks noGrp="1"/>
           </p:cNvSpPr>
@@ -1066,21 +1395,27 @@
         <p:spPr/>
         <p:txBody>
           <a:bodyPr/>
-          <a:lstStyle/>
-          <a:p>
-            <a:fld id="{EEECE6A6-D597-D144-A728-88310AA6AFDF}" type="slidenum">
+          <a:lstStyle>
+            <a:lvl1pPr>
+              <a:defRPr/>
+            </a:lvl1pPr>
+          </a:lstStyle>
+          <a:p>
+            <a:pPr>
+              <a:defRPr/>
+            </a:pPr>
+            <a:fld id="{D84E8DED-6FCF-4D38-9BE2-51F52D2F53C0}" type="slidenum">
+              <a:rPr lang="zh-CN" altLang="en-US"/>
+              <a:pPr>
+                <a:defRPr/>
+              </a:pPr>
               <a:t>‹#›</a:t>
             </a:fld>
-            <a:endParaRPr lang="en-US"/>
+            <a:endParaRPr lang="zh-CN" altLang="en-US"/>
           </a:p>
         </p:txBody>
       </p:sp>
     </p:spTree>
-    <p:extLst>
-      <p:ext uri="{BB962C8B-B14F-4D97-AF65-F5344CB8AC3E}">
-        <p14:creationId xmlns:p14="http://schemas.microsoft.com/office/powerpoint/2010/main" val="1328104339"/>
-      </p:ext>
-    </p:extLst>
   </p:cSld>
   <p:clrMapOvr>
     <a:masterClrMapping/>
@@ -1088,9 +1423,9 @@
 </p:sldLayout>
 </file>
 
-<file path=ppt/slideLayouts/slideLayout2.xml><?xml version="1.0" encoding="utf-8"?>
-<p:sldLayout xmlns:a="http://schemas.openxmlformats.org/drawingml/2006/main" xmlns:r="http://schemas.openxmlformats.org/officeDocument/2006/relationships" xmlns:p="http://schemas.openxmlformats.org/presentationml/2006/main" type="obj" preserve="1">
-  <p:cSld name="Title and Content">
+<file path=ppt/slideLayouts/slideLayout3.xml><?xml version="1.0" encoding="utf-8"?>
+<p:sldLayout xmlns:a="http://schemas.openxmlformats.org/drawingml/2006/main" xmlns:r="http://schemas.openxmlformats.org/officeDocument/2006/relationships" xmlns:p="http://schemas.openxmlformats.org/presentationml/2006/main" type="secHead" preserve="1">
+  <p:cSld name="节标题">
     <p:spTree>
       <p:nvGrpSpPr>
         <p:cNvPr id="1" name=""/>
@@ -1107,7 +1442,7 @@
       </p:grpSpPr>
       <p:sp>
         <p:nvSpPr>
-          <p:cNvPr id="2" name="Title 1"/>
+          <p:cNvPr id="2" name="标题 1"/>
           <p:cNvSpPr>
             <a:spLocks noGrp="1"/>
           </p:cNvSpPr>
@@ -1115,74 +1450,150 @@
             <p:ph type="title"/>
           </p:nvPr>
         </p:nvSpPr>
-        <p:spPr/>
-        <p:txBody>
-          <a:bodyPr/>
-          <a:lstStyle/>
-          <a:p>
-            <a:r>
-              <a:rPr lang="en-US" altLang="zh-CN"/>
-              <a:t>Click to edit Master title style</a:t>
-            </a:r>
-            <a:endParaRPr lang="en-US"/>
-          </a:p>
-        </p:txBody>
-      </p:sp>
-      <p:sp>
-        <p:nvSpPr>
-          <p:cNvPr id="3" name="Content Placeholder 2"/>
+        <p:spPr>
+          <a:xfrm>
+            <a:off x="722313" y="4406900"/>
+            <a:ext cx="7772400" cy="1362075"/>
+          </a:xfrm>
+        </p:spPr>
+        <p:txBody>
+          <a:bodyPr anchor="t"/>
+          <a:lstStyle>
+            <a:lvl1pPr algn="l">
+              <a:defRPr sz="4000" b="1" cap="all"/>
+            </a:lvl1pPr>
+          </a:lstStyle>
+          <a:p>
+            <a:r>
+              <a:rPr lang="zh-CN" altLang="en-US" smtClean="0"/>
+              <a:t>单击此处编辑母版标题样式</a:t>
+            </a:r>
+            <a:endParaRPr lang="zh-CN" altLang="en-US"/>
+          </a:p>
+        </p:txBody>
+      </p:sp>
+      <p:sp>
+        <p:nvSpPr>
+          <p:cNvPr id="3" name="文本占位符 2"/>
           <p:cNvSpPr>
             <a:spLocks noGrp="1"/>
           </p:cNvSpPr>
           <p:nvPr>
-            <p:ph idx="1"/>
+            <p:ph type="body" idx="1"/>
           </p:nvPr>
         </p:nvSpPr>
-        <p:spPr/>
-        <p:txBody>
-          <a:bodyPr/>
-          <a:lstStyle/>
+        <p:spPr>
+          <a:xfrm>
+            <a:off x="722313" y="2906713"/>
+            <a:ext cx="7772400" cy="1500187"/>
+          </a:xfrm>
+        </p:spPr>
+        <p:txBody>
+          <a:bodyPr anchor="b"/>
+          <a:lstStyle>
+            <a:lvl1pPr marL="0" indent="0">
+              <a:buNone/>
+              <a:defRPr sz="2000">
+                <a:solidFill>
+                  <a:schemeClr val="tx1">
+                    <a:tint val="75000"/>
+                  </a:schemeClr>
+                </a:solidFill>
+              </a:defRPr>
+            </a:lvl1pPr>
+            <a:lvl2pPr marL="457200" indent="0">
+              <a:buNone/>
+              <a:defRPr sz="1800">
+                <a:solidFill>
+                  <a:schemeClr val="tx1">
+                    <a:tint val="75000"/>
+                  </a:schemeClr>
+                </a:solidFill>
+              </a:defRPr>
+            </a:lvl2pPr>
+            <a:lvl3pPr marL="914400" indent="0">
+              <a:buNone/>
+              <a:defRPr sz="1600">
+                <a:solidFill>
+                  <a:schemeClr val="tx1">
+                    <a:tint val="75000"/>
+                  </a:schemeClr>
+                </a:solidFill>
+              </a:defRPr>
+            </a:lvl3pPr>
+            <a:lvl4pPr marL="1371600" indent="0">
+              <a:buNone/>
+              <a:defRPr sz="1400">
+                <a:solidFill>
+                  <a:schemeClr val="tx1">
+                    <a:tint val="75000"/>
+                  </a:schemeClr>
+                </a:solidFill>
+              </a:defRPr>
+            </a:lvl4pPr>
+            <a:lvl5pPr marL="1828800" indent="0">
+              <a:buNone/>
+              <a:defRPr sz="1400">
+                <a:solidFill>
+                  <a:schemeClr val="tx1">
+                    <a:tint val="75000"/>
+                  </a:schemeClr>
+                </a:solidFill>
+              </a:defRPr>
+            </a:lvl5pPr>
+            <a:lvl6pPr marL="2286000" indent="0">
+              <a:buNone/>
+              <a:defRPr sz="1400">
+                <a:solidFill>
+                  <a:schemeClr val="tx1">
+                    <a:tint val="75000"/>
+                  </a:schemeClr>
+                </a:solidFill>
+              </a:defRPr>
+            </a:lvl6pPr>
+            <a:lvl7pPr marL="2743200" indent="0">
+              <a:buNone/>
+              <a:defRPr sz="1400">
+                <a:solidFill>
+                  <a:schemeClr val="tx1">
+                    <a:tint val="75000"/>
+                  </a:schemeClr>
+                </a:solidFill>
+              </a:defRPr>
+            </a:lvl7pPr>
+            <a:lvl8pPr marL="3200400" indent="0">
+              <a:buNone/>
+              <a:defRPr sz="1400">
+                <a:solidFill>
+                  <a:schemeClr val="tx1">
+                    <a:tint val="75000"/>
+                  </a:schemeClr>
+                </a:solidFill>
+              </a:defRPr>
+            </a:lvl8pPr>
+            <a:lvl9pPr marL="3657600" indent="0">
+              <a:buNone/>
+              <a:defRPr sz="1400">
+                <a:solidFill>
+                  <a:schemeClr val="tx1">
+                    <a:tint val="75000"/>
+                  </a:schemeClr>
+                </a:solidFill>
+              </a:defRPr>
+            </a:lvl9pPr>
+          </a:lstStyle>
           <a:p>
             <a:pPr lvl="0"/>
             <a:r>
-              <a:rPr lang="en-US" altLang="zh-CN"/>
-              <a:t>Click to edit Master text styles</a:t>
-            </a:r>
-          </a:p>
-          <a:p>
-            <a:pPr lvl="1"/>
-            <a:r>
-              <a:rPr lang="en-US" altLang="zh-CN"/>
-              <a:t>Second level</a:t>
-            </a:r>
-          </a:p>
-          <a:p>
-            <a:pPr lvl="2"/>
-            <a:r>
-              <a:rPr lang="en-US" altLang="zh-CN"/>
-              <a:t>Third level</a:t>
-            </a:r>
-          </a:p>
-          <a:p>
-            <a:pPr lvl="3"/>
-            <a:r>
-              <a:rPr lang="en-US" altLang="zh-CN"/>
-              <a:t>Fourth level</a:t>
-            </a:r>
-          </a:p>
-          <a:p>
-            <a:pPr lvl="4"/>
-            <a:r>
-              <a:rPr lang="en-US" altLang="zh-CN"/>
-              <a:t>Fifth level</a:t>
-            </a:r>
-            <a:endParaRPr lang="en-US"/>
-          </a:p>
-        </p:txBody>
-      </p:sp>
-      <p:sp>
-        <p:nvSpPr>
-          <p:cNvPr id="4" name="Date Placeholder 3"/>
+              <a:rPr lang="zh-CN" altLang="en-US" smtClean="0"/>
+              <a:t>单击此处编辑母版文本样式</a:t>
+            </a:r>
+          </a:p>
+        </p:txBody>
+      </p:sp>
+      <p:sp>
+        <p:nvSpPr>
+          <p:cNvPr id="4" name="日期占位符 3"/>
           <p:cNvSpPr>
             <a:spLocks noGrp="1"/>
           </p:cNvSpPr>
@@ -1193,18 +1604,29 @@
         <p:spPr/>
         <p:txBody>
           <a:bodyPr/>
-          <a:lstStyle/>
-          <a:p>
-            <a:fld id="{FCE89026-A00A-614F-AC06-99C951F864D4}" type="datetimeFigureOut">
-              <a:t>12/22/15</a:t>
+          <a:lstStyle>
+            <a:lvl1pPr>
+              <a:defRPr/>
+            </a:lvl1pPr>
+          </a:lstStyle>
+          <a:p>
+            <a:pPr>
+              <a:defRPr/>
+            </a:pPr>
+            <a:fld id="{1F92BD90-578D-4426-B986-AFB2A350D977}" type="datetimeFigureOut">
+              <a:rPr lang="zh-CN" altLang="en-US"/>
+              <a:pPr>
+                <a:defRPr/>
+              </a:pPr>
+              <a:t>15/12/23</a:t>
             </a:fld>
-            <a:endParaRPr lang="en-US"/>
-          </a:p>
-        </p:txBody>
-      </p:sp>
-      <p:sp>
-        <p:nvSpPr>
-          <p:cNvPr id="5" name="Footer Placeholder 4"/>
+            <a:endParaRPr lang="zh-CN" altLang="en-US"/>
+          </a:p>
+        </p:txBody>
+      </p:sp>
+      <p:sp>
+        <p:nvSpPr>
+          <p:cNvPr id="5" name="页脚占位符 4"/>
           <p:cNvSpPr>
             <a:spLocks noGrp="1"/>
           </p:cNvSpPr>
@@ -1215,15 +1637,22 @@
         <p:spPr/>
         <p:txBody>
           <a:bodyPr/>
-          <a:lstStyle/>
-          <a:p>
-            <a:endParaRPr lang="en-US"/>
-          </a:p>
-        </p:txBody>
-      </p:sp>
-      <p:sp>
-        <p:nvSpPr>
-          <p:cNvPr id="6" name="Slide Number Placeholder 5"/>
+          <a:lstStyle>
+            <a:lvl1pPr>
+              <a:defRPr/>
+            </a:lvl1pPr>
+          </a:lstStyle>
+          <a:p>
+            <a:pPr>
+              <a:defRPr/>
+            </a:pPr>
+            <a:endParaRPr lang="zh-CN" altLang="en-US"/>
+          </a:p>
+        </p:txBody>
+      </p:sp>
+      <p:sp>
+        <p:nvSpPr>
+          <p:cNvPr id="6" name="灯片编号占位符 5"/>
           <p:cNvSpPr>
             <a:spLocks noGrp="1"/>
           </p:cNvSpPr>
@@ -1234,21 +1663,27 @@
         <p:spPr/>
         <p:txBody>
           <a:bodyPr/>
-          <a:lstStyle/>
-          <a:p>
-            <a:fld id="{EEECE6A6-D597-D144-A728-88310AA6AFDF}" type="slidenum">
+          <a:lstStyle>
+            <a:lvl1pPr>
+              <a:defRPr/>
+            </a:lvl1pPr>
+          </a:lstStyle>
+          <a:p>
+            <a:pPr>
+              <a:defRPr/>
+            </a:pPr>
+            <a:fld id="{79F4F42F-3A2E-4B5D-B846-1939DC8F0F65}" type="slidenum">
+              <a:rPr lang="zh-CN" altLang="en-US"/>
+              <a:pPr>
+                <a:defRPr/>
+              </a:pPr>
               <a:t>‹#›</a:t>
             </a:fld>
-            <a:endParaRPr lang="en-US"/>
+            <a:endParaRPr lang="zh-CN" altLang="en-US"/>
           </a:p>
         </p:txBody>
       </p:sp>
     </p:spTree>
-    <p:extLst>
-      <p:ext uri="{BB962C8B-B14F-4D97-AF65-F5344CB8AC3E}">
-        <p14:creationId xmlns:p14="http://schemas.microsoft.com/office/powerpoint/2010/main" val="1974806403"/>
-      </p:ext>
-    </p:extLst>
   </p:cSld>
   <p:clrMapOvr>
     <a:masterClrMapping/>
@@ -1256,9 +1691,9 @@
 </p:sldLayout>
 </file>
 
-<file path=ppt/slideLayouts/slideLayout3.xml><?xml version="1.0" encoding="utf-8"?>
-<p:sldLayout xmlns:a="http://schemas.openxmlformats.org/drawingml/2006/main" xmlns:r="http://schemas.openxmlformats.org/officeDocument/2006/relationships" xmlns:p="http://schemas.openxmlformats.org/presentationml/2006/main" type="secHead" preserve="1">
-  <p:cSld name="Section Header">
+<file path=ppt/slideLayouts/slideLayout4.xml><?xml version="1.0" encoding="utf-8"?>
+<p:sldLayout xmlns:a="http://schemas.openxmlformats.org/drawingml/2006/main" xmlns:r="http://schemas.openxmlformats.org/officeDocument/2006/relationships" xmlns:p="http://schemas.openxmlformats.org/presentationml/2006/main" type="twoObj" preserve="1">
+  <p:cSld name="两栏内容">
     <p:spTree>
       <p:nvGrpSpPr>
         <p:cNvPr id="1" name=""/>
@@ -1275,7 +1710,7 @@
       </p:grpSpPr>
       <p:sp>
         <p:nvSpPr>
-          <p:cNvPr id="2" name="Title 1"/>
+          <p:cNvPr id="2" name="标题 1"/>
           <p:cNvSpPr>
             <a:spLocks noGrp="1"/>
           </p:cNvSpPr>
@@ -1283,150 +1718,192 @@
             <p:ph type="title"/>
           </p:nvPr>
         </p:nvSpPr>
+        <p:spPr/>
+        <p:txBody>
+          <a:bodyPr/>
+          <a:lstStyle/>
+          <a:p>
+            <a:r>
+              <a:rPr lang="zh-CN" altLang="en-US" smtClean="0"/>
+              <a:t>单击此处编辑母版标题样式</a:t>
+            </a:r>
+            <a:endParaRPr lang="zh-CN" altLang="en-US"/>
+          </a:p>
+        </p:txBody>
+      </p:sp>
+      <p:sp>
+        <p:nvSpPr>
+          <p:cNvPr id="3" name="内容占位符 2"/>
+          <p:cNvSpPr>
+            <a:spLocks noGrp="1"/>
+          </p:cNvSpPr>
+          <p:nvPr>
+            <p:ph sz="half" idx="1"/>
+          </p:nvPr>
+        </p:nvSpPr>
         <p:spPr>
           <a:xfrm>
-            <a:off x="831850" y="1709738"/>
-            <a:ext cx="10515600" cy="2852737"/>
-          </a:xfrm>
-        </p:spPr>
-        <p:txBody>
-          <a:bodyPr anchor="b"/>
+            <a:off x="457200" y="1600200"/>
+            <a:ext cx="4038600" cy="4525963"/>
+          </a:xfrm>
+        </p:spPr>
+        <p:txBody>
+          <a:bodyPr/>
           <a:lstStyle>
             <a:lvl1pPr>
-              <a:defRPr sz="6000"/>
+              <a:defRPr sz="2800"/>
             </a:lvl1pPr>
+            <a:lvl2pPr>
+              <a:defRPr sz="2400"/>
+            </a:lvl2pPr>
+            <a:lvl3pPr>
+              <a:defRPr sz="2000"/>
+            </a:lvl3pPr>
+            <a:lvl4pPr>
+              <a:defRPr sz="1800"/>
+            </a:lvl4pPr>
+            <a:lvl5pPr>
+              <a:defRPr sz="1800"/>
+            </a:lvl5pPr>
+            <a:lvl6pPr>
+              <a:defRPr sz="1800"/>
+            </a:lvl6pPr>
+            <a:lvl7pPr>
+              <a:defRPr sz="1800"/>
+            </a:lvl7pPr>
+            <a:lvl8pPr>
+              <a:defRPr sz="1800"/>
+            </a:lvl8pPr>
+            <a:lvl9pPr>
+              <a:defRPr sz="1800"/>
+            </a:lvl9pPr>
           </a:lstStyle>
           <a:p>
-            <a:r>
-              <a:rPr lang="en-US" altLang="zh-CN"/>
-              <a:t>Click to edit Master title style</a:t>
-            </a:r>
-            <a:endParaRPr lang="en-US"/>
-          </a:p>
-        </p:txBody>
-      </p:sp>
-      <p:sp>
-        <p:nvSpPr>
-          <p:cNvPr id="3" name="Text Placeholder 2"/>
+            <a:pPr lvl="0"/>
+            <a:r>
+              <a:rPr lang="zh-CN" altLang="en-US" smtClean="0"/>
+              <a:t>单击此处编辑母版文本样式</a:t>
+            </a:r>
+          </a:p>
+          <a:p>
+            <a:pPr lvl="1"/>
+            <a:r>
+              <a:rPr lang="zh-CN" altLang="en-US" smtClean="0"/>
+              <a:t>第二级</a:t>
+            </a:r>
+          </a:p>
+          <a:p>
+            <a:pPr lvl="2"/>
+            <a:r>
+              <a:rPr lang="zh-CN" altLang="en-US" smtClean="0"/>
+              <a:t>第三级</a:t>
+            </a:r>
+          </a:p>
+          <a:p>
+            <a:pPr lvl="3"/>
+            <a:r>
+              <a:rPr lang="zh-CN" altLang="en-US" smtClean="0"/>
+              <a:t>第四级</a:t>
+            </a:r>
+          </a:p>
+          <a:p>
+            <a:pPr lvl="4"/>
+            <a:r>
+              <a:rPr lang="zh-CN" altLang="en-US" smtClean="0"/>
+              <a:t>第五级</a:t>
+            </a:r>
+            <a:endParaRPr lang="zh-CN" altLang="en-US"/>
+          </a:p>
+        </p:txBody>
+      </p:sp>
+      <p:sp>
+        <p:nvSpPr>
+          <p:cNvPr id="4" name="内容占位符 3"/>
           <p:cNvSpPr>
             <a:spLocks noGrp="1"/>
           </p:cNvSpPr>
           <p:nvPr>
-            <p:ph type="body" idx="1"/>
+            <p:ph sz="half" idx="2"/>
           </p:nvPr>
         </p:nvSpPr>
         <p:spPr>
           <a:xfrm>
-            <a:off x="831850" y="4589463"/>
-            <a:ext cx="10515600" cy="1500187"/>
+            <a:off x="4648200" y="1600200"/>
+            <a:ext cx="4038600" cy="4525963"/>
           </a:xfrm>
         </p:spPr>
         <p:txBody>
           <a:bodyPr/>
           <a:lstStyle>
-            <a:lvl1pPr marL="0" indent="0">
-              <a:buNone/>
-              <a:defRPr sz="2400">
-                <a:solidFill>
-                  <a:schemeClr val="tx1">
-                    <a:tint val="75000"/>
-                  </a:schemeClr>
-                </a:solidFill>
-              </a:defRPr>
+            <a:lvl1pPr>
+              <a:defRPr sz="2800"/>
             </a:lvl1pPr>
-            <a:lvl2pPr marL="457200" indent="0">
-              <a:buNone/>
-              <a:defRPr sz="2000">
-                <a:solidFill>
-                  <a:schemeClr val="tx1">
-                    <a:tint val="75000"/>
-                  </a:schemeClr>
-                </a:solidFill>
-              </a:defRPr>
+            <a:lvl2pPr>
+              <a:defRPr sz="2400"/>
             </a:lvl2pPr>
-            <a:lvl3pPr marL="914400" indent="0">
-              <a:buNone/>
-              <a:defRPr sz="1800">
-                <a:solidFill>
-                  <a:schemeClr val="tx1">
-                    <a:tint val="75000"/>
-                  </a:schemeClr>
-                </a:solidFill>
-              </a:defRPr>
+            <a:lvl3pPr>
+              <a:defRPr sz="2000"/>
             </a:lvl3pPr>
-            <a:lvl4pPr marL="1371600" indent="0">
-              <a:buNone/>
-              <a:defRPr sz="1600">
-                <a:solidFill>
-                  <a:schemeClr val="tx1">
-                    <a:tint val="75000"/>
-                  </a:schemeClr>
-                </a:solidFill>
-              </a:defRPr>
+            <a:lvl4pPr>
+              <a:defRPr sz="1800"/>
             </a:lvl4pPr>
-            <a:lvl5pPr marL="1828800" indent="0">
-              <a:buNone/>
-              <a:defRPr sz="1600">
-                <a:solidFill>
-                  <a:schemeClr val="tx1">
-                    <a:tint val="75000"/>
-                  </a:schemeClr>
-                </a:solidFill>
-              </a:defRPr>
+            <a:lvl5pPr>
+              <a:defRPr sz="1800"/>
             </a:lvl5pPr>
-            <a:lvl6pPr marL="2286000" indent="0">
-              <a:buNone/>
-              <a:defRPr sz="1600">
-                <a:solidFill>
-                  <a:schemeClr val="tx1">
-                    <a:tint val="75000"/>
-                  </a:schemeClr>
-                </a:solidFill>
-              </a:defRPr>
+            <a:lvl6pPr>
+              <a:defRPr sz="1800"/>
             </a:lvl6pPr>
-            <a:lvl7pPr marL="2743200" indent="0">
-              <a:buNone/>
-              <a:defRPr sz="1600">
-                <a:solidFill>
-                  <a:schemeClr val="tx1">
-                    <a:tint val="75000"/>
-                  </a:schemeClr>
-                </a:solidFill>
-              </a:defRPr>
+            <a:lvl7pPr>
+              <a:defRPr sz="1800"/>
             </a:lvl7pPr>
-            <a:lvl8pPr marL="3200400" indent="0">
-              <a:buNone/>
-              <a:defRPr sz="1600">
-                <a:solidFill>
-                  <a:schemeClr val="tx1">
-                    <a:tint val="75000"/>
-                  </a:schemeClr>
-                </a:solidFill>
-              </a:defRPr>
+            <a:lvl8pPr>
+              <a:defRPr sz="1800"/>
             </a:lvl8pPr>
-            <a:lvl9pPr marL="3657600" indent="0">
-              <a:buNone/>
-              <a:defRPr sz="1600">
-                <a:solidFill>
-                  <a:schemeClr val="tx1">
-                    <a:tint val="75000"/>
-                  </a:schemeClr>
-                </a:solidFill>
-              </a:defRPr>
+            <a:lvl9pPr>
+              <a:defRPr sz="1800"/>
             </a:lvl9pPr>
           </a:lstStyle>
           <a:p>
             <a:pPr lvl="0"/>
             <a:r>
-              <a:rPr lang="en-US" altLang="zh-CN"/>
-              <a:t>Click to edit Master text styles</a:t>
-            </a:r>
-          </a:p>
-        </p:txBody>
-      </p:sp>
-      <p:sp>
-        <p:nvSpPr>
-          <p:cNvPr id="4" name="Date Placeholder 3"/>
+              <a:rPr lang="zh-CN" altLang="en-US" smtClean="0"/>
+              <a:t>单击此处编辑母版文本样式</a:t>
+            </a:r>
+          </a:p>
+          <a:p>
+            <a:pPr lvl="1"/>
+            <a:r>
+              <a:rPr lang="zh-CN" altLang="en-US" smtClean="0"/>
+              <a:t>第二级</a:t>
+            </a:r>
+          </a:p>
+          <a:p>
+            <a:pPr lvl="2"/>
+            <a:r>
+              <a:rPr lang="zh-CN" altLang="en-US" smtClean="0"/>
+              <a:t>第三级</a:t>
+            </a:r>
+          </a:p>
+          <a:p>
+            <a:pPr lvl="3"/>
+            <a:r>
+              <a:rPr lang="zh-CN" altLang="en-US" smtClean="0"/>
+              <a:t>第四级</a:t>
+            </a:r>
+          </a:p>
+          <a:p>
+            <a:pPr lvl="4"/>
+            <a:r>
+              <a:rPr lang="zh-CN" altLang="en-US" smtClean="0"/>
+              <a:t>第五级</a:t>
+            </a:r>
+            <a:endParaRPr lang="zh-CN" altLang="en-US"/>
+          </a:p>
+        </p:txBody>
+      </p:sp>
+      <p:sp>
+        <p:nvSpPr>
+          <p:cNvPr id="5" name="日期占位符 3"/>
           <p:cNvSpPr>
             <a:spLocks noGrp="1"/>
           </p:cNvSpPr>
@@ -1437,18 +1914,29 @@
         <p:spPr/>
         <p:txBody>
           <a:bodyPr/>
-          <a:lstStyle/>
-          <a:p>
-            <a:fld id="{FCE89026-A00A-614F-AC06-99C951F864D4}" type="datetimeFigureOut">
-              <a:t>12/22/15</a:t>
+          <a:lstStyle>
+            <a:lvl1pPr>
+              <a:defRPr/>
+            </a:lvl1pPr>
+          </a:lstStyle>
+          <a:p>
+            <a:pPr>
+              <a:defRPr/>
+            </a:pPr>
+            <a:fld id="{8A7AFF00-2C90-4A88-B4D5-ECDCE3C119B0}" type="datetimeFigureOut">
+              <a:rPr lang="zh-CN" altLang="en-US"/>
+              <a:pPr>
+                <a:defRPr/>
+              </a:pPr>
+              <a:t>15/12/23</a:t>
             </a:fld>
-            <a:endParaRPr lang="en-US"/>
-          </a:p>
-        </p:txBody>
-      </p:sp>
-      <p:sp>
-        <p:nvSpPr>
-          <p:cNvPr id="5" name="Footer Placeholder 4"/>
+            <a:endParaRPr lang="zh-CN" altLang="en-US"/>
+          </a:p>
+        </p:txBody>
+      </p:sp>
+      <p:sp>
+        <p:nvSpPr>
+          <p:cNvPr id="6" name="页脚占位符 4"/>
           <p:cNvSpPr>
             <a:spLocks noGrp="1"/>
           </p:cNvSpPr>
@@ -1459,15 +1947,22 @@
         <p:spPr/>
         <p:txBody>
           <a:bodyPr/>
-          <a:lstStyle/>
-          <a:p>
-            <a:endParaRPr lang="en-US"/>
-          </a:p>
-        </p:txBody>
-      </p:sp>
-      <p:sp>
-        <p:nvSpPr>
-          <p:cNvPr id="6" name="Slide Number Placeholder 5"/>
+          <a:lstStyle>
+            <a:lvl1pPr>
+              <a:defRPr/>
+            </a:lvl1pPr>
+          </a:lstStyle>
+          <a:p>
+            <a:pPr>
+              <a:defRPr/>
+            </a:pPr>
+            <a:endParaRPr lang="zh-CN" altLang="en-US"/>
+          </a:p>
+        </p:txBody>
+      </p:sp>
+      <p:sp>
+        <p:nvSpPr>
+          <p:cNvPr id="7" name="灯片编号占位符 5"/>
           <p:cNvSpPr>
             <a:spLocks noGrp="1"/>
           </p:cNvSpPr>
@@ -1478,21 +1973,27 @@
         <p:spPr/>
         <p:txBody>
           <a:bodyPr/>
-          <a:lstStyle/>
-          <a:p>
-            <a:fld id="{EEECE6A6-D597-D144-A728-88310AA6AFDF}" type="slidenum">
+          <a:lstStyle>
+            <a:lvl1pPr>
+              <a:defRPr/>
+            </a:lvl1pPr>
+          </a:lstStyle>
+          <a:p>
+            <a:pPr>
+              <a:defRPr/>
+            </a:pPr>
+            <a:fld id="{098A260A-233A-477D-BAA4-1E6C64D0288D}" type="slidenum">
+              <a:rPr lang="zh-CN" altLang="en-US"/>
+              <a:pPr>
+                <a:defRPr/>
+              </a:pPr>
               <a:t>‹#›</a:t>
             </a:fld>
-            <a:endParaRPr lang="en-US"/>
+            <a:endParaRPr lang="zh-CN" altLang="en-US"/>
           </a:p>
         </p:txBody>
       </p:sp>
     </p:spTree>
-    <p:extLst>
-      <p:ext uri="{BB962C8B-B14F-4D97-AF65-F5344CB8AC3E}">
-        <p14:creationId xmlns:p14="http://schemas.microsoft.com/office/powerpoint/2010/main" val="1473144500"/>
-      </p:ext>
-    </p:extLst>
   </p:cSld>
   <p:clrMapOvr>
     <a:masterClrMapping/>
@@ -1500,9 +2001,9 @@
 </p:sldLayout>
 </file>
 
-<file path=ppt/slideLayouts/slideLayout4.xml><?xml version="1.0" encoding="utf-8"?>
-<p:sldLayout xmlns:a="http://schemas.openxmlformats.org/drawingml/2006/main" xmlns:r="http://schemas.openxmlformats.org/officeDocument/2006/relationships" xmlns:p="http://schemas.openxmlformats.org/presentationml/2006/main" type="twoObj" preserve="1">
-  <p:cSld name="Two Content">
+<file path=ppt/slideLayouts/slideLayout5.xml><?xml version="1.0" encoding="utf-8"?>
+<p:sldLayout xmlns:a="http://schemas.openxmlformats.org/drawingml/2006/main" xmlns:r="http://schemas.openxmlformats.org/officeDocument/2006/relationships" xmlns:p="http://schemas.openxmlformats.org/presentationml/2006/main" type="twoTxTwoObj" preserve="1">
+  <p:cSld name="比较">
     <p:spTree>
       <p:nvGrpSpPr>
         <p:cNvPr id="1" name=""/>
@@ -1519,7 +2020,7 @@
       </p:grpSpPr>
       <p:sp>
         <p:nvSpPr>
-          <p:cNvPr id="2" name="Title 1"/>
+          <p:cNvPr id="2" name="标题 1"/>
           <p:cNvSpPr>
             <a:spLocks noGrp="1"/>
           </p:cNvSpPr>
@@ -1530,254 +2031,23 @@
         <p:spPr/>
         <p:txBody>
           <a:bodyPr/>
-          <a:lstStyle/>
-          <a:p>
-            <a:r>
-              <a:rPr lang="en-US" altLang="zh-CN"/>
-              <a:t>Click to edit Master title style</a:t>
-            </a:r>
-            <a:endParaRPr lang="en-US"/>
-          </a:p>
-        </p:txBody>
-      </p:sp>
-      <p:sp>
-        <p:nvSpPr>
-          <p:cNvPr id="3" name="Content Placeholder 2"/>
-          <p:cNvSpPr>
-            <a:spLocks noGrp="1"/>
-          </p:cNvSpPr>
-          <p:nvPr>
-            <p:ph sz="half" idx="1"/>
-          </p:nvPr>
-        </p:nvSpPr>
-        <p:spPr>
-          <a:xfrm>
-            <a:off x="838200" y="1825625"/>
-            <a:ext cx="5181600" cy="4351338"/>
-          </a:xfrm>
-        </p:spPr>
-        <p:txBody>
-          <a:bodyPr/>
-          <a:lstStyle/>
-          <a:p>
-            <a:pPr lvl="0"/>
-            <a:r>
-              <a:rPr lang="en-US" altLang="zh-CN"/>
-              <a:t>Click to edit Master text styles</a:t>
-            </a:r>
-          </a:p>
-          <a:p>
-            <a:pPr lvl="1"/>
-            <a:r>
-              <a:rPr lang="en-US" altLang="zh-CN"/>
-              <a:t>Second level</a:t>
-            </a:r>
-          </a:p>
-          <a:p>
-            <a:pPr lvl="2"/>
-            <a:r>
-              <a:rPr lang="en-US" altLang="zh-CN"/>
-              <a:t>Third level</a:t>
-            </a:r>
-          </a:p>
-          <a:p>
-            <a:pPr lvl="3"/>
-            <a:r>
-              <a:rPr lang="en-US" altLang="zh-CN"/>
-              <a:t>Fourth level</a:t>
-            </a:r>
-          </a:p>
-          <a:p>
-            <a:pPr lvl="4"/>
-            <a:r>
-              <a:rPr lang="en-US" altLang="zh-CN"/>
-              <a:t>Fifth level</a:t>
-            </a:r>
-            <a:endParaRPr lang="en-US"/>
-          </a:p>
-        </p:txBody>
-      </p:sp>
-      <p:sp>
-        <p:nvSpPr>
-          <p:cNvPr id="4" name="Content Placeholder 3"/>
-          <p:cNvSpPr>
-            <a:spLocks noGrp="1"/>
-          </p:cNvSpPr>
-          <p:nvPr>
-            <p:ph sz="half" idx="2"/>
-          </p:nvPr>
-        </p:nvSpPr>
-        <p:spPr>
-          <a:xfrm>
-            <a:off x="6172200" y="1825625"/>
-            <a:ext cx="5181600" cy="4351338"/>
-          </a:xfrm>
-        </p:spPr>
-        <p:txBody>
-          <a:bodyPr/>
-          <a:lstStyle/>
-          <a:p>
-            <a:pPr lvl="0"/>
-            <a:r>
-              <a:rPr lang="en-US" altLang="zh-CN"/>
-              <a:t>Click to edit Master text styles</a:t>
-            </a:r>
-          </a:p>
-          <a:p>
-            <a:pPr lvl="1"/>
-            <a:r>
-              <a:rPr lang="en-US" altLang="zh-CN"/>
-              <a:t>Second level</a:t>
-            </a:r>
-          </a:p>
-          <a:p>
-            <a:pPr lvl="2"/>
-            <a:r>
-              <a:rPr lang="en-US" altLang="zh-CN"/>
-              <a:t>Third level</a:t>
-            </a:r>
-          </a:p>
-          <a:p>
-            <a:pPr lvl="3"/>
-            <a:r>
-              <a:rPr lang="en-US" altLang="zh-CN"/>
-              <a:t>Fourth level</a:t>
-            </a:r>
-          </a:p>
-          <a:p>
-            <a:pPr lvl="4"/>
-            <a:r>
-              <a:rPr lang="en-US" altLang="zh-CN"/>
-              <a:t>Fifth level</a:t>
-            </a:r>
-            <a:endParaRPr lang="en-US"/>
-          </a:p>
-        </p:txBody>
-      </p:sp>
-      <p:sp>
-        <p:nvSpPr>
-          <p:cNvPr id="5" name="Date Placeholder 4"/>
-          <p:cNvSpPr>
-            <a:spLocks noGrp="1"/>
-          </p:cNvSpPr>
-          <p:nvPr>
-            <p:ph type="dt" sz="half" idx="10"/>
-          </p:nvPr>
-        </p:nvSpPr>
-        <p:spPr/>
-        <p:txBody>
-          <a:bodyPr/>
-          <a:lstStyle/>
-          <a:p>
-            <a:fld id="{FCE89026-A00A-614F-AC06-99C951F864D4}" type="datetimeFigureOut">
-              <a:t>12/22/15</a:t>
-            </a:fld>
-            <a:endParaRPr lang="en-US"/>
-          </a:p>
-        </p:txBody>
-      </p:sp>
-      <p:sp>
-        <p:nvSpPr>
-          <p:cNvPr id="6" name="Footer Placeholder 5"/>
-          <p:cNvSpPr>
-            <a:spLocks noGrp="1"/>
-          </p:cNvSpPr>
-          <p:nvPr>
-            <p:ph type="ftr" sz="quarter" idx="11"/>
-          </p:nvPr>
-        </p:nvSpPr>
-        <p:spPr/>
-        <p:txBody>
-          <a:bodyPr/>
-          <a:lstStyle/>
-          <a:p>
-            <a:endParaRPr lang="en-US"/>
-          </a:p>
-        </p:txBody>
-      </p:sp>
-      <p:sp>
-        <p:nvSpPr>
-          <p:cNvPr id="7" name="Slide Number Placeholder 6"/>
-          <p:cNvSpPr>
-            <a:spLocks noGrp="1"/>
-          </p:cNvSpPr>
-          <p:nvPr>
-            <p:ph type="sldNum" sz="quarter" idx="12"/>
-          </p:nvPr>
-        </p:nvSpPr>
-        <p:spPr/>
-        <p:txBody>
-          <a:bodyPr/>
-          <a:lstStyle/>
-          <a:p>
-            <a:fld id="{EEECE6A6-D597-D144-A728-88310AA6AFDF}" type="slidenum">
-              <a:t>‹#›</a:t>
-            </a:fld>
-            <a:endParaRPr lang="en-US"/>
-          </a:p>
-        </p:txBody>
-      </p:sp>
-    </p:spTree>
-    <p:extLst>
-      <p:ext uri="{BB962C8B-B14F-4D97-AF65-F5344CB8AC3E}">
-        <p14:creationId xmlns:p14="http://schemas.microsoft.com/office/powerpoint/2010/main" val="1739000681"/>
-      </p:ext>
-    </p:extLst>
-  </p:cSld>
-  <p:clrMapOvr>
-    <a:masterClrMapping/>
-  </p:clrMapOvr>
-</p:sldLayout>
-</file>
-
-<file path=ppt/slideLayouts/slideLayout5.xml><?xml version="1.0" encoding="utf-8"?>
-<p:sldLayout xmlns:a="http://schemas.openxmlformats.org/drawingml/2006/main" xmlns:r="http://schemas.openxmlformats.org/officeDocument/2006/relationships" xmlns:p="http://schemas.openxmlformats.org/presentationml/2006/main" type="twoTxTwoObj" preserve="1">
-  <p:cSld name="Comparison">
-    <p:spTree>
-      <p:nvGrpSpPr>
-        <p:cNvPr id="1" name=""/>
-        <p:cNvGrpSpPr/>
-        <p:nvPr/>
-      </p:nvGrpSpPr>
-      <p:grpSpPr>
-        <a:xfrm>
-          <a:off x="0" y="0"/>
-          <a:ext cx="0" cy="0"/>
-          <a:chOff x="0" y="0"/>
-          <a:chExt cx="0" cy="0"/>
-        </a:xfrm>
-      </p:grpSpPr>
-      <p:sp>
-        <p:nvSpPr>
-          <p:cNvPr id="2" name="Title 1"/>
-          <p:cNvSpPr>
-            <a:spLocks noGrp="1"/>
-          </p:cNvSpPr>
-          <p:nvPr>
-            <p:ph type="title"/>
-          </p:nvPr>
-        </p:nvSpPr>
-        <p:spPr>
-          <a:xfrm>
-            <a:off x="839788" y="365125"/>
-            <a:ext cx="10515600" cy="1325563"/>
-          </a:xfrm>
-        </p:spPr>
-        <p:txBody>
-          <a:bodyPr/>
-          <a:lstStyle/>
-          <a:p>
-            <a:r>
-              <a:rPr lang="en-US" altLang="zh-CN"/>
-              <a:t>Click to edit Master title style</a:t>
-            </a:r>
-            <a:endParaRPr lang="en-US"/>
-          </a:p>
-        </p:txBody>
-      </p:sp>
-      <p:sp>
-        <p:nvSpPr>
-          <p:cNvPr id="3" name="Text Placeholder 2"/>
+          <a:lstStyle>
+            <a:lvl1pPr>
+              <a:defRPr/>
+            </a:lvl1pPr>
+          </a:lstStyle>
+          <a:p>
+            <a:r>
+              <a:rPr lang="zh-CN" altLang="en-US" smtClean="0"/>
+              <a:t>单击此处编辑母版标题样式</a:t>
+            </a:r>
+            <a:endParaRPr lang="zh-CN" altLang="en-US"/>
+          </a:p>
+        </p:txBody>
+      </p:sp>
+      <p:sp>
+        <p:nvSpPr>
+          <p:cNvPr id="3" name="文本占位符 2"/>
           <p:cNvSpPr>
             <a:spLocks noGrp="1"/>
           </p:cNvSpPr>
@@ -1787,8 +2057,8 @@
         </p:nvSpPr>
         <p:spPr>
           <a:xfrm>
-            <a:off x="839788" y="1681163"/>
-            <a:ext cx="5157787" cy="823912"/>
+            <a:off x="457200" y="1535113"/>
+            <a:ext cx="4040188" cy="639762"/>
           </a:xfrm>
         </p:spPr>
         <p:txBody>
@@ -1834,15 +2104,15 @@
           <a:p>
             <a:pPr lvl="0"/>
             <a:r>
-              <a:rPr lang="en-US" altLang="zh-CN"/>
-              <a:t>Click to edit Master text styles</a:t>
-            </a:r>
-          </a:p>
-        </p:txBody>
-      </p:sp>
-      <p:sp>
-        <p:nvSpPr>
-          <p:cNvPr id="4" name="Content Placeholder 3"/>
+              <a:rPr lang="zh-CN" altLang="en-US" smtClean="0"/>
+              <a:t>单击此处编辑母版文本样式</a:t>
+            </a:r>
+          </a:p>
+        </p:txBody>
+      </p:sp>
+      <p:sp>
+        <p:nvSpPr>
+          <p:cNvPr id="4" name="内容占位符 3"/>
           <p:cNvSpPr>
             <a:spLocks noGrp="1"/>
           </p:cNvSpPr>
@@ -1852,54 +2122,82 @@
         </p:nvSpPr>
         <p:spPr>
           <a:xfrm>
-            <a:off x="839788" y="2505075"/>
-            <a:ext cx="5157787" cy="3684588"/>
+            <a:off x="457200" y="2174875"/>
+            <a:ext cx="4040188" cy="3951288"/>
           </a:xfrm>
         </p:spPr>
         <p:txBody>
           <a:bodyPr/>
-          <a:lstStyle/>
+          <a:lstStyle>
+            <a:lvl1pPr>
+              <a:defRPr sz="2400"/>
+            </a:lvl1pPr>
+            <a:lvl2pPr>
+              <a:defRPr sz="2000"/>
+            </a:lvl2pPr>
+            <a:lvl3pPr>
+              <a:defRPr sz="1800"/>
+            </a:lvl3pPr>
+            <a:lvl4pPr>
+              <a:defRPr sz="1600"/>
+            </a:lvl4pPr>
+            <a:lvl5pPr>
+              <a:defRPr sz="1600"/>
+            </a:lvl5pPr>
+            <a:lvl6pPr>
+              <a:defRPr sz="1600"/>
+            </a:lvl6pPr>
+            <a:lvl7pPr>
+              <a:defRPr sz="1600"/>
+            </a:lvl7pPr>
+            <a:lvl8pPr>
+              <a:defRPr sz="1600"/>
+            </a:lvl8pPr>
+            <a:lvl9pPr>
+              <a:defRPr sz="1600"/>
+            </a:lvl9pPr>
+          </a:lstStyle>
           <a:p>
             <a:pPr lvl="0"/>
             <a:r>
-              <a:rPr lang="en-US" altLang="zh-CN"/>
-              <a:t>Click to edit Master text styles</a:t>
+              <a:rPr lang="zh-CN" altLang="en-US" smtClean="0"/>
+              <a:t>单击此处编辑母版文本样式</a:t>
             </a:r>
           </a:p>
           <a:p>
             <a:pPr lvl="1"/>
             <a:r>
-              <a:rPr lang="en-US" altLang="zh-CN"/>
-              <a:t>Second level</a:t>
+              <a:rPr lang="zh-CN" altLang="en-US" smtClean="0"/>
+              <a:t>第二级</a:t>
             </a:r>
           </a:p>
           <a:p>
             <a:pPr lvl="2"/>
             <a:r>
-              <a:rPr lang="en-US" altLang="zh-CN"/>
-              <a:t>Third level</a:t>
+              <a:rPr lang="zh-CN" altLang="en-US" smtClean="0"/>
+              <a:t>第三级</a:t>
             </a:r>
           </a:p>
           <a:p>
             <a:pPr lvl="3"/>
             <a:r>
-              <a:rPr lang="en-US" altLang="zh-CN"/>
-              <a:t>Fourth level</a:t>
+              <a:rPr lang="zh-CN" altLang="en-US" smtClean="0"/>
+              <a:t>第四级</a:t>
             </a:r>
           </a:p>
           <a:p>
             <a:pPr lvl="4"/>
             <a:r>
-              <a:rPr lang="en-US" altLang="zh-CN"/>
-              <a:t>Fifth level</a:t>
-            </a:r>
-            <a:endParaRPr lang="en-US"/>
-          </a:p>
-        </p:txBody>
-      </p:sp>
-      <p:sp>
-        <p:nvSpPr>
-          <p:cNvPr id="5" name="Text Placeholder 4"/>
+              <a:rPr lang="zh-CN" altLang="en-US" smtClean="0"/>
+              <a:t>第五级</a:t>
+            </a:r>
+            <a:endParaRPr lang="zh-CN" altLang="en-US"/>
+          </a:p>
+        </p:txBody>
+      </p:sp>
+      <p:sp>
+        <p:nvSpPr>
+          <p:cNvPr id="5" name="文本占位符 4"/>
           <p:cNvSpPr>
             <a:spLocks noGrp="1"/>
           </p:cNvSpPr>
@@ -1909,8 +2207,8 @@
         </p:nvSpPr>
         <p:spPr>
           <a:xfrm>
-            <a:off x="6172200" y="1681163"/>
-            <a:ext cx="5183188" cy="823912"/>
+            <a:off x="4645025" y="1535113"/>
+            <a:ext cx="4041775" cy="639762"/>
           </a:xfrm>
         </p:spPr>
         <p:txBody>
@@ -1956,15 +2254,15 @@
           <a:p>
             <a:pPr lvl="0"/>
             <a:r>
-              <a:rPr lang="en-US" altLang="zh-CN"/>
-              <a:t>Click to edit Master text styles</a:t>
-            </a:r>
-          </a:p>
-        </p:txBody>
-      </p:sp>
-      <p:sp>
-        <p:nvSpPr>
-          <p:cNvPr id="6" name="Content Placeholder 5"/>
+              <a:rPr lang="zh-CN" altLang="en-US" smtClean="0"/>
+              <a:t>单击此处编辑母版文本样式</a:t>
+            </a:r>
+          </a:p>
+        </p:txBody>
+      </p:sp>
+      <p:sp>
+        <p:nvSpPr>
+          <p:cNvPr id="6" name="内容占位符 5"/>
           <p:cNvSpPr>
             <a:spLocks noGrp="1"/>
           </p:cNvSpPr>
@@ -1974,54 +2272,82 @@
         </p:nvSpPr>
         <p:spPr>
           <a:xfrm>
-            <a:off x="6172200" y="2505075"/>
-            <a:ext cx="5183188" cy="3684588"/>
+            <a:off x="4645025" y="2174875"/>
+            <a:ext cx="4041775" cy="3951288"/>
           </a:xfrm>
         </p:spPr>
         <p:txBody>
           <a:bodyPr/>
-          <a:lstStyle/>
+          <a:lstStyle>
+            <a:lvl1pPr>
+              <a:defRPr sz="2400"/>
+            </a:lvl1pPr>
+            <a:lvl2pPr>
+              <a:defRPr sz="2000"/>
+            </a:lvl2pPr>
+            <a:lvl3pPr>
+              <a:defRPr sz="1800"/>
+            </a:lvl3pPr>
+            <a:lvl4pPr>
+              <a:defRPr sz="1600"/>
+            </a:lvl4pPr>
+            <a:lvl5pPr>
+              <a:defRPr sz="1600"/>
+            </a:lvl5pPr>
+            <a:lvl6pPr>
+              <a:defRPr sz="1600"/>
+            </a:lvl6pPr>
+            <a:lvl7pPr>
+              <a:defRPr sz="1600"/>
+            </a:lvl7pPr>
+            <a:lvl8pPr>
+              <a:defRPr sz="1600"/>
+            </a:lvl8pPr>
+            <a:lvl9pPr>
+              <a:defRPr sz="1600"/>
+            </a:lvl9pPr>
+          </a:lstStyle>
           <a:p>
             <a:pPr lvl="0"/>
             <a:r>
-              <a:rPr lang="en-US" altLang="zh-CN"/>
-              <a:t>Click to edit Master text styles</a:t>
+              <a:rPr lang="zh-CN" altLang="en-US" smtClean="0"/>
+              <a:t>单击此处编辑母版文本样式</a:t>
             </a:r>
           </a:p>
           <a:p>
             <a:pPr lvl="1"/>
             <a:r>
-              <a:rPr lang="en-US" altLang="zh-CN"/>
-              <a:t>Second level</a:t>
+              <a:rPr lang="zh-CN" altLang="en-US" smtClean="0"/>
+              <a:t>第二级</a:t>
             </a:r>
           </a:p>
           <a:p>
             <a:pPr lvl="2"/>
             <a:r>
-              <a:rPr lang="en-US" altLang="zh-CN"/>
-              <a:t>Third level</a:t>
+              <a:rPr lang="zh-CN" altLang="en-US" smtClean="0"/>
+              <a:t>第三级</a:t>
             </a:r>
           </a:p>
           <a:p>
             <a:pPr lvl="3"/>
             <a:r>
-              <a:rPr lang="en-US" altLang="zh-CN"/>
-              <a:t>Fourth level</a:t>
+              <a:rPr lang="zh-CN" altLang="en-US" smtClean="0"/>
+              <a:t>第四级</a:t>
             </a:r>
           </a:p>
           <a:p>
             <a:pPr lvl="4"/>
             <a:r>
-              <a:rPr lang="en-US" altLang="zh-CN"/>
-              <a:t>Fifth level</a:t>
-            </a:r>
-            <a:endParaRPr lang="en-US"/>
-          </a:p>
-        </p:txBody>
-      </p:sp>
-      <p:sp>
-        <p:nvSpPr>
-          <p:cNvPr id="7" name="Date Placeholder 6"/>
+              <a:rPr lang="zh-CN" altLang="en-US" smtClean="0"/>
+              <a:t>第五级</a:t>
+            </a:r>
+            <a:endParaRPr lang="zh-CN" altLang="en-US"/>
+          </a:p>
+        </p:txBody>
+      </p:sp>
+      <p:sp>
+        <p:nvSpPr>
+          <p:cNvPr id="7" name="日期占位符 3"/>
           <p:cNvSpPr>
             <a:spLocks noGrp="1"/>
           </p:cNvSpPr>
@@ -2032,18 +2358,29 @@
         <p:spPr/>
         <p:txBody>
           <a:bodyPr/>
-          <a:lstStyle/>
-          <a:p>
-            <a:fld id="{FCE89026-A00A-614F-AC06-99C951F864D4}" type="datetimeFigureOut">
-              <a:t>12/22/15</a:t>
+          <a:lstStyle>
+            <a:lvl1pPr>
+              <a:defRPr/>
+            </a:lvl1pPr>
+          </a:lstStyle>
+          <a:p>
+            <a:pPr>
+              <a:defRPr/>
+            </a:pPr>
+            <a:fld id="{184C49C7-8FE6-452C-B5A9-C47FF564C053}" type="datetimeFigureOut">
+              <a:rPr lang="zh-CN" altLang="en-US"/>
+              <a:pPr>
+                <a:defRPr/>
+              </a:pPr>
+              <a:t>15/12/23</a:t>
             </a:fld>
-            <a:endParaRPr lang="en-US"/>
-          </a:p>
-        </p:txBody>
-      </p:sp>
-      <p:sp>
-        <p:nvSpPr>
-          <p:cNvPr id="8" name="Footer Placeholder 7"/>
+            <a:endParaRPr lang="zh-CN" altLang="en-US"/>
+          </a:p>
+        </p:txBody>
+      </p:sp>
+      <p:sp>
+        <p:nvSpPr>
+          <p:cNvPr id="8" name="页脚占位符 4"/>
           <p:cNvSpPr>
             <a:spLocks noGrp="1"/>
           </p:cNvSpPr>
@@ -2054,15 +2391,22 @@
         <p:spPr/>
         <p:txBody>
           <a:bodyPr/>
-          <a:lstStyle/>
-          <a:p>
-            <a:endParaRPr lang="en-US"/>
-          </a:p>
-        </p:txBody>
-      </p:sp>
-      <p:sp>
-        <p:nvSpPr>
-          <p:cNvPr id="9" name="Slide Number Placeholder 8"/>
+          <a:lstStyle>
+            <a:lvl1pPr>
+              <a:defRPr/>
+            </a:lvl1pPr>
+          </a:lstStyle>
+          <a:p>
+            <a:pPr>
+              <a:defRPr/>
+            </a:pPr>
+            <a:endParaRPr lang="zh-CN" altLang="en-US"/>
+          </a:p>
+        </p:txBody>
+      </p:sp>
+      <p:sp>
+        <p:nvSpPr>
+          <p:cNvPr id="9" name="灯片编号占位符 5"/>
           <p:cNvSpPr>
             <a:spLocks noGrp="1"/>
           </p:cNvSpPr>
@@ -2073,21 +2417,27 @@
         <p:spPr/>
         <p:txBody>
           <a:bodyPr/>
-          <a:lstStyle/>
-          <a:p>
-            <a:fld id="{EEECE6A6-D597-D144-A728-88310AA6AFDF}" type="slidenum">
+          <a:lstStyle>
+            <a:lvl1pPr>
+              <a:defRPr/>
+            </a:lvl1pPr>
+          </a:lstStyle>
+          <a:p>
+            <a:pPr>
+              <a:defRPr/>
+            </a:pPr>
+            <a:fld id="{BCEC5244-7191-460B-9199-B705F9371EA3}" type="slidenum">
+              <a:rPr lang="zh-CN" altLang="en-US"/>
+              <a:pPr>
+                <a:defRPr/>
+              </a:pPr>
               <a:t>‹#›</a:t>
             </a:fld>
-            <a:endParaRPr lang="en-US"/>
+            <a:endParaRPr lang="zh-CN" altLang="en-US"/>
           </a:p>
         </p:txBody>
       </p:sp>
     </p:spTree>
-    <p:extLst>
-      <p:ext uri="{BB962C8B-B14F-4D97-AF65-F5344CB8AC3E}">
-        <p14:creationId xmlns:p14="http://schemas.microsoft.com/office/powerpoint/2010/main" val="1498617647"/>
-      </p:ext>
-    </p:extLst>
   </p:cSld>
   <p:clrMapOvr>
     <a:masterClrMapping/>
@@ -2097,7 +2447,7 @@
 
 <file path=ppt/slideLayouts/slideLayout6.xml><?xml version="1.0" encoding="utf-8"?>
 <p:sldLayout xmlns:a="http://schemas.openxmlformats.org/drawingml/2006/main" xmlns:r="http://schemas.openxmlformats.org/officeDocument/2006/relationships" xmlns:p="http://schemas.openxmlformats.org/presentationml/2006/main" type="titleOnly" preserve="1">
-  <p:cSld name="Title Only">
+  <p:cSld name="仅标题">
     <p:spTree>
       <p:nvGrpSpPr>
         <p:cNvPr id="1" name=""/>
@@ -2114,7 +2464,7 @@
       </p:grpSpPr>
       <p:sp>
         <p:nvSpPr>
-          <p:cNvPr id="2" name="Title 1"/>
+          <p:cNvPr id="2" name="标题 1"/>
           <p:cNvSpPr>
             <a:spLocks noGrp="1"/>
           </p:cNvSpPr>
@@ -2128,16 +2478,16 @@
           <a:lstStyle/>
           <a:p>
             <a:r>
-              <a:rPr lang="en-US" altLang="zh-CN"/>
-              <a:t>Click to edit Master title style</a:t>
-            </a:r>
-            <a:endParaRPr lang="en-US"/>
-          </a:p>
-        </p:txBody>
-      </p:sp>
-      <p:sp>
-        <p:nvSpPr>
-          <p:cNvPr id="3" name="Date Placeholder 2"/>
+              <a:rPr lang="zh-CN" altLang="en-US" smtClean="0"/>
+              <a:t>单击此处编辑母版标题样式</a:t>
+            </a:r>
+            <a:endParaRPr lang="zh-CN" altLang="en-US"/>
+          </a:p>
+        </p:txBody>
+      </p:sp>
+      <p:sp>
+        <p:nvSpPr>
+          <p:cNvPr id="3" name="日期占位符 3"/>
           <p:cNvSpPr>
             <a:spLocks noGrp="1"/>
           </p:cNvSpPr>
@@ -2148,18 +2498,29 @@
         <p:spPr/>
         <p:txBody>
           <a:bodyPr/>
-          <a:lstStyle/>
-          <a:p>
-            <a:fld id="{FCE89026-A00A-614F-AC06-99C951F864D4}" type="datetimeFigureOut">
-              <a:t>12/22/15</a:t>
+          <a:lstStyle>
+            <a:lvl1pPr>
+              <a:defRPr/>
+            </a:lvl1pPr>
+          </a:lstStyle>
+          <a:p>
+            <a:pPr>
+              <a:defRPr/>
+            </a:pPr>
+            <a:fld id="{39A745FF-23D7-422E-AF2A-79586EE810E0}" type="datetimeFigureOut">
+              <a:rPr lang="zh-CN" altLang="en-US"/>
+              <a:pPr>
+                <a:defRPr/>
+              </a:pPr>
+              <a:t>15/12/23</a:t>
             </a:fld>
-            <a:endParaRPr lang="en-US"/>
-          </a:p>
-        </p:txBody>
-      </p:sp>
-      <p:sp>
-        <p:nvSpPr>
-          <p:cNvPr id="4" name="Footer Placeholder 3"/>
+            <a:endParaRPr lang="zh-CN" altLang="en-US"/>
+          </a:p>
+        </p:txBody>
+      </p:sp>
+      <p:sp>
+        <p:nvSpPr>
+          <p:cNvPr id="4" name="页脚占位符 4"/>
           <p:cNvSpPr>
             <a:spLocks noGrp="1"/>
           </p:cNvSpPr>
@@ -2170,15 +2531,22 @@
         <p:spPr/>
         <p:txBody>
           <a:bodyPr/>
-          <a:lstStyle/>
-          <a:p>
-            <a:endParaRPr lang="en-US"/>
-          </a:p>
-        </p:txBody>
-      </p:sp>
-      <p:sp>
-        <p:nvSpPr>
-          <p:cNvPr id="5" name="Slide Number Placeholder 4"/>
+          <a:lstStyle>
+            <a:lvl1pPr>
+              <a:defRPr/>
+            </a:lvl1pPr>
+          </a:lstStyle>
+          <a:p>
+            <a:pPr>
+              <a:defRPr/>
+            </a:pPr>
+            <a:endParaRPr lang="zh-CN" altLang="en-US"/>
+          </a:p>
+        </p:txBody>
+      </p:sp>
+      <p:sp>
+        <p:nvSpPr>
+          <p:cNvPr id="5" name="灯片编号占位符 5"/>
           <p:cNvSpPr>
             <a:spLocks noGrp="1"/>
           </p:cNvSpPr>
@@ -2189,21 +2557,27 @@
         <p:spPr/>
         <p:txBody>
           <a:bodyPr/>
-          <a:lstStyle/>
-          <a:p>
-            <a:fld id="{EEECE6A6-D597-D144-A728-88310AA6AFDF}" type="slidenum">
+          <a:lstStyle>
+            <a:lvl1pPr>
+              <a:defRPr/>
+            </a:lvl1pPr>
+          </a:lstStyle>
+          <a:p>
+            <a:pPr>
+              <a:defRPr/>
+            </a:pPr>
+            <a:fld id="{2B8CEB1F-FA53-4AF8-B03B-8374E0DAF8D3}" type="slidenum">
+              <a:rPr lang="zh-CN" altLang="en-US"/>
+              <a:pPr>
+                <a:defRPr/>
+              </a:pPr>
               <a:t>‹#›</a:t>
             </a:fld>
-            <a:endParaRPr lang="en-US"/>
+            <a:endParaRPr lang="zh-CN" altLang="en-US"/>
           </a:p>
         </p:txBody>
       </p:sp>
     </p:spTree>
-    <p:extLst>
-      <p:ext uri="{BB962C8B-B14F-4D97-AF65-F5344CB8AC3E}">
-        <p14:creationId xmlns:p14="http://schemas.microsoft.com/office/powerpoint/2010/main" val="669908538"/>
-      </p:ext>
-    </p:extLst>
   </p:cSld>
   <p:clrMapOvr>
     <a:masterClrMapping/>
@@ -2213,7 +2587,7 @@
 
 <file path=ppt/slideLayouts/slideLayout7.xml><?xml version="1.0" encoding="utf-8"?>
 <p:sldLayout xmlns:a="http://schemas.openxmlformats.org/drawingml/2006/main" xmlns:r="http://schemas.openxmlformats.org/officeDocument/2006/relationships" xmlns:p="http://schemas.openxmlformats.org/presentationml/2006/main" type="blank" preserve="1">
-  <p:cSld name="Blank">
+  <p:cSld name="空白">
     <p:spTree>
       <p:nvGrpSpPr>
         <p:cNvPr id="1" name=""/>
@@ -2230,7 +2604,7 @@
       </p:grpSpPr>
       <p:sp>
         <p:nvSpPr>
-          <p:cNvPr id="2" name="Date Placeholder 1"/>
+          <p:cNvPr id="2" name="日期占位符 3"/>
           <p:cNvSpPr>
             <a:spLocks noGrp="1"/>
           </p:cNvSpPr>
@@ -2241,18 +2615,29 @@
         <p:spPr/>
         <p:txBody>
           <a:bodyPr/>
-          <a:lstStyle/>
-          <a:p>
-            <a:fld id="{FCE89026-A00A-614F-AC06-99C951F864D4}" type="datetimeFigureOut">
-              <a:t>12/22/15</a:t>
+          <a:lstStyle>
+            <a:lvl1pPr>
+              <a:defRPr/>
+            </a:lvl1pPr>
+          </a:lstStyle>
+          <a:p>
+            <a:pPr>
+              <a:defRPr/>
+            </a:pPr>
+            <a:fld id="{E1CC0052-3E78-44C2-8723-F66F97B1D2A1}" type="datetimeFigureOut">
+              <a:rPr lang="zh-CN" altLang="en-US"/>
+              <a:pPr>
+                <a:defRPr/>
+              </a:pPr>
+              <a:t>15/12/23</a:t>
             </a:fld>
-            <a:endParaRPr lang="en-US"/>
-          </a:p>
-        </p:txBody>
-      </p:sp>
-      <p:sp>
-        <p:nvSpPr>
-          <p:cNvPr id="3" name="Footer Placeholder 2"/>
+            <a:endParaRPr lang="zh-CN" altLang="en-US"/>
+          </a:p>
+        </p:txBody>
+      </p:sp>
+      <p:sp>
+        <p:nvSpPr>
+          <p:cNvPr id="3" name="页脚占位符 4"/>
           <p:cNvSpPr>
             <a:spLocks noGrp="1"/>
           </p:cNvSpPr>
@@ -2263,15 +2648,22 @@
         <p:spPr/>
         <p:txBody>
           <a:bodyPr/>
-          <a:lstStyle/>
-          <a:p>
-            <a:endParaRPr lang="en-US"/>
-          </a:p>
-        </p:txBody>
-      </p:sp>
-      <p:sp>
-        <p:nvSpPr>
-          <p:cNvPr id="4" name="Slide Number Placeholder 3"/>
+          <a:lstStyle>
+            <a:lvl1pPr>
+              <a:defRPr/>
+            </a:lvl1pPr>
+          </a:lstStyle>
+          <a:p>
+            <a:pPr>
+              <a:defRPr/>
+            </a:pPr>
+            <a:endParaRPr lang="zh-CN" altLang="en-US"/>
+          </a:p>
+        </p:txBody>
+      </p:sp>
+      <p:sp>
+        <p:nvSpPr>
+          <p:cNvPr id="4" name="灯片编号占位符 5"/>
           <p:cNvSpPr>
             <a:spLocks noGrp="1"/>
           </p:cNvSpPr>
@@ -2282,21 +2674,27 @@
         <p:spPr/>
         <p:txBody>
           <a:bodyPr/>
-          <a:lstStyle/>
-          <a:p>
-            <a:fld id="{EEECE6A6-D597-D144-A728-88310AA6AFDF}" type="slidenum">
+          <a:lstStyle>
+            <a:lvl1pPr>
+              <a:defRPr/>
+            </a:lvl1pPr>
+          </a:lstStyle>
+          <a:p>
+            <a:pPr>
+              <a:defRPr/>
+            </a:pPr>
+            <a:fld id="{4C34DDCE-A7B4-4E35-BBBD-887CE4E0C8F5}" type="slidenum">
+              <a:rPr lang="zh-CN" altLang="en-US"/>
+              <a:pPr>
+                <a:defRPr/>
+              </a:pPr>
               <a:t>‹#›</a:t>
             </a:fld>
-            <a:endParaRPr lang="en-US"/>
+            <a:endParaRPr lang="zh-CN" altLang="en-US"/>
           </a:p>
         </p:txBody>
       </p:sp>
     </p:spTree>
-    <p:extLst>
-      <p:ext uri="{BB962C8B-B14F-4D97-AF65-F5344CB8AC3E}">
-        <p14:creationId xmlns:p14="http://schemas.microsoft.com/office/powerpoint/2010/main" val="1387036159"/>
-      </p:ext>
-    </p:extLst>
   </p:cSld>
   <p:clrMapOvr>
     <a:masterClrMapping/>
@@ -2306,7 +2704,7 @@
 
 <file path=ppt/slideLayouts/slideLayout8.xml><?xml version="1.0" encoding="utf-8"?>
 <p:sldLayout xmlns:a="http://schemas.openxmlformats.org/drawingml/2006/main" xmlns:r="http://schemas.openxmlformats.org/officeDocument/2006/relationships" xmlns:p="http://schemas.openxmlformats.org/presentationml/2006/main" type="objTx" preserve="1">
-  <p:cSld name="Content with Caption">
+  <p:cSld name="内容与标题">
     <p:spTree>
       <p:nvGrpSpPr>
         <p:cNvPr id="1" name=""/>
@@ -2323,7 +2721,7 @@
       </p:grpSpPr>
       <p:sp>
         <p:nvSpPr>
-          <p:cNvPr id="2" name="Title 1"/>
+          <p:cNvPr id="2" name="标题 1"/>
           <p:cNvSpPr>
             <a:spLocks noGrp="1"/>
           </p:cNvSpPr>
@@ -2333,29 +2731,29 @@
         </p:nvSpPr>
         <p:spPr>
           <a:xfrm>
-            <a:off x="839788" y="457200"/>
-            <a:ext cx="3932237" cy="1600200"/>
+            <a:off x="457200" y="273050"/>
+            <a:ext cx="3008313" cy="1162050"/>
           </a:xfrm>
         </p:spPr>
         <p:txBody>
           <a:bodyPr anchor="b"/>
           <a:lstStyle>
-            <a:lvl1pPr>
-              <a:defRPr sz="3200"/>
+            <a:lvl1pPr algn="l">
+              <a:defRPr sz="2000" b="1"/>
             </a:lvl1pPr>
           </a:lstStyle>
           <a:p>
             <a:r>
-              <a:rPr lang="en-US" altLang="zh-CN"/>
-              <a:t>Click to edit Master title style</a:t>
-            </a:r>
-            <a:endParaRPr lang="en-US"/>
-          </a:p>
-        </p:txBody>
-      </p:sp>
-      <p:sp>
-        <p:nvSpPr>
-          <p:cNvPr id="3" name="Content Placeholder 2"/>
+              <a:rPr lang="zh-CN" altLang="en-US" smtClean="0"/>
+              <a:t>单击此处编辑母版标题样式</a:t>
+            </a:r>
+            <a:endParaRPr lang="zh-CN" altLang="en-US"/>
+          </a:p>
+        </p:txBody>
+      </p:sp>
+      <p:sp>
+        <p:nvSpPr>
+          <p:cNvPr id="3" name="内容占位符 2"/>
           <p:cNvSpPr>
             <a:spLocks noGrp="1"/>
           </p:cNvSpPr>
@@ -2365,8 +2763,8 @@
         </p:nvSpPr>
         <p:spPr>
           <a:xfrm>
-            <a:off x="5183188" y="987425"/>
-            <a:ext cx="6172200" cy="4873625"/>
+            <a:off x="3575050" y="273050"/>
+            <a:ext cx="5111750" cy="5853113"/>
           </a:xfrm>
         </p:spPr>
         <p:txBody>
@@ -2403,44 +2801,44 @@
           <a:p>
             <a:pPr lvl="0"/>
             <a:r>
-              <a:rPr lang="en-US" altLang="zh-CN"/>
-              <a:t>Click to edit Master text styles</a:t>
+              <a:rPr lang="zh-CN" altLang="en-US" smtClean="0"/>
+              <a:t>单击此处编辑母版文本样式</a:t>
             </a:r>
           </a:p>
           <a:p>
             <a:pPr lvl="1"/>
             <a:r>
-              <a:rPr lang="en-US" altLang="zh-CN"/>
-              <a:t>Second level</a:t>
+              <a:rPr lang="zh-CN" altLang="en-US" smtClean="0"/>
+              <a:t>第二级</a:t>
             </a:r>
           </a:p>
           <a:p>
             <a:pPr lvl="2"/>
             <a:r>
-              <a:rPr lang="en-US" altLang="zh-CN"/>
-              <a:t>Third level</a:t>
+              <a:rPr lang="zh-CN" altLang="en-US" smtClean="0"/>
+              <a:t>第三级</a:t>
             </a:r>
           </a:p>
           <a:p>
             <a:pPr lvl="3"/>
             <a:r>
-              <a:rPr lang="en-US" altLang="zh-CN"/>
-              <a:t>Fourth level</a:t>
+              <a:rPr lang="zh-CN" altLang="en-US" smtClean="0"/>
+              <a:t>第四级</a:t>
             </a:r>
           </a:p>
           <a:p>
             <a:pPr lvl="4"/>
             <a:r>
-              <a:rPr lang="en-US" altLang="zh-CN"/>
-              <a:t>Fifth level</a:t>
-            </a:r>
-            <a:endParaRPr lang="en-US"/>
-          </a:p>
-        </p:txBody>
-      </p:sp>
-      <p:sp>
-        <p:nvSpPr>
-          <p:cNvPr id="4" name="Text Placeholder 3"/>
+              <a:rPr lang="zh-CN" altLang="en-US" smtClean="0"/>
+              <a:t>第五级</a:t>
+            </a:r>
+            <a:endParaRPr lang="zh-CN" altLang="en-US"/>
+          </a:p>
+        </p:txBody>
+      </p:sp>
+      <p:sp>
+        <p:nvSpPr>
+          <p:cNvPr id="4" name="文本占位符 3"/>
           <p:cNvSpPr>
             <a:spLocks noGrp="1"/>
           </p:cNvSpPr>
@@ -2450,8 +2848,8 @@
         </p:nvSpPr>
         <p:spPr>
           <a:xfrm>
-            <a:off x="839788" y="2057400"/>
-            <a:ext cx="3932237" cy="3811588"/>
+            <a:off x="457200" y="1435100"/>
+            <a:ext cx="3008313" cy="4691063"/>
           </a:xfrm>
         </p:spPr>
         <p:txBody>
@@ -2459,53 +2857,53 @@
           <a:lstStyle>
             <a:lvl1pPr marL="0" indent="0">
               <a:buNone/>
-              <a:defRPr sz="1600"/>
+              <a:defRPr sz="1400"/>
             </a:lvl1pPr>
             <a:lvl2pPr marL="457200" indent="0">
               <a:buNone/>
-              <a:defRPr sz="1400"/>
+              <a:defRPr sz="1200"/>
             </a:lvl2pPr>
             <a:lvl3pPr marL="914400" indent="0">
               <a:buNone/>
-              <a:defRPr sz="1200"/>
+              <a:defRPr sz="1000"/>
             </a:lvl3pPr>
             <a:lvl4pPr marL="1371600" indent="0">
               <a:buNone/>
-              <a:defRPr sz="1000"/>
+              <a:defRPr sz="900"/>
             </a:lvl4pPr>
             <a:lvl5pPr marL="1828800" indent="0">
               <a:buNone/>
-              <a:defRPr sz="1000"/>
+              <a:defRPr sz="900"/>
             </a:lvl5pPr>
             <a:lvl6pPr marL="2286000" indent="0">
               <a:buNone/>
-              <a:defRPr sz="1000"/>
+              <a:defRPr sz="900"/>
             </a:lvl6pPr>
             <a:lvl7pPr marL="2743200" indent="0">
               <a:buNone/>
-              <a:defRPr sz="1000"/>
+              <a:defRPr sz="900"/>
             </a:lvl7pPr>
             <a:lvl8pPr marL="3200400" indent="0">
               <a:buNone/>
-              <a:defRPr sz="1000"/>
+              <a:defRPr sz="900"/>
             </a:lvl8pPr>
             <a:lvl9pPr marL="3657600" indent="0">
               <a:buNone/>
-              <a:defRPr sz="1000"/>
+              <a:defRPr sz="900"/>
             </a:lvl9pPr>
           </a:lstStyle>
           <a:p>
             <a:pPr lvl="0"/>
             <a:r>
-              <a:rPr lang="en-US" altLang="zh-CN"/>
-              <a:t>Click to edit Master text styles</a:t>
-            </a:r>
-          </a:p>
-        </p:txBody>
-      </p:sp>
-      <p:sp>
-        <p:nvSpPr>
-          <p:cNvPr id="5" name="Date Placeholder 4"/>
+              <a:rPr lang="zh-CN" altLang="en-US" smtClean="0"/>
+              <a:t>单击此处编辑母版文本样式</a:t>
+            </a:r>
+          </a:p>
+        </p:txBody>
+      </p:sp>
+      <p:sp>
+        <p:nvSpPr>
+          <p:cNvPr id="5" name="日期占位符 3"/>
           <p:cNvSpPr>
             <a:spLocks noGrp="1"/>
           </p:cNvSpPr>
@@ -2516,18 +2914,29 @@
         <p:spPr/>
         <p:txBody>
           <a:bodyPr/>
-          <a:lstStyle/>
-          <a:p>
-            <a:fld id="{FCE89026-A00A-614F-AC06-99C951F864D4}" type="datetimeFigureOut">
-              <a:t>12/22/15</a:t>
+          <a:lstStyle>
+            <a:lvl1pPr>
+              <a:defRPr/>
+            </a:lvl1pPr>
+          </a:lstStyle>
+          <a:p>
+            <a:pPr>
+              <a:defRPr/>
+            </a:pPr>
+            <a:fld id="{EA14D9AB-D746-4163-99FE-9C4D225AC5C6}" type="datetimeFigureOut">
+              <a:rPr lang="zh-CN" altLang="en-US"/>
+              <a:pPr>
+                <a:defRPr/>
+              </a:pPr>
+              <a:t>15/12/23</a:t>
             </a:fld>
-            <a:endParaRPr lang="en-US"/>
-          </a:p>
-        </p:txBody>
-      </p:sp>
-      <p:sp>
-        <p:nvSpPr>
-          <p:cNvPr id="6" name="Footer Placeholder 5"/>
+            <a:endParaRPr lang="zh-CN" altLang="en-US"/>
+          </a:p>
+        </p:txBody>
+      </p:sp>
+      <p:sp>
+        <p:nvSpPr>
+          <p:cNvPr id="6" name="页脚占位符 4"/>
           <p:cNvSpPr>
             <a:spLocks noGrp="1"/>
           </p:cNvSpPr>
@@ -2538,15 +2947,22 @@
         <p:spPr/>
         <p:txBody>
           <a:bodyPr/>
-          <a:lstStyle/>
-          <a:p>
-            <a:endParaRPr lang="en-US"/>
-          </a:p>
-        </p:txBody>
-      </p:sp>
-      <p:sp>
-        <p:nvSpPr>
-          <p:cNvPr id="7" name="Slide Number Placeholder 6"/>
+          <a:lstStyle>
+            <a:lvl1pPr>
+              <a:defRPr/>
+            </a:lvl1pPr>
+          </a:lstStyle>
+          <a:p>
+            <a:pPr>
+              <a:defRPr/>
+            </a:pPr>
+            <a:endParaRPr lang="zh-CN" altLang="en-US"/>
+          </a:p>
+        </p:txBody>
+      </p:sp>
+      <p:sp>
+        <p:nvSpPr>
+          <p:cNvPr id="7" name="灯片编号占位符 5"/>
           <p:cNvSpPr>
             <a:spLocks noGrp="1"/>
           </p:cNvSpPr>
@@ -2557,21 +2973,27 @@
         <p:spPr/>
         <p:txBody>
           <a:bodyPr/>
-          <a:lstStyle/>
-          <a:p>
-            <a:fld id="{EEECE6A6-D597-D144-A728-88310AA6AFDF}" type="slidenum">
+          <a:lstStyle>
+            <a:lvl1pPr>
+              <a:defRPr/>
+            </a:lvl1pPr>
+          </a:lstStyle>
+          <a:p>
+            <a:pPr>
+              <a:defRPr/>
+            </a:pPr>
+            <a:fld id="{0CDC88CC-D8D4-4070-AE33-2801E73CA206}" type="slidenum">
+              <a:rPr lang="zh-CN" altLang="en-US"/>
+              <a:pPr>
+                <a:defRPr/>
+              </a:pPr>
               <a:t>‹#›</a:t>
             </a:fld>
-            <a:endParaRPr lang="en-US"/>
+            <a:endParaRPr lang="zh-CN" altLang="en-US"/>
           </a:p>
         </p:txBody>
       </p:sp>
     </p:spTree>
-    <p:extLst>
-      <p:ext uri="{BB962C8B-B14F-4D97-AF65-F5344CB8AC3E}">
-        <p14:creationId xmlns:p14="http://schemas.microsoft.com/office/powerpoint/2010/main" val="12895151"/>
-      </p:ext>
-    </p:extLst>
   </p:cSld>
   <p:clrMapOvr>
     <a:masterClrMapping/>
@@ -2581,7 +3003,7 @@
 
 <file path=ppt/slideLayouts/slideLayout9.xml><?xml version="1.0" encoding="utf-8"?>
 <p:sldLayout xmlns:a="http://schemas.openxmlformats.org/drawingml/2006/main" xmlns:r="http://schemas.openxmlformats.org/officeDocument/2006/relationships" xmlns:p="http://schemas.openxmlformats.org/presentationml/2006/main" type="picTx" preserve="1">
-  <p:cSld name="Picture with Caption">
+  <p:cSld name="图片与标题">
     <p:spTree>
       <p:nvGrpSpPr>
         <p:cNvPr id="1" name=""/>
@@ -2598,7 +3020,7 @@
       </p:grpSpPr>
       <p:sp>
         <p:nvSpPr>
-          <p:cNvPr id="2" name="Title 1"/>
+          <p:cNvPr id="2" name="标题 1"/>
           <p:cNvSpPr>
             <a:spLocks noGrp="1"/>
           </p:cNvSpPr>
@@ -2608,29 +3030,29 @@
         </p:nvSpPr>
         <p:spPr>
           <a:xfrm>
-            <a:off x="839788" y="457200"/>
-            <a:ext cx="3932237" cy="1600200"/>
+            <a:off x="1792288" y="4800600"/>
+            <a:ext cx="5486400" cy="566738"/>
           </a:xfrm>
         </p:spPr>
         <p:txBody>
           <a:bodyPr anchor="b"/>
           <a:lstStyle>
-            <a:lvl1pPr>
-              <a:defRPr sz="3200"/>
+            <a:lvl1pPr algn="l">
+              <a:defRPr sz="2000" b="1"/>
             </a:lvl1pPr>
           </a:lstStyle>
           <a:p>
             <a:r>
-              <a:rPr lang="en-US" altLang="zh-CN"/>
-              <a:t>Click to edit Master title style</a:t>
-            </a:r>
-            <a:endParaRPr lang="en-US"/>
-          </a:p>
-        </p:txBody>
-      </p:sp>
-      <p:sp>
-        <p:nvSpPr>
-          <p:cNvPr id="3" name="Picture Placeholder 2"/>
+              <a:rPr lang="zh-CN" altLang="en-US" smtClean="0"/>
+              <a:t>单击此处编辑母版标题样式</a:t>
+            </a:r>
+            <a:endParaRPr lang="zh-CN" altLang="en-US"/>
+          </a:p>
+        </p:txBody>
+      </p:sp>
+      <p:sp>
+        <p:nvSpPr>
+          <p:cNvPr id="3" name="图片占位符 2"/>
           <p:cNvSpPr>
             <a:spLocks noGrp="1"/>
           </p:cNvSpPr>
@@ -2640,12 +3062,14 @@
         </p:nvSpPr>
         <p:spPr>
           <a:xfrm>
-            <a:off x="5183188" y="987425"/>
-            <a:ext cx="6172200" cy="4873625"/>
-          </a:xfrm>
-        </p:spPr>
-        <p:txBody>
-          <a:bodyPr/>
+            <a:off x="1792288" y="612775"/>
+            <a:ext cx="5486400" cy="4114800"/>
+          </a:xfrm>
+        </p:spPr>
+        <p:txBody>
+          <a:bodyPr rtlCol="0">
+            <a:normAutofit/>
+          </a:bodyPr>
           <a:lstStyle>
             <a:lvl1pPr marL="0" indent="0">
               <a:buNone/>
@@ -2685,13 +3109,14 @@
             </a:lvl9pPr>
           </a:lstStyle>
           <a:p>
-            <a:endParaRPr lang="en-US"/>
-          </a:p>
-        </p:txBody>
-      </p:sp>
-      <p:sp>
-        <p:nvSpPr>
-          <p:cNvPr id="4" name="Text Placeholder 3"/>
+            <a:pPr lvl="0"/>
+            <a:endParaRPr lang="zh-CN" altLang="en-US" noProof="0"/>
+          </a:p>
+        </p:txBody>
+      </p:sp>
+      <p:sp>
+        <p:nvSpPr>
+          <p:cNvPr id="4" name="文本占位符 3"/>
           <p:cNvSpPr>
             <a:spLocks noGrp="1"/>
           </p:cNvSpPr>
@@ -2701,8 +3126,8 @@
         </p:nvSpPr>
         <p:spPr>
           <a:xfrm>
-            <a:off x="839788" y="2057400"/>
-            <a:ext cx="3932237" cy="3811588"/>
+            <a:off x="1792288" y="5367338"/>
+            <a:ext cx="5486400" cy="804862"/>
           </a:xfrm>
         </p:spPr>
         <p:txBody>
@@ -2710,53 +3135,53 @@
           <a:lstStyle>
             <a:lvl1pPr marL="0" indent="0">
               <a:buNone/>
-              <a:defRPr sz="1600"/>
+              <a:defRPr sz="1400"/>
             </a:lvl1pPr>
             <a:lvl2pPr marL="457200" indent="0">
               <a:buNone/>
-              <a:defRPr sz="1400"/>
+              <a:defRPr sz="1200"/>
             </a:lvl2pPr>
             <a:lvl3pPr marL="914400" indent="0">
               <a:buNone/>
-              <a:defRPr sz="1200"/>
+              <a:defRPr sz="1000"/>
             </a:lvl3pPr>
             <a:lvl4pPr marL="1371600" indent="0">
               <a:buNone/>
-              <a:defRPr sz="1000"/>
+              <a:defRPr sz="900"/>
             </a:lvl4pPr>
             <a:lvl5pPr marL="1828800" indent="0">
               <a:buNone/>
-              <a:defRPr sz="1000"/>
+              <a:defRPr sz="900"/>
             </a:lvl5pPr>
             <a:lvl6pPr marL="2286000" indent="0">
               <a:buNone/>
-              <a:defRPr sz="1000"/>
+              <a:defRPr sz="900"/>
             </a:lvl6pPr>
             <a:lvl7pPr marL="2743200" indent="0">
               <a:buNone/>
-              <a:defRPr sz="1000"/>
+              <a:defRPr sz="900"/>
             </a:lvl7pPr>
             <a:lvl8pPr marL="3200400" indent="0">
               <a:buNone/>
-              <a:defRPr sz="1000"/>
+              <a:defRPr sz="900"/>
             </a:lvl8pPr>
             <a:lvl9pPr marL="3657600" indent="0">
               <a:buNone/>
-              <a:defRPr sz="1000"/>
+              <a:defRPr sz="900"/>
             </a:lvl9pPr>
           </a:lstStyle>
           <a:p>
             <a:pPr lvl="0"/>
             <a:r>
-              <a:rPr lang="en-US" altLang="zh-CN"/>
-              <a:t>Click to edit Master text styles</a:t>
-            </a:r>
-          </a:p>
-        </p:txBody>
-      </p:sp>
-      <p:sp>
-        <p:nvSpPr>
-          <p:cNvPr id="5" name="Date Placeholder 4"/>
+              <a:rPr lang="zh-CN" altLang="en-US" smtClean="0"/>
+              <a:t>单击此处编辑母版文本样式</a:t>
+            </a:r>
+          </a:p>
+        </p:txBody>
+      </p:sp>
+      <p:sp>
+        <p:nvSpPr>
+          <p:cNvPr id="5" name="日期占位符 3"/>
           <p:cNvSpPr>
             <a:spLocks noGrp="1"/>
           </p:cNvSpPr>
@@ -2767,18 +3192,29 @@
         <p:spPr/>
         <p:txBody>
           <a:bodyPr/>
-          <a:lstStyle/>
-          <a:p>
-            <a:fld id="{FCE89026-A00A-614F-AC06-99C951F864D4}" type="datetimeFigureOut">
-              <a:t>12/22/15</a:t>
+          <a:lstStyle>
+            <a:lvl1pPr>
+              <a:defRPr/>
+            </a:lvl1pPr>
+          </a:lstStyle>
+          <a:p>
+            <a:pPr>
+              <a:defRPr/>
+            </a:pPr>
+            <a:fld id="{F0F1030B-D01F-48E6-936C-A569E07A1EA9}" type="datetimeFigureOut">
+              <a:rPr lang="zh-CN" altLang="en-US"/>
+              <a:pPr>
+                <a:defRPr/>
+              </a:pPr>
+              <a:t>15/12/23</a:t>
             </a:fld>
-            <a:endParaRPr lang="en-US"/>
-          </a:p>
-        </p:txBody>
-      </p:sp>
-      <p:sp>
-        <p:nvSpPr>
-          <p:cNvPr id="6" name="Footer Placeholder 5"/>
+            <a:endParaRPr lang="zh-CN" altLang="en-US"/>
+          </a:p>
+        </p:txBody>
+      </p:sp>
+      <p:sp>
+        <p:nvSpPr>
+          <p:cNvPr id="6" name="页脚占位符 4"/>
           <p:cNvSpPr>
             <a:spLocks noGrp="1"/>
           </p:cNvSpPr>
@@ -2789,15 +3225,22 @@
         <p:spPr/>
         <p:txBody>
           <a:bodyPr/>
-          <a:lstStyle/>
-          <a:p>
-            <a:endParaRPr lang="en-US"/>
-          </a:p>
-        </p:txBody>
-      </p:sp>
-      <p:sp>
-        <p:nvSpPr>
-          <p:cNvPr id="7" name="Slide Number Placeholder 6"/>
+          <a:lstStyle>
+            <a:lvl1pPr>
+              <a:defRPr/>
+            </a:lvl1pPr>
+          </a:lstStyle>
+          <a:p>
+            <a:pPr>
+              <a:defRPr/>
+            </a:pPr>
+            <a:endParaRPr lang="zh-CN" altLang="en-US"/>
+          </a:p>
+        </p:txBody>
+      </p:sp>
+      <p:sp>
+        <p:nvSpPr>
+          <p:cNvPr id="7" name="灯片编号占位符 5"/>
           <p:cNvSpPr>
             <a:spLocks noGrp="1"/>
           </p:cNvSpPr>
@@ -2808,21 +3251,27 @@
         <p:spPr/>
         <p:txBody>
           <a:bodyPr/>
-          <a:lstStyle/>
-          <a:p>
-            <a:fld id="{EEECE6A6-D597-D144-A728-88310AA6AFDF}" type="slidenum">
+          <a:lstStyle>
+            <a:lvl1pPr>
+              <a:defRPr/>
+            </a:lvl1pPr>
+          </a:lstStyle>
+          <a:p>
+            <a:pPr>
+              <a:defRPr/>
+            </a:pPr>
+            <a:fld id="{F13BBA76-A05E-42B1-8B0A-281C1A2C3B20}" type="slidenum">
+              <a:rPr lang="zh-CN" altLang="en-US"/>
+              <a:pPr>
+                <a:defRPr/>
+              </a:pPr>
               <a:t>‹#›</a:t>
             </a:fld>
-            <a:endParaRPr lang="en-US"/>
+            <a:endParaRPr lang="zh-CN" altLang="en-US"/>
           </a:p>
         </p:txBody>
       </p:sp>
     </p:spTree>
-    <p:extLst>
-      <p:ext uri="{BB962C8B-B14F-4D97-AF65-F5344CB8AC3E}">
-        <p14:creationId xmlns:p14="http://schemas.microsoft.com/office/powerpoint/2010/main" val="1144522535"/>
-      </p:ext>
-    </p:extLst>
   </p:cSld>
   <p:clrMapOvr>
     <a:masterClrMapping/>
@@ -2854,7 +3303,7 @@
       </p:grpSpPr>
       <p:sp>
         <p:nvSpPr>
-          <p:cNvPr id="2" name="Title Placeholder 1"/>
+          <p:cNvPr id="1026" name="标题占位符 1"/>
           <p:cNvSpPr>
             <a:spLocks noGrp="1"/>
           </p:cNvSpPr>
@@ -2862,32 +3311,41 @@
             <p:ph type="title"/>
           </p:nvPr>
         </p:nvSpPr>
-        <p:spPr>
-          <a:xfrm>
-            <a:off x="838200" y="365125"/>
-            <a:ext cx="10515600" cy="1325563"/>
+        <p:spPr bwMode="auto">
+          <a:xfrm>
+            <a:off x="457200" y="274638"/>
+            <a:ext cx="8229600" cy="1143000"/>
           </a:xfrm>
           <a:prstGeom prst="rect">
             <a:avLst/>
           </a:prstGeom>
-        </p:spPr>
-        <p:txBody>
-          <a:bodyPr vert="horz" lIns="91440" tIns="45720" rIns="91440" bIns="45720" rtlCol="0" anchor="ctr">
-            <a:normAutofit/>
+          <a:noFill/>
+          <a:ln w="9525">
+            <a:noFill/>
+            <a:miter lim="800000"/>
+            <a:headEnd/>
+            <a:tailEnd/>
+          </a:ln>
+        </p:spPr>
+        <p:txBody>
+          <a:bodyPr vert="horz" wrap="square" lIns="91440" tIns="45720" rIns="91440" bIns="45720" numCol="1" anchor="ctr" anchorCtr="0" compatLnSpc="1">
+            <a:prstTxWarp prst="textNoShape">
+              <a:avLst/>
+            </a:prstTxWarp>
           </a:bodyPr>
           <a:lstStyle/>
           <a:p>
-            <a:r>
-              <a:rPr lang="en-US" altLang="zh-CN"/>
-              <a:t>Click to edit Master title style</a:t>
-            </a:r>
-            <a:endParaRPr lang="en-US"/>
-          </a:p>
-        </p:txBody>
-      </p:sp>
-      <p:sp>
-        <p:nvSpPr>
-          <p:cNvPr id="3" name="Text Placeholder 2"/>
+            <a:pPr lvl="0"/>
+            <a:r>
+              <a:rPr lang="zh-CN" altLang="en-US" smtClean="0"/>
+              <a:t>单击此处编辑母版标题样式</a:t>
+            </a:r>
+          </a:p>
+        </p:txBody>
+      </p:sp>
+      <p:sp>
+        <p:nvSpPr>
+          <p:cNvPr id="1027" name="文本占位符 2"/>
           <p:cNvSpPr>
             <a:spLocks noGrp="1"/>
           </p:cNvSpPr>
@@ -2895,61 +3353,69 @@
             <p:ph type="body" idx="1"/>
           </p:nvPr>
         </p:nvSpPr>
-        <p:spPr>
-          <a:xfrm>
-            <a:off x="838200" y="1825625"/>
-            <a:ext cx="10515600" cy="4351338"/>
+        <p:spPr bwMode="auto">
+          <a:xfrm>
+            <a:off x="457200" y="1600200"/>
+            <a:ext cx="8229600" cy="4525963"/>
           </a:xfrm>
           <a:prstGeom prst="rect">
             <a:avLst/>
           </a:prstGeom>
-        </p:spPr>
-        <p:txBody>
-          <a:bodyPr vert="horz" lIns="91440" tIns="45720" rIns="91440" bIns="45720" rtlCol="0">
-            <a:normAutofit/>
+          <a:noFill/>
+          <a:ln w="9525">
+            <a:noFill/>
+            <a:miter lim="800000"/>
+            <a:headEnd/>
+            <a:tailEnd/>
+          </a:ln>
+        </p:spPr>
+        <p:txBody>
+          <a:bodyPr vert="horz" wrap="square" lIns="91440" tIns="45720" rIns="91440" bIns="45720" numCol="1" anchor="t" anchorCtr="0" compatLnSpc="1">
+            <a:prstTxWarp prst="textNoShape">
+              <a:avLst/>
+            </a:prstTxWarp>
           </a:bodyPr>
           <a:lstStyle/>
           <a:p>
             <a:pPr lvl="0"/>
             <a:r>
-              <a:rPr lang="en-US" altLang="zh-CN"/>
-              <a:t>Click to edit Master text styles</a:t>
+              <a:rPr lang="zh-CN" altLang="en-US" smtClean="0"/>
+              <a:t>单击此处编辑母版文本样式</a:t>
             </a:r>
           </a:p>
           <a:p>
             <a:pPr lvl="1"/>
             <a:r>
-              <a:rPr lang="en-US" altLang="zh-CN"/>
-              <a:t>Second level</a:t>
+              <a:rPr lang="zh-CN" altLang="en-US" smtClean="0"/>
+              <a:t>第二级</a:t>
             </a:r>
           </a:p>
           <a:p>
             <a:pPr lvl="2"/>
             <a:r>
-              <a:rPr lang="en-US" altLang="zh-CN"/>
-              <a:t>Third level</a:t>
+              <a:rPr lang="zh-CN" altLang="en-US" smtClean="0"/>
+              <a:t>第三级</a:t>
             </a:r>
           </a:p>
           <a:p>
             <a:pPr lvl="3"/>
             <a:r>
-              <a:rPr lang="en-US" altLang="zh-CN"/>
-              <a:t>Fourth level</a:t>
+              <a:rPr lang="zh-CN" altLang="en-US" smtClean="0"/>
+              <a:t>第四级</a:t>
             </a:r>
           </a:p>
           <a:p>
             <a:pPr lvl="4"/>
             <a:r>
-              <a:rPr lang="en-US" altLang="zh-CN"/>
-              <a:t>Fifth level</a:t>
-            </a:r>
-            <a:endParaRPr lang="en-US"/>
-          </a:p>
-        </p:txBody>
-      </p:sp>
-      <p:sp>
-        <p:nvSpPr>
-          <p:cNvPr id="4" name="Date Placeholder 3"/>
+              <a:rPr lang="zh-CN" altLang="en-US" smtClean="0"/>
+              <a:t>第五级</a:t>
+            </a:r>
+          </a:p>
+        </p:txBody>
+      </p:sp>
+      <p:sp>
+        <p:nvSpPr>
+          <p:cNvPr id="4" name="日期占位符 3"/>
           <p:cNvSpPr>
             <a:spLocks noGrp="1"/>
           </p:cNvSpPr>
@@ -2959,8 +3425,8 @@
         </p:nvSpPr>
         <p:spPr>
           <a:xfrm>
-            <a:off x="838200" y="6356350"/>
-            <a:ext cx="2743200" cy="365125"/>
+            <a:off x="457200" y="6356350"/>
+            <a:ext cx="2133600" cy="365125"/>
           </a:xfrm>
           <a:prstGeom prst="rect">
             <a:avLst/>
@@ -2969,27 +3435,42 @@
         <p:txBody>
           <a:bodyPr vert="horz" lIns="91440" tIns="45720" rIns="91440" bIns="45720" rtlCol="0" anchor="ctr"/>
           <a:lstStyle>
-            <a:lvl1pPr algn="l">
+            <a:lvl1pPr algn="l" fontAlgn="auto">
+              <a:spcBef>
+                <a:spcPts val="0"/>
+              </a:spcBef>
+              <a:spcAft>
+                <a:spcPts val="0"/>
+              </a:spcAft>
               <a:defRPr sz="1200">
                 <a:solidFill>
                   <a:schemeClr val="tx1">
                     <a:tint val="75000"/>
                   </a:schemeClr>
                 </a:solidFill>
+                <a:latin typeface="+mn-lt"/>
+                <a:ea typeface="+mn-ea"/>
               </a:defRPr>
             </a:lvl1pPr>
           </a:lstStyle>
           <a:p>
-            <a:fld id="{FCE89026-A00A-614F-AC06-99C951F864D4}" type="datetimeFigureOut">
-              <a:t>12/22/15</a:t>
+            <a:pPr>
+              <a:defRPr/>
+            </a:pPr>
+            <a:fld id="{776144ED-5408-4FF0-91F3-16401C638E14}" type="datetimeFigureOut">
+              <a:rPr lang="zh-CN" altLang="en-US"/>
+              <a:pPr>
+                <a:defRPr/>
+              </a:pPr>
+              <a:t>15/12/23</a:t>
             </a:fld>
-            <a:endParaRPr lang="en-US"/>
-          </a:p>
-        </p:txBody>
-      </p:sp>
-      <p:sp>
-        <p:nvSpPr>
-          <p:cNvPr id="5" name="Footer Placeholder 4"/>
+            <a:endParaRPr lang="zh-CN" altLang="en-US"/>
+          </a:p>
+        </p:txBody>
+      </p:sp>
+      <p:sp>
+        <p:nvSpPr>
+          <p:cNvPr id="5" name="页脚占位符 4"/>
           <p:cNvSpPr>
             <a:spLocks noGrp="1"/>
           </p:cNvSpPr>
@@ -2999,8 +3480,8 @@
         </p:nvSpPr>
         <p:spPr>
           <a:xfrm>
-            <a:off x="4038600" y="6356350"/>
-            <a:ext cx="4114800" cy="365125"/>
+            <a:off x="3124200" y="6356350"/>
+            <a:ext cx="2895600" cy="365125"/>
           </a:xfrm>
           <a:prstGeom prst="rect">
             <a:avLst/>
@@ -3009,24 +3490,35 @@
         <p:txBody>
           <a:bodyPr vert="horz" lIns="91440" tIns="45720" rIns="91440" bIns="45720" rtlCol="0" anchor="ctr"/>
           <a:lstStyle>
-            <a:lvl1pPr algn="ctr">
+            <a:lvl1pPr algn="ctr" fontAlgn="auto">
+              <a:spcBef>
+                <a:spcPts val="0"/>
+              </a:spcBef>
+              <a:spcAft>
+                <a:spcPts val="0"/>
+              </a:spcAft>
               <a:defRPr sz="1200">
                 <a:solidFill>
                   <a:schemeClr val="tx1">
                     <a:tint val="75000"/>
                   </a:schemeClr>
                 </a:solidFill>
+                <a:latin typeface="+mn-lt"/>
+                <a:ea typeface="+mn-ea"/>
               </a:defRPr>
             </a:lvl1pPr>
           </a:lstStyle>
           <a:p>
-            <a:endParaRPr lang="en-US"/>
-          </a:p>
-        </p:txBody>
-      </p:sp>
-      <p:sp>
-        <p:nvSpPr>
-          <p:cNvPr id="6" name="Slide Number Placeholder 5"/>
+            <a:pPr>
+              <a:defRPr/>
+            </a:pPr>
+            <a:endParaRPr lang="zh-CN" altLang="en-US"/>
+          </a:p>
+        </p:txBody>
+      </p:sp>
+      <p:sp>
+        <p:nvSpPr>
+          <p:cNvPr id="6" name="灯片编号占位符 5"/>
           <p:cNvSpPr>
             <a:spLocks noGrp="1"/>
           </p:cNvSpPr>
@@ -3036,8 +3528,8 @@
         </p:nvSpPr>
         <p:spPr>
           <a:xfrm>
-            <a:off x="8610600" y="6356350"/>
-            <a:ext cx="2743200" cy="365125"/>
+            <a:off x="6553200" y="6356350"/>
+            <a:ext cx="2133600" cy="365125"/>
           </a:xfrm>
           <a:prstGeom prst="rect">
             <a:avLst/>
@@ -3046,30 +3538,40 @@
         <p:txBody>
           <a:bodyPr vert="horz" lIns="91440" tIns="45720" rIns="91440" bIns="45720" rtlCol="0" anchor="ctr"/>
           <a:lstStyle>
-            <a:lvl1pPr algn="r">
+            <a:lvl1pPr algn="r" fontAlgn="auto">
+              <a:spcBef>
+                <a:spcPts val="0"/>
+              </a:spcBef>
+              <a:spcAft>
+                <a:spcPts val="0"/>
+              </a:spcAft>
               <a:defRPr sz="1200">
                 <a:solidFill>
                   <a:schemeClr val="tx1">
                     <a:tint val="75000"/>
                   </a:schemeClr>
                 </a:solidFill>
+                <a:latin typeface="+mn-lt"/>
+                <a:ea typeface="+mn-ea"/>
               </a:defRPr>
             </a:lvl1pPr>
           </a:lstStyle>
           <a:p>
-            <a:fld id="{EEECE6A6-D597-D144-A728-88310AA6AFDF}" type="slidenum">
+            <a:pPr>
+              <a:defRPr/>
+            </a:pPr>
+            <a:fld id="{466EA7F3-AE63-4A34-99D8-C42A210621EF}" type="slidenum">
+              <a:rPr lang="zh-CN" altLang="en-US"/>
+              <a:pPr>
+                <a:defRPr/>
+              </a:pPr>
               <a:t>‹#›</a:t>
             </a:fld>
-            <a:endParaRPr lang="en-US"/>
+            <a:endParaRPr lang="zh-CN" altLang="en-US"/>
           </a:p>
         </p:txBody>
       </p:sp>
     </p:spTree>
-    <p:extLst>
-      <p:ext uri="{BB962C8B-B14F-4D97-AF65-F5344CB8AC3E}">
-        <p14:creationId xmlns:p14="http://schemas.microsoft.com/office/powerpoint/2010/main" val="1237379107"/>
-      </p:ext>
-    </p:extLst>
   </p:cSld>
   <p:clrMap bg1="lt1" tx1="dk1" bg2="lt2" tx2="dk2" accent1="accent1" accent2="accent2" accent3="accent3" accent4="accent4" accent5="accent5" accent6="accent6" hlink="hlink" folHlink="folHlink"/>
   <p:sldLayoutIdLst>
@@ -3087,14 +3589,13 @@
   </p:sldLayoutIdLst>
   <p:txStyles>
     <p:titleStyle>
-      <a:lvl1pPr algn="l" defTabSz="914400" rtl="0" eaLnBrk="1" latinLnBrk="0" hangingPunct="1">
-        <a:lnSpc>
-          <a:spcPct val="90000"/>
-        </a:lnSpc>
+      <a:lvl1pPr algn="ctr" rtl="0" eaLnBrk="0" fontAlgn="base" hangingPunct="0">
         <a:spcBef>
           <a:spcPct val="0"/>
         </a:spcBef>
-        <a:buNone/>
+        <a:spcAft>
+          <a:spcPct val="0"/>
+        </a:spcAft>
         <a:defRPr sz="4400" kern="1200">
           <a:solidFill>
             <a:schemeClr val="tx1"/>
@@ -3104,17 +3605,155 @@
           <a:cs typeface="+mj-cs"/>
         </a:defRPr>
       </a:lvl1pPr>
+      <a:lvl2pPr algn="ctr" rtl="0" eaLnBrk="0" fontAlgn="base" hangingPunct="0">
+        <a:spcBef>
+          <a:spcPct val="0"/>
+        </a:spcBef>
+        <a:spcAft>
+          <a:spcPct val="0"/>
+        </a:spcAft>
+        <a:defRPr sz="4400">
+          <a:solidFill>
+            <a:schemeClr val="tx1"/>
+          </a:solidFill>
+          <a:latin typeface="Calibri" pitchFamily="34" charset="0"/>
+          <a:ea typeface="宋体" charset="-122"/>
+        </a:defRPr>
+      </a:lvl2pPr>
+      <a:lvl3pPr algn="ctr" rtl="0" eaLnBrk="0" fontAlgn="base" hangingPunct="0">
+        <a:spcBef>
+          <a:spcPct val="0"/>
+        </a:spcBef>
+        <a:spcAft>
+          <a:spcPct val="0"/>
+        </a:spcAft>
+        <a:defRPr sz="4400">
+          <a:solidFill>
+            <a:schemeClr val="tx1"/>
+          </a:solidFill>
+          <a:latin typeface="Calibri" pitchFamily="34" charset="0"/>
+          <a:ea typeface="宋体" charset="-122"/>
+        </a:defRPr>
+      </a:lvl3pPr>
+      <a:lvl4pPr algn="ctr" rtl="0" eaLnBrk="0" fontAlgn="base" hangingPunct="0">
+        <a:spcBef>
+          <a:spcPct val="0"/>
+        </a:spcBef>
+        <a:spcAft>
+          <a:spcPct val="0"/>
+        </a:spcAft>
+        <a:defRPr sz="4400">
+          <a:solidFill>
+            <a:schemeClr val="tx1"/>
+          </a:solidFill>
+          <a:latin typeface="Calibri" pitchFamily="34" charset="0"/>
+          <a:ea typeface="宋体" charset="-122"/>
+        </a:defRPr>
+      </a:lvl4pPr>
+      <a:lvl5pPr algn="ctr" rtl="0" eaLnBrk="0" fontAlgn="base" hangingPunct="0">
+        <a:spcBef>
+          <a:spcPct val="0"/>
+        </a:spcBef>
+        <a:spcAft>
+          <a:spcPct val="0"/>
+        </a:spcAft>
+        <a:defRPr sz="4400">
+          <a:solidFill>
+            <a:schemeClr val="tx1"/>
+          </a:solidFill>
+          <a:latin typeface="Calibri" pitchFamily="34" charset="0"/>
+          <a:ea typeface="宋体" charset="-122"/>
+        </a:defRPr>
+      </a:lvl5pPr>
+      <a:lvl6pPr marL="457200" algn="ctr" rtl="0" fontAlgn="base">
+        <a:spcBef>
+          <a:spcPct val="0"/>
+        </a:spcBef>
+        <a:spcAft>
+          <a:spcPct val="0"/>
+        </a:spcAft>
+        <a:defRPr sz="4400">
+          <a:solidFill>
+            <a:schemeClr val="tx1"/>
+          </a:solidFill>
+          <a:latin typeface="Calibri" pitchFamily="34" charset="0"/>
+          <a:ea typeface="宋体" charset="-122"/>
+        </a:defRPr>
+      </a:lvl6pPr>
+      <a:lvl7pPr marL="914400" algn="ctr" rtl="0" fontAlgn="base">
+        <a:spcBef>
+          <a:spcPct val="0"/>
+        </a:spcBef>
+        <a:spcAft>
+          <a:spcPct val="0"/>
+        </a:spcAft>
+        <a:defRPr sz="4400">
+          <a:solidFill>
+            <a:schemeClr val="tx1"/>
+          </a:solidFill>
+          <a:latin typeface="Calibri" pitchFamily="34" charset="0"/>
+          <a:ea typeface="宋体" charset="-122"/>
+        </a:defRPr>
+      </a:lvl7pPr>
+      <a:lvl8pPr marL="1371600" algn="ctr" rtl="0" fontAlgn="base">
+        <a:spcBef>
+          <a:spcPct val="0"/>
+        </a:spcBef>
+        <a:spcAft>
+          <a:spcPct val="0"/>
+        </a:spcAft>
+        <a:defRPr sz="4400">
+          <a:solidFill>
+            <a:schemeClr val="tx1"/>
+          </a:solidFill>
+          <a:latin typeface="Calibri" pitchFamily="34" charset="0"/>
+          <a:ea typeface="宋体" charset="-122"/>
+        </a:defRPr>
+      </a:lvl8pPr>
+      <a:lvl9pPr marL="1828800" algn="ctr" rtl="0" fontAlgn="base">
+        <a:spcBef>
+          <a:spcPct val="0"/>
+        </a:spcBef>
+        <a:spcAft>
+          <a:spcPct val="0"/>
+        </a:spcAft>
+        <a:defRPr sz="4400">
+          <a:solidFill>
+            <a:schemeClr val="tx1"/>
+          </a:solidFill>
+          <a:latin typeface="Calibri" pitchFamily="34" charset="0"/>
+          <a:ea typeface="宋体" charset="-122"/>
+        </a:defRPr>
+      </a:lvl9pPr>
     </p:titleStyle>
     <p:bodyStyle>
-      <a:lvl1pPr marL="228600" indent="-228600" algn="l" defTabSz="914400" rtl="0" eaLnBrk="1" latinLnBrk="0" hangingPunct="1">
-        <a:lnSpc>
-          <a:spcPct val="90000"/>
-        </a:lnSpc>
+      <a:lvl1pPr marL="342900" indent="-342900" algn="l" rtl="0" eaLnBrk="0" fontAlgn="base" hangingPunct="0">
         <a:spcBef>
-          <a:spcPts val="1000"/>
+          <a:spcPct val="20000"/>
         </a:spcBef>
-        <a:buFont typeface="Arial"/>
+        <a:spcAft>
+          <a:spcPct val="0"/>
+        </a:spcAft>
+        <a:buFont typeface="Arial" charset="0"/>
         <a:buChar char="•"/>
+        <a:defRPr sz="3200" kern="1200">
+          <a:solidFill>
+            <a:schemeClr val="tx1"/>
+          </a:solidFill>
+          <a:latin typeface="+mn-lt"/>
+          <a:ea typeface="+mn-ea"/>
+          <a:cs typeface="+mn-cs"/>
+        </a:defRPr>
+      </a:lvl1pPr>
+      <a:lvl2pPr marL="742950" indent="-285750" algn="l" rtl="0" eaLnBrk="0" fontAlgn="base" hangingPunct="0">
+        <a:spcBef>
+          <a:spcPct val="20000"/>
+        </a:spcBef>
+        <a:spcAft>
+          <a:spcPct val="0"/>
+        </a:spcAft>
+        <a:buFont typeface="Arial" charset="0"/>
+        <a:buChar char="–"/>
         <a:defRPr sz="2800" kern="1200">
           <a:solidFill>
             <a:schemeClr val="tx1"/>
@@ -3123,15 +3762,15 @@
           <a:ea typeface="+mn-ea"/>
           <a:cs typeface="+mn-cs"/>
         </a:defRPr>
-      </a:lvl1pPr>
-      <a:lvl2pPr marL="685800" indent="-228600" algn="l" defTabSz="914400" rtl="0" eaLnBrk="1" latinLnBrk="0" hangingPunct="1">
-        <a:lnSpc>
-          <a:spcPct val="90000"/>
-        </a:lnSpc>
+      </a:lvl2pPr>
+      <a:lvl3pPr marL="1143000" indent="-228600" algn="l" rtl="0" eaLnBrk="0" fontAlgn="base" hangingPunct="0">
         <a:spcBef>
-          <a:spcPts val="500"/>
+          <a:spcPct val="20000"/>
         </a:spcBef>
-        <a:buFont typeface="Arial"/>
+        <a:spcAft>
+          <a:spcPct val="0"/>
+        </a:spcAft>
+        <a:buFont typeface="Arial" charset="0"/>
         <a:buChar char="•"/>
         <a:defRPr sz="2400" kern="1200">
           <a:solidFill>
@@ -3141,15 +3780,48 @@
           <a:ea typeface="+mn-ea"/>
           <a:cs typeface="+mn-cs"/>
         </a:defRPr>
-      </a:lvl2pPr>
-      <a:lvl3pPr marL="1143000" indent="-228600" algn="l" defTabSz="914400" rtl="0" eaLnBrk="1" latinLnBrk="0" hangingPunct="1">
-        <a:lnSpc>
-          <a:spcPct val="90000"/>
-        </a:lnSpc>
+      </a:lvl3pPr>
+      <a:lvl4pPr marL="1600200" indent="-228600" algn="l" rtl="0" eaLnBrk="0" fontAlgn="base" hangingPunct="0">
         <a:spcBef>
-          <a:spcPts val="500"/>
+          <a:spcPct val="20000"/>
         </a:spcBef>
-        <a:buFont typeface="Arial"/>
+        <a:spcAft>
+          <a:spcPct val="0"/>
+        </a:spcAft>
+        <a:buFont typeface="Arial" charset="0"/>
+        <a:buChar char="–"/>
+        <a:defRPr sz="2000" kern="1200">
+          <a:solidFill>
+            <a:schemeClr val="tx1"/>
+          </a:solidFill>
+          <a:latin typeface="+mn-lt"/>
+          <a:ea typeface="+mn-ea"/>
+          <a:cs typeface="+mn-cs"/>
+        </a:defRPr>
+      </a:lvl4pPr>
+      <a:lvl5pPr marL="2057400" indent="-228600" algn="l" rtl="0" eaLnBrk="0" fontAlgn="base" hangingPunct="0">
+        <a:spcBef>
+          <a:spcPct val="20000"/>
+        </a:spcBef>
+        <a:spcAft>
+          <a:spcPct val="0"/>
+        </a:spcAft>
+        <a:buFont typeface="Arial" charset="0"/>
+        <a:buChar char="»"/>
+        <a:defRPr sz="2000" kern="1200">
+          <a:solidFill>
+            <a:schemeClr val="tx1"/>
+          </a:solidFill>
+          <a:latin typeface="+mn-lt"/>
+          <a:ea typeface="+mn-ea"/>
+          <a:cs typeface="+mn-cs"/>
+        </a:defRPr>
+      </a:lvl5pPr>
+      <a:lvl6pPr marL="2514600" indent="-228600" algn="l" defTabSz="914400" rtl="0" eaLnBrk="1" latinLnBrk="0" hangingPunct="1">
+        <a:spcBef>
+          <a:spcPct val="20000"/>
+        </a:spcBef>
+        <a:buFont typeface="Arial" pitchFamily="34" charset="0"/>
         <a:buChar char="•"/>
         <a:defRPr sz="2000" kern="1200">
           <a:solidFill>
@@ -3159,71 +3831,14 @@
           <a:ea typeface="+mn-ea"/>
           <a:cs typeface="+mn-cs"/>
         </a:defRPr>
-      </a:lvl3pPr>
-      <a:lvl4pPr marL="1600200" indent="-228600" algn="l" defTabSz="914400" rtl="0" eaLnBrk="1" latinLnBrk="0" hangingPunct="1">
-        <a:lnSpc>
-          <a:spcPct val="90000"/>
-        </a:lnSpc>
-        <a:spcBef>
-          <a:spcPts val="500"/>
-        </a:spcBef>
-        <a:buFont typeface="Arial"/>
-        <a:buChar char="•"/>
-        <a:defRPr sz="1800" kern="1200">
-          <a:solidFill>
-            <a:schemeClr val="tx1"/>
-          </a:solidFill>
-          <a:latin typeface="+mn-lt"/>
-          <a:ea typeface="+mn-ea"/>
-          <a:cs typeface="+mn-cs"/>
-        </a:defRPr>
-      </a:lvl4pPr>
-      <a:lvl5pPr marL="2057400" indent="-228600" algn="l" defTabSz="914400" rtl="0" eaLnBrk="1" latinLnBrk="0" hangingPunct="1">
-        <a:lnSpc>
-          <a:spcPct val="90000"/>
-        </a:lnSpc>
-        <a:spcBef>
-          <a:spcPts val="500"/>
-        </a:spcBef>
-        <a:buFont typeface="Arial"/>
-        <a:buChar char="•"/>
-        <a:defRPr sz="1800" kern="1200">
-          <a:solidFill>
-            <a:schemeClr val="tx1"/>
-          </a:solidFill>
-          <a:latin typeface="+mn-lt"/>
-          <a:ea typeface="+mn-ea"/>
-          <a:cs typeface="+mn-cs"/>
-        </a:defRPr>
-      </a:lvl5pPr>
-      <a:lvl6pPr marL="2514600" indent="-228600" algn="l" defTabSz="914400" rtl="0" eaLnBrk="1" latinLnBrk="0" hangingPunct="1">
-        <a:lnSpc>
-          <a:spcPct val="90000"/>
-        </a:lnSpc>
-        <a:spcBef>
-          <a:spcPts val="500"/>
-        </a:spcBef>
-        <a:buFont typeface="Arial"/>
-        <a:buChar char="•"/>
-        <a:defRPr sz="1800" kern="1200">
-          <a:solidFill>
-            <a:schemeClr val="tx1"/>
-          </a:solidFill>
-          <a:latin typeface="+mn-lt"/>
-          <a:ea typeface="+mn-ea"/>
-          <a:cs typeface="+mn-cs"/>
-        </a:defRPr>
       </a:lvl6pPr>
       <a:lvl7pPr marL="2971800" indent="-228600" algn="l" defTabSz="914400" rtl="0" eaLnBrk="1" latinLnBrk="0" hangingPunct="1">
-        <a:lnSpc>
-          <a:spcPct val="90000"/>
-        </a:lnSpc>
         <a:spcBef>
-          <a:spcPts val="500"/>
+          <a:spcPct val="20000"/>
         </a:spcBef>
-        <a:buFont typeface="Arial"/>
+        <a:buFont typeface="Arial" pitchFamily="34" charset="0"/>
         <a:buChar char="•"/>
-        <a:defRPr sz="1800" kern="1200">
+        <a:defRPr sz="2000" kern="1200">
           <a:solidFill>
             <a:schemeClr val="tx1"/>
           </a:solidFill>
@@ -3233,15 +3848,12 @@
         </a:defRPr>
       </a:lvl7pPr>
       <a:lvl8pPr marL="3429000" indent="-228600" algn="l" defTabSz="914400" rtl="0" eaLnBrk="1" latinLnBrk="0" hangingPunct="1">
-        <a:lnSpc>
-          <a:spcPct val="90000"/>
-        </a:lnSpc>
         <a:spcBef>
-          <a:spcPts val="500"/>
+          <a:spcPct val="20000"/>
         </a:spcBef>
-        <a:buFont typeface="Arial"/>
+        <a:buFont typeface="Arial" pitchFamily="34" charset="0"/>
         <a:buChar char="•"/>
-        <a:defRPr sz="1800" kern="1200">
+        <a:defRPr sz="2000" kern="1200">
           <a:solidFill>
             <a:schemeClr val="tx1"/>
           </a:solidFill>
@@ -3251,15 +3863,12 @@
         </a:defRPr>
       </a:lvl8pPr>
       <a:lvl9pPr marL="3886200" indent="-228600" algn="l" defTabSz="914400" rtl="0" eaLnBrk="1" latinLnBrk="0" hangingPunct="1">
-        <a:lnSpc>
-          <a:spcPct val="90000"/>
-        </a:lnSpc>
         <a:spcBef>
-          <a:spcPts val="500"/>
+          <a:spcPct val="20000"/>
         </a:spcBef>
-        <a:buFont typeface="Arial"/>
+        <a:buFont typeface="Arial" pitchFamily="34" charset="0"/>
         <a:buChar char="•"/>
-        <a:defRPr sz="1800" kern="1200">
+        <a:defRPr sz="2000" kern="1200">
           <a:solidFill>
             <a:schemeClr val="tx1"/>
           </a:solidFill>
@@ -3271,7 +3880,7 @@
     </p:bodyStyle>
     <p:otherStyle>
       <a:defPPr>
-        <a:defRPr lang="en-US"/>
+        <a:defRPr lang="zh-CN"/>
       </a:defPPr>
       <a:lvl1pPr marL="0" algn="l" defTabSz="914400" rtl="0" eaLnBrk="1" latinLnBrk="0" hangingPunct="1">
         <a:defRPr sz="1800" kern="1200">
@@ -3371,6 +3980,20 @@
 <file path=ppt/slides/slide1.xml><?xml version="1.0" encoding="utf-8"?>
 <p:sld xmlns:a="http://schemas.openxmlformats.org/drawingml/2006/main" xmlns:r="http://schemas.openxmlformats.org/officeDocument/2006/relationships" xmlns:p="http://schemas.openxmlformats.org/presentationml/2006/main">
   <p:cSld>
+    <p:bg>
+      <p:bgPr>
+        <a:blipFill dpi="0" rotWithShape="0">
+          <a:blip r:embed="rId2">
+            <a:lum/>
+          </a:blip>
+          <a:srcRect/>
+          <a:stretch>
+            <a:fillRect l="-1000" r="-1000"/>
+          </a:stretch>
+        </a:blipFill>
+        <a:effectLst/>
+      </p:bgPr>
+    </p:bg>
     <p:spTree>
       <p:nvGrpSpPr>
         <p:cNvPr id="1" name=""/>
@@ -3387,134 +4010,101 @@
       </p:grpSpPr>
       <p:sp>
         <p:nvSpPr>
-          <p:cNvPr id="4" name="TextBox 3"/>
-          <p:cNvSpPr txBox="1"/>
+          <p:cNvPr id="2050" name="TextBox 6"/>
+          <p:cNvSpPr txBox="1">
+            <a:spLocks noChangeArrowheads="1"/>
+          </p:cNvSpPr>
           <p:nvPr/>
         </p:nvSpPr>
-        <p:spPr>
-          <a:xfrm>
-            <a:off x="2883080" y="1046482"/>
-            <a:ext cx="6744477" cy="923330"/>
+        <p:spPr bwMode="auto">
+          <a:xfrm>
+            <a:off x="467544" y="980728"/>
+            <a:ext cx="7776864" cy="2831544"/>
           </a:xfrm>
           <a:prstGeom prst="rect">
             <a:avLst/>
           </a:prstGeom>
           <a:noFill/>
-        </p:spPr>
-        <p:txBody>
-          <a:bodyPr wrap="square" rtlCol="0">
+          <a:ln w="9525">
+            <a:noFill/>
+            <a:miter lim="800000"/>
+            <a:headEnd/>
+            <a:tailEnd/>
+          </a:ln>
+        </p:spPr>
+        <p:txBody>
+          <a:bodyPr wrap="square">
             <a:spAutoFit/>
           </a:bodyPr>
           <a:lstStyle/>
           <a:p>
-            <a:pPr algn="ctr"/>
-            <a:r>
-              <a:rPr lang="zh-CN" altLang="en-US" sz="5400"/>
-              <a:t>浙江大学软件学院</a:t>
-            </a:r>
-            <a:endParaRPr lang="en-US" sz="5400"/>
-          </a:p>
-        </p:txBody>
-      </p:sp>
-      <p:sp>
-        <p:nvSpPr>
-          <p:cNvPr id="5" name="TextBox 4"/>
-          <p:cNvSpPr txBox="1"/>
-          <p:nvPr/>
-        </p:nvSpPr>
-        <p:spPr>
-          <a:xfrm>
-            <a:off x="4787958" y="2300990"/>
-            <a:ext cx="2934717" cy="461665"/>
-          </a:xfrm>
-          <a:prstGeom prst="rect">
-            <a:avLst/>
-          </a:prstGeom>
-          <a:noFill/>
-        </p:spPr>
-        <p:txBody>
-          <a:bodyPr wrap="square" rtlCol="0">
-            <a:spAutoFit/>
-          </a:bodyPr>
-          <a:lstStyle/>
-          <a:p>
-            <a:pPr algn="ctr"/>
-            <a:r>
-              <a:rPr lang="zh-CN" altLang="en-US" sz="2400"/>
-              <a:t>读书报告 代磊</a:t>
-            </a:r>
-            <a:endParaRPr lang="en-US" sz="2400"/>
-          </a:p>
-        </p:txBody>
-      </p:sp>
-      <p:sp>
-        <p:nvSpPr>
-          <p:cNvPr id="6" name="TextBox 5"/>
-          <p:cNvSpPr txBox="1"/>
-          <p:nvPr/>
-        </p:nvSpPr>
-        <p:spPr>
-          <a:xfrm>
-            <a:off x="3666307" y="3093834"/>
-            <a:ext cx="5178021" cy="461665"/>
-          </a:xfrm>
-          <a:prstGeom prst="rect">
-            <a:avLst/>
-          </a:prstGeom>
-          <a:noFill/>
-        </p:spPr>
-        <p:txBody>
-          <a:bodyPr wrap="none" rtlCol="0">
-            <a:spAutoFit/>
-          </a:bodyPr>
-          <a:lstStyle/>
-          <a:p>
-            <a:pPr algn="ctr"/>
-            <a:r>
-              <a:rPr lang="zh-CN" altLang="en-US" sz="2400"/>
-              <a:t>通过并行水平集矢量值进行图像处理 </a:t>
-            </a:r>
-            <a:endParaRPr lang="en-US" sz="2400"/>
-          </a:p>
-        </p:txBody>
-      </p:sp>
-      <p:sp>
-        <p:nvSpPr>
-          <p:cNvPr id="8" name="TextBox 7"/>
-          <p:cNvSpPr txBox="1"/>
-          <p:nvPr/>
-        </p:nvSpPr>
-        <p:spPr>
-          <a:xfrm>
-            <a:off x="5207593" y="4138884"/>
-            <a:ext cx="2095445" cy="400110"/>
-          </a:xfrm>
-          <a:prstGeom prst="rect">
-            <a:avLst/>
-          </a:prstGeom>
-          <a:noFill/>
-        </p:spPr>
-        <p:txBody>
-          <a:bodyPr wrap="none" rtlCol="0">
-            <a:spAutoFit/>
-          </a:bodyPr>
-          <a:lstStyle/>
-          <a:p>
-            <a:pPr algn="ctr"/>
+            <a:r>
+              <a:rPr lang="en-US" sz="2800" u="sng"/>
+              <a:t>GPU</a:t>
+            </a:r>
+            <a:r>
+              <a:rPr lang="zh-CN" altLang="en-US" sz="2800" u="sng"/>
+              <a:t>的</a:t>
+            </a:r>
+            <a:r>
+              <a:rPr lang="en-US" sz="2800" u="sng"/>
+              <a:t>OpenCL</a:t>
+            </a:r>
+            <a:r>
+              <a:rPr lang="zh-CN" altLang="en-US" sz="2800" u="sng"/>
+              <a:t>的具体程序对</a:t>
+            </a:r>
+            <a:r>
+              <a:rPr lang="en-US" sz="2800" u="sng"/>
+              <a:t>CPU</a:t>
+            </a:r>
+            <a:r>
+              <a:rPr lang="zh-CN" altLang="en-US" sz="2800" u="sng"/>
+              <a:t>的性能改进</a:t>
+            </a:r>
+          </a:p>
+          <a:p>
+            <a:endParaRPr lang="zh-CN" altLang="en-US"/>
+          </a:p>
+          <a:p>
+            <a:pPr lvl="2"/>
             <a:r>
               <a:rPr lang="zh-CN" altLang="en-US" sz="2000"/>
-              <a:t>指导老师  李启雷</a:t>
-            </a:r>
-            <a:endParaRPr lang="en-US" sz="2000"/>
+              <a:t>读书报告  代磊</a:t>
+            </a:r>
+          </a:p>
+          <a:p>
+            <a:pPr lvl="2"/>
+            <a:r>
+              <a:rPr lang="zh-CN" altLang="en-US" sz="2000"/>
+              <a:t>指导教师  李启雷</a:t>
+            </a:r>
+          </a:p>
+          <a:p>
+            <a:endParaRPr lang="zh-CN" altLang="en-US"/>
+          </a:p>
+          <a:p>
+            <a:r>
+              <a:rPr lang="zh-CN" altLang="en-US" sz="2000" b="1"/>
+              <a:t>	浙江大学软件学院</a:t>
+            </a:r>
+          </a:p>
+          <a:p>
+            <a:endParaRPr lang="zh-CN" altLang="en-US" u="sng"/>
+          </a:p>
+          <a:p>
+            <a:endParaRPr lang="zh-CN" altLang="en-US"/>
+          </a:p>
+          <a:p>
+            <a:endParaRPr lang="zh-CN" altLang="en-US">
+              <a:solidFill>
+                <a:srgbClr val="FF0000"/>
+              </a:solidFill>
+            </a:endParaRPr>
           </a:p>
         </p:txBody>
       </p:sp>
     </p:spTree>
-    <p:extLst>
-      <p:ext uri="{BB962C8B-B14F-4D97-AF65-F5344CB8AC3E}">
-        <p14:creationId xmlns:p14="http://schemas.microsoft.com/office/powerpoint/2010/main" val="588219756"/>
-      </p:ext>
-    </p:extLst>
   </p:cSld>
   <p:clrMapOvr>
     <a:masterClrMapping/>
@@ -3532,6 +4122,20 @@
 <file path=ppt/slides/slide2.xml><?xml version="1.0" encoding="utf-8"?>
 <p:sld xmlns:a="http://schemas.openxmlformats.org/drawingml/2006/main" xmlns:r="http://schemas.openxmlformats.org/officeDocument/2006/relationships" xmlns:p="http://schemas.openxmlformats.org/presentationml/2006/main">
   <p:cSld>
+    <p:bg>
+      <p:bgPr>
+        <a:blipFill dpi="0" rotWithShape="1">
+          <a:blip r:embed="rId2">
+            <a:lum/>
+          </a:blip>
+          <a:srcRect/>
+          <a:stretch>
+            <a:fillRect t="-8000" b="-8000"/>
+          </a:stretch>
+        </a:blipFill>
+        <a:effectLst/>
+      </p:bgPr>
+    </p:bg>
     <p:spTree>
       <p:nvGrpSpPr>
         <p:cNvPr id="1" name=""/>
@@ -3548,55 +4152,620 @@
       </p:grpSpPr>
       <p:sp>
         <p:nvSpPr>
-          <p:cNvPr id="8" name="Subtitle 7"/>
-          <p:cNvSpPr>
-            <a:spLocks noGrp="1"/>
-          </p:cNvSpPr>
-          <p:nvPr>
-            <p:ph type="subTitle" idx="1"/>
-          </p:nvPr>
+          <p:cNvPr id="12" name="虚尾箭头 11"/>
+          <p:cNvSpPr/>
+          <p:nvPr/>
         </p:nvSpPr>
         <p:spPr>
           <a:xfrm>
-            <a:off x="1480457" y="1215889"/>
-            <a:ext cx="9144000" cy="4226968"/>
-          </a:xfrm>
+            <a:off x="2699792" y="1484784"/>
+            <a:ext cx="1285875" cy="928688"/>
+          </a:xfrm>
+          <a:prstGeom prst="stripedRightArrow">
+            <a:avLst/>
+          </a:prstGeom>
+          <a:solidFill>
+            <a:srgbClr val="4D9A9E"/>
+          </a:solidFill>
+          <a:ln>
+            <a:noFill/>
+          </a:ln>
+        </p:spPr>
+        <p:style>
+          <a:lnRef idx="2">
+            <a:schemeClr val="accent1">
+              <a:shade val="50000"/>
+            </a:schemeClr>
+          </a:lnRef>
+          <a:fillRef idx="1">
+            <a:schemeClr val="accent1"/>
+          </a:fillRef>
+          <a:effectRef idx="0">
+            <a:schemeClr val="accent1"/>
+          </a:effectRef>
+          <a:fontRef idx="minor">
+            <a:schemeClr val="lt1"/>
+          </a:fontRef>
+        </p:style>
+        <p:txBody>
+          <a:bodyPr anchor="ctr"/>
+          <a:lstStyle/>
+          <a:p>
+            <a:pPr algn="ctr">
+              <a:defRPr/>
+            </a:pPr>
+            <a:endParaRPr lang="zh-CN" altLang="en-US"/>
+          </a:p>
+        </p:txBody>
+      </p:sp>
+      <p:sp>
+        <p:nvSpPr>
+          <p:cNvPr id="13" name="虚尾箭头 12"/>
+          <p:cNvSpPr/>
+          <p:nvPr/>
+        </p:nvSpPr>
+        <p:spPr>
+          <a:xfrm>
+            <a:off x="2699792" y="2484909"/>
+            <a:ext cx="1285875" cy="928688"/>
+          </a:xfrm>
+          <a:prstGeom prst="stripedRightArrow">
+            <a:avLst/>
+          </a:prstGeom>
+          <a:solidFill>
+            <a:srgbClr val="4D9A9E"/>
+          </a:solidFill>
+          <a:ln>
+            <a:noFill/>
+          </a:ln>
+        </p:spPr>
+        <p:style>
+          <a:lnRef idx="2">
+            <a:schemeClr val="accent1">
+              <a:shade val="50000"/>
+            </a:schemeClr>
+          </a:lnRef>
+          <a:fillRef idx="1">
+            <a:schemeClr val="accent1"/>
+          </a:fillRef>
+          <a:effectRef idx="0">
+            <a:schemeClr val="accent1"/>
+          </a:effectRef>
+          <a:fontRef idx="minor">
+            <a:schemeClr val="lt1"/>
+          </a:fontRef>
+        </p:style>
+        <p:txBody>
+          <a:bodyPr anchor="ctr"/>
+          <a:lstStyle/>
+          <a:p>
+            <a:pPr algn="ctr">
+              <a:defRPr/>
+            </a:pPr>
+            <a:endParaRPr lang="zh-CN" altLang="en-US"/>
+          </a:p>
+        </p:txBody>
+      </p:sp>
+      <p:sp>
+        <p:nvSpPr>
+          <p:cNvPr id="14" name="虚尾箭头 13"/>
+          <p:cNvSpPr/>
+          <p:nvPr/>
+        </p:nvSpPr>
+        <p:spPr>
+          <a:xfrm>
+            <a:off x="2699792" y="3556472"/>
+            <a:ext cx="1285875" cy="928687"/>
+          </a:xfrm>
+          <a:prstGeom prst="stripedRightArrow">
+            <a:avLst/>
+          </a:prstGeom>
+          <a:solidFill>
+            <a:srgbClr val="4D9A9E"/>
+          </a:solidFill>
+          <a:ln>
+            <a:noFill/>
+          </a:ln>
+        </p:spPr>
+        <p:style>
+          <a:lnRef idx="2">
+            <a:schemeClr val="accent1">
+              <a:shade val="50000"/>
+            </a:schemeClr>
+          </a:lnRef>
+          <a:fillRef idx="1">
+            <a:schemeClr val="accent1"/>
+          </a:fillRef>
+          <a:effectRef idx="0">
+            <a:schemeClr val="accent1"/>
+          </a:effectRef>
+          <a:fontRef idx="minor">
+            <a:schemeClr val="lt1"/>
+          </a:fontRef>
+        </p:style>
+        <p:txBody>
+          <a:bodyPr anchor="ctr"/>
+          <a:lstStyle/>
+          <a:p>
+            <a:pPr algn="ctr">
+              <a:defRPr/>
+            </a:pPr>
+            <a:endParaRPr lang="zh-CN" altLang="en-US"/>
+          </a:p>
+        </p:txBody>
+      </p:sp>
+      <p:sp>
+        <p:nvSpPr>
+          <p:cNvPr id="3078" name="TextBox 5" hidden="1"/>
+          <p:cNvSpPr txBox="1">
+            <a:spLocks noChangeArrowheads="1"/>
+          </p:cNvSpPr>
+          <p:nvPr/>
+        </p:nvSpPr>
+        <p:spPr bwMode="auto">
+          <a:xfrm>
+            <a:off x="1939925" y="1954213"/>
+            <a:ext cx="1943100" cy="369887"/>
+          </a:xfrm>
+          <a:prstGeom prst="rect">
+            <a:avLst/>
+          </a:prstGeom>
+          <a:noFill/>
+          <a:ln w="9525">
+            <a:noFill/>
+            <a:miter lim="800000"/>
+            <a:headEnd/>
+            <a:tailEnd/>
+          </a:ln>
         </p:spPr>
         <p:txBody>
           <a:bodyPr>
-            <a:normAutofit fontScale="92500" lnSpcReduction="10000"/>
+            <a:spAutoFit/>
           </a:bodyPr>
           <a:lstStyle/>
           <a:p>
-            <a:pPr indent="457200" algn="l">
-              <a:lnSpc>
-                <a:spcPct val="150000"/>
-              </a:lnSpc>
+            <a:r>
+              <a:rPr lang="zh-CN" altLang="en-US">
+                <a:latin typeface="微软雅黑" pitchFamily="34" charset="-122"/>
+                <a:ea typeface="微软雅黑" pitchFamily="34" charset="-122"/>
+              </a:rPr>
+              <a:t>点击添加文本</a:t>
+            </a:r>
+          </a:p>
+        </p:txBody>
+      </p:sp>
+      <p:sp>
+        <p:nvSpPr>
+          <p:cNvPr id="3079" name="矩形 6" hidden="1"/>
+          <p:cNvSpPr>
+            <a:spLocks noChangeArrowheads="1"/>
+          </p:cNvSpPr>
+          <p:nvPr/>
+        </p:nvSpPr>
+        <p:spPr bwMode="auto">
+          <a:xfrm>
+            <a:off x="1939925" y="3025775"/>
+            <a:ext cx="1471613" cy="646113"/>
+          </a:xfrm>
+          <a:prstGeom prst="rect">
+            <a:avLst/>
+          </a:prstGeom>
+          <a:noFill/>
+          <a:ln w="9525">
+            <a:noFill/>
+            <a:miter lim="800000"/>
+            <a:headEnd/>
+            <a:tailEnd/>
+          </a:ln>
+        </p:spPr>
+        <p:txBody>
+          <a:bodyPr>
+            <a:spAutoFit/>
+          </a:bodyPr>
+          <a:lstStyle/>
+          <a:p>
+            <a:r>
+              <a:rPr lang="zh-CN" altLang="en-US">
+                <a:latin typeface="微软雅黑" pitchFamily="34" charset="-122"/>
+                <a:ea typeface="微软雅黑" pitchFamily="34" charset="-122"/>
+              </a:rPr>
+              <a:t>点击添加文本</a:t>
+            </a:r>
+          </a:p>
+        </p:txBody>
+      </p:sp>
+      <p:sp>
+        <p:nvSpPr>
+          <p:cNvPr id="3080" name="矩形 7" hidden="1"/>
+          <p:cNvSpPr>
+            <a:spLocks noChangeArrowheads="1"/>
+          </p:cNvSpPr>
+          <p:nvPr/>
+        </p:nvSpPr>
+        <p:spPr bwMode="auto">
+          <a:xfrm>
+            <a:off x="2011363" y="4240213"/>
+            <a:ext cx="1471612" cy="646112"/>
+          </a:xfrm>
+          <a:prstGeom prst="rect">
+            <a:avLst/>
+          </a:prstGeom>
+          <a:noFill/>
+          <a:ln w="9525">
+            <a:noFill/>
+            <a:miter lim="800000"/>
+            <a:headEnd/>
+            <a:tailEnd/>
+          </a:ln>
+        </p:spPr>
+        <p:txBody>
+          <a:bodyPr>
+            <a:spAutoFit/>
+          </a:bodyPr>
+          <a:lstStyle/>
+          <a:p>
+            <a:r>
+              <a:rPr lang="zh-CN" altLang="en-US">
+                <a:latin typeface="微软雅黑" pitchFamily="34" charset="-122"/>
+                <a:ea typeface="微软雅黑" pitchFamily="34" charset="-122"/>
+              </a:rPr>
+              <a:t>点击添加文本</a:t>
+            </a:r>
+          </a:p>
+        </p:txBody>
+      </p:sp>
+      <p:sp>
+        <p:nvSpPr>
+          <p:cNvPr id="3081" name="矩形 8" hidden="1"/>
+          <p:cNvSpPr>
+            <a:spLocks noChangeArrowheads="1"/>
+          </p:cNvSpPr>
+          <p:nvPr/>
+        </p:nvSpPr>
+        <p:spPr bwMode="auto">
+          <a:xfrm>
+            <a:off x="2011363" y="5526088"/>
+            <a:ext cx="1471612" cy="646112"/>
+          </a:xfrm>
+          <a:prstGeom prst="rect">
+            <a:avLst/>
+          </a:prstGeom>
+          <a:noFill/>
+          <a:ln w="9525">
+            <a:noFill/>
+            <a:miter lim="800000"/>
+            <a:headEnd/>
+            <a:tailEnd/>
+          </a:ln>
+        </p:spPr>
+        <p:txBody>
+          <a:bodyPr>
+            <a:spAutoFit/>
+          </a:bodyPr>
+          <a:lstStyle/>
+          <a:p>
+            <a:r>
+              <a:rPr lang="zh-CN" altLang="en-US">
+                <a:latin typeface="微软雅黑" pitchFamily="34" charset="-122"/>
+                <a:ea typeface="微软雅黑" pitchFamily="34" charset="-122"/>
+              </a:rPr>
+              <a:t>点击添加文本</a:t>
+            </a:r>
+          </a:p>
+        </p:txBody>
+      </p:sp>
+      <p:sp>
+        <p:nvSpPr>
+          <p:cNvPr id="3082" name="TextBox 12"/>
+          <p:cNvSpPr txBox="1">
+            <a:spLocks noChangeArrowheads="1"/>
+          </p:cNvSpPr>
+          <p:nvPr/>
+        </p:nvSpPr>
+        <p:spPr bwMode="auto">
+          <a:xfrm>
+            <a:off x="500063" y="500063"/>
+            <a:ext cx="2928937" cy="523220"/>
+          </a:xfrm>
+          <a:prstGeom prst="rect">
+            <a:avLst/>
+          </a:prstGeom>
+          <a:noFill/>
+          <a:ln w="9525">
+            <a:noFill/>
+            <a:miter lim="800000"/>
+            <a:headEnd/>
+            <a:tailEnd/>
+          </a:ln>
+        </p:spPr>
+        <p:txBody>
+          <a:bodyPr>
+            <a:spAutoFit/>
+          </a:bodyPr>
+          <a:lstStyle/>
+          <a:p>
+            <a:r>
+              <a:rPr lang="en-US" altLang="zh-CN" sz="2800">
+                <a:latin typeface="微软雅黑" pitchFamily="34" charset="-122"/>
+                <a:ea typeface="微软雅黑" pitchFamily="34" charset="-122"/>
+              </a:rPr>
+              <a:t>CATALOGUE</a:t>
+            </a:r>
+            <a:endParaRPr lang="zh-CN" altLang="en-US" sz="2800">
+              <a:latin typeface="微软雅黑" pitchFamily="34" charset="-122"/>
+              <a:ea typeface="微软雅黑" pitchFamily="34" charset="-122"/>
+            </a:endParaRPr>
+          </a:p>
+        </p:txBody>
+      </p:sp>
+      <p:sp>
+        <p:nvSpPr>
+          <p:cNvPr id="3083" name="矩形 20"/>
+          <p:cNvSpPr>
+            <a:spLocks noChangeArrowheads="1"/>
+          </p:cNvSpPr>
+          <p:nvPr/>
+        </p:nvSpPr>
+        <p:spPr bwMode="auto">
+          <a:xfrm>
+            <a:off x="4057104" y="1770534"/>
+            <a:ext cx="1107996" cy="369332"/>
+          </a:xfrm>
+          <a:prstGeom prst="rect">
+            <a:avLst/>
+          </a:prstGeom>
+          <a:noFill/>
+          <a:ln w="9525">
+            <a:noFill/>
+            <a:miter lim="800000"/>
+            <a:headEnd/>
+            <a:tailEnd/>
+          </a:ln>
+        </p:spPr>
+        <p:txBody>
+          <a:bodyPr wrap="none">
+            <a:spAutoFit/>
+          </a:bodyPr>
+          <a:lstStyle/>
+          <a:p>
+            <a:r>
+              <a:rPr lang="zh-CN" altLang="en-US">
+                <a:latin typeface="微软雅黑" pitchFamily="34" charset="-122"/>
+                <a:ea typeface="微软雅黑" pitchFamily="34" charset="-122"/>
+              </a:rPr>
+              <a:t>背景驱动</a:t>
+            </a:r>
+            <a:endParaRPr lang="zh-CN" altLang="en-US">
+              <a:latin typeface="微软雅黑" pitchFamily="34" charset="-122"/>
+              <a:ea typeface="微软雅黑" pitchFamily="34" charset="-122"/>
+            </a:endParaRPr>
+          </a:p>
+        </p:txBody>
+      </p:sp>
+      <p:sp>
+        <p:nvSpPr>
+          <p:cNvPr id="3084" name="矩形 21"/>
+          <p:cNvSpPr>
+            <a:spLocks noChangeArrowheads="1"/>
+          </p:cNvSpPr>
+          <p:nvPr/>
+        </p:nvSpPr>
+        <p:spPr bwMode="auto">
+          <a:xfrm>
+            <a:off x="4057104" y="2770659"/>
+            <a:ext cx="3429144" cy="646331"/>
+          </a:xfrm>
+          <a:prstGeom prst="rect">
+            <a:avLst/>
+          </a:prstGeom>
+          <a:noFill/>
+          <a:ln w="9525">
+            <a:noFill/>
+            <a:miter lim="800000"/>
+            <a:headEnd/>
+            <a:tailEnd/>
+          </a:ln>
+        </p:spPr>
+        <p:txBody>
+          <a:bodyPr wrap="none">
+            <a:spAutoFit/>
+          </a:bodyPr>
+          <a:lstStyle/>
+          <a:p>
+            <a:r>
+              <a:rPr lang="zh-CN" altLang="en-US" b="1"/>
+              <a:t>从特定的</a:t>
+            </a:r>
+            <a:r>
+              <a:rPr lang="en-US" b="1"/>
+              <a:t>GPU</a:t>
+            </a:r>
+            <a:r>
+              <a:rPr lang="zh-CN" altLang="en-US" b="1"/>
+              <a:t>转化</a:t>
+            </a:r>
+            <a:r>
+              <a:rPr lang="en-US" b="1"/>
+              <a:t>OpenCL</a:t>
+            </a:r>
+            <a:r>
+              <a:rPr lang="zh-CN" altLang="en-US" b="1"/>
+              <a:t>程序</a:t>
+            </a:r>
+          </a:p>
+          <a:p>
+            <a:r>
+              <a:rPr lang="zh-CN" altLang="en-US" b="1"/>
+              <a:t>以及</a:t>
+            </a:r>
+            <a:r>
+              <a:rPr lang="en-US" b="1"/>
+              <a:t>CPU</a:t>
+            </a:r>
+            <a:r>
+              <a:rPr lang="zh-CN" altLang="en-US" b="1"/>
+              <a:t>具体优化技术</a:t>
+            </a:r>
+            <a:r>
+              <a:rPr lang="en-US">
+                <a:effectLst/>
+              </a:rPr>
+              <a:t> </a:t>
+            </a:r>
+            <a:endParaRPr lang="zh-CN" altLang="en-US">
+              <a:latin typeface="微软雅黑" pitchFamily="34" charset="-122"/>
+              <a:ea typeface="微软雅黑" pitchFamily="34" charset="-122"/>
+            </a:endParaRPr>
+          </a:p>
+        </p:txBody>
+      </p:sp>
+      <p:sp>
+        <p:nvSpPr>
+          <p:cNvPr id="3086" name="矩形 21"/>
+          <p:cNvSpPr>
+            <a:spLocks noChangeArrowheads="1"/>
+          </p:cNvSpPr>
+          <p:nvPr/>
+        </p:nvSpPr>
+        <p:spPr bwMode="auto">
+          <a:xfrm>
+            <a:off x="4128542" y="3842222"/>
+            <a:ext cx="1172116" cy="369332"/>
+          </a:xfrm>
+          <a:prstGeom prst="rect">
+            <a:avLst/>
+          </a:prstGeom>
+          <a:noFill/>
+          <a:ln w="9525">
+            <a:noFill/>
+            <a:miter lim="800000"/>
+            <a:headEnd/>
+            <a:tailEnd/>
+          </a:ln>
+        </p:spPr>
+        <p:txBody>
+          <a:bodyPr wrap="none">
+            <a:spAutoFit/>
+          </a:bodyPr>
+          <a:lstStyle/>
+          <a:p>
+            <a:r>
+              <a:rPr lang="zh-CN" altLang="en-US" b="1"/>
+              <a:t>实验评价</a:t>
+            </a:r>
+            <a:r>
+              <a:rPr lang="en-US">
+                <a:effectLst/>
+              </a:rPr>
+              <a:t> </a:t>
+            </a:r>
+            <a:endParaRPr lang="zh-CN" altLang="en-US">
+              <a:latin typeface="微软雅黑" pitchFamily="34" charset="-122"/>
+              <a:ea typeface="微软雅黑" pitchFamily="34" charset="-122"/>
+            </a:endParaRPr>
+          </a:p>
+        </p:txBody>
+      </p:sp>
+      <p:sp>
+        <p:nvSpPr>
+          <p:cNvPr id="15" name="虚尾箭头 13"/>
+          <p:cNvSpPr/>
+          <p:nvPr/>
+        </p:nvSpPr>
+        <p:spPr>
+          <a:xfrm>
+            <a:off x="2699791" y="4626556"/>
+            <a:ext cx="1285875" cy="928687"/>
+          </a:xfrm>
+          <a:prstGeom prst="stripedRightArrow">
+            <a:avLst/>
+          </a:prstGeom>
+          <a:solidFill>
+            <a:srgbClr val="4D9A9E"/>
+          </a:solidFill>
+          <a:ln>
+            <a:noFill/>
+          </a:ln>
+        </p:spPr>
+        <p:style>
+          <a:lnRef idx="2">
+            <a:schemeClr val="accent1">
+              <a:shade val="50000"/>
+            </a:schemeClr>
+          </a:lnRef>
+          <a:fillRef idx="1">
+            <a:schemeClr val="accent1"/>
+          </a:fillRef>
+          <a:effectRef idx="0">
+            <a:schemeClr val="accent1"/>
+          </a:effectRef>
+          <a:fontRef idx="minor">
+            <a:schemeClr val="lt1"/>
+          </a:fontRef>
+        </p:style>
+        <p:txBody>
+          <a:bodyPr anchor="ctr"/>
+          <a:lstStyle/>
+          <a:p>
+            <a:pPr algn="ctr">
+              <a:defRPr/>
             </a:pPr>
-            <a:r>
-              <a:rPr lang="zh-CN" altLang="en-US"/>
-              <a:t>图像分析的主要目的是对图像感兴趣的目标进行分析处理，而图像分割是提取出这些感兴趣目标的必经步骤，并且是图像分析中关键的一步。随着科技水平的不断发展和日益增长的需要，图像分割对于现代生活越来越具有重要的实用价 值。</a:t>
-            </a:r>
-          </a:p>
-          <a:p>
-            <a:pPr indent="457200" algn="l">
-              <a:lnSpc>
-                <a:spcPct val="150000"/>
-              </a:lnSpc>
-            </a:pPr>
-            <a:r>
-              <a:rPr lang="zh-CN" altLang="en-US"/>
-              <a:t>目前，有大量的优秀的图像分割算法，其中基于水平集的主动轮廓模型成为 一种广受欢迎的方法，它强调的是设计一个好的能量函数，然后通过最小化这个 能量函数来得到最终目标轮廓的过程，并且其中的曲线用零水平集表示。 </a:t>
-            </a:r>
+            <a:endParaRPr lang="zh-CN" altLang="en-US"/>
+          </a:p>
+        </p:txBody>
+      </p:sp>
+      <p:sp>
+        <p:nvSpPr>
+          <p:cNvPr id="16" name="矩形 21"/>
+          <p:cNvSpPr>
+            <a:spLocks noChangeArrowheads="1"/>
+          </p:cNvSpPr>
+          <p:nvPr/>
+        </p:nvSpPr>
+        <p:spPr bwMode="auto">
+          <a:xfrm>
+            <a:off x="4128541" y="4912306"/>
+            <a:ext cx="2326278" cy="369332"/>
+          </a:xfrm>
+          <a:prstGeom prst="rect">
+            <a:avLst/>
+          </a:prstGeom>
+          <a:noFill/>
+          <a:ln w="9525">
+            <a:noFill/>
+            <a:miter lim="800000"/>
+            <a:headEnd/>
+            <a:tailEnd/>
+          </a:ln>
+        </p:spPr>
+        <p:txBody>
+          <a:bodyPr wrap="none">
+            <a:spAutoFit/>
+          </a:bodyPr>
+          <a:lstStyle/>
+          <a:p>
+            <a:r>
+              <a:rPr lang="zh-CN" altLang="en-US" b="1"/>
+              <a:t>报告</a:t>
+            </a:r>
+            <a:r>
+              <a:rPr lang="zh-CN" altLang="en-US" b="1"/>
+              <a:t>小结与未来展望</a:t>
+            </a:r>
+            <a:r>
+              <a:rPr lang="en-US">
+                <a:effectLst/>
+              </a:rPr>
+              <a:t> </a:t>
+            </a:r>
+            <a:endParaRPr lang="zh-CN" altLang="en-US">
+              <a:latin typeface="微软雅黑" pitchFamily="34" charset="-122"/>
+              <a:ea typeface="微软雅黑" pitchFamily="34" charset="-122"/>
+            </a:endParaRPr>
           </a:p>
         </p:txBody>
       </p:sp>
     </p:spTree>
-    <p:extLst>
-      <p:ext uri="{BB962C8B-B14F-4D97-AF65-F5344CB8AC3E}">
-        <p14:creationId xmlns:p14="http://schemas.microsoft.com/office/powerpoint/2010/main" val="70636429"/>
-      </p:ext>
-    </p:extLst>
   </p:cSld>
   <p:clrMapOvr>
     <a:masterClrMapping/>
@@ -3630,44 +4799,403 @@
       </p:grpSpPr>
       <p:sp>
         <p:nvSpPr>
-          <p:cNvPr id="3" name="Content Placeholder 2"/>
-          <p:cNvSpPr>
-            <a:spLocks noGrp="1"/>
-          </p:cNvSpPr>
-          <p:nvPr>
-            <p:ph idx="1"/>
-          </p:nvPr>
+          <p:cNvPr id="11" name="流程图: 离页连接符 10"/>
+          <p:cNvSpPr/>
+          <p:nvPr/>
         </p:nvSpPr>
         <p:spPr>
           <a:xfrm>
-            <a:off x="2455817" y="1564367"/>
-            <a:ext cx="7114903" cy="4351338"/>
-          </a:xfrm>
-        </p:spPr>
-        <p:txBody>
-          <a:bodyPr/>
+            <a:off x="2930649" y="2418035"/>
+            <a:ext cx="1714500" cy="1928813"/>
+          </a:xfrm>
+          <a:prstGeom prst="flowChartOffpageConnector">
+            <a:avLst/>
+          </a:prstGeom>
+          <a:solidFill>
+            <a:srgbClr val="4D9A9E"/>
+          </a:solidFill>
+          <a:ln>
+            <a:noFill/>
+          </a:ln>
+        </p:spPr>
+        <p:style>
+          <a:lnRef idx="2">
+            <a:schemeClr val="accent1">
+              <a:shade val="50000"/>
+            </a:schemeClr>
+          </a:lnRef>
+          <a:fillRef idx="1">
+            <a:schemeClr val="accent1"/>
+          </a:fillRef>
+          <a:effectRef idx="0">
+            <a:schemeClr val="accent1"/>
+          </a:effectRef>
+          <a:fontRef idx="minor">
+            <a:schemeClr val="lt1"/>
+          </a:fontRef>
+        </p:style>
+        <p:txBody>
+          <a:bodyPr anchor="ctr"/>
           <a:lstStyle/>
           <a:p>
-            <a:pPr marL="0" indent="457200">
-              <a:lnSpc>
-                <a:spcPct val="150000"/>
-              </a:lnSpc>
-              <a:buNone/>
+            <a:pPr algn="ctr">
+              <a:defRPr/>
             </a:pPr>
-            <a:r>
-              <a:rPr lang="zh-CN" altLang="en-US"/>
-              <a:t>本文主要研究的是基于区域型水平集的主动轮廓模型，对水平集的理论基础 和数值计算做了研究，介绍了曲线演化理论，水平集的数值计算推导过程，以及其中的关键理论。</a:t>
-            </a:r>
-            <a:endParaRPr lang="en-US"/>
+            <a:endParaRPr lang="zh-CN" altLang="en-US"/>
+          </a:p>
+        </p:txBody>
+      </p:sp>
+      <p:sp>
+        <p:nvSpPr>
+          <p:cNvPr id="12" name="流程图: 离页连接符 11"/>
+          <p:cNvSpPr/>
+          <p:nvPr/>
+        </p:nvSpPr>
+        <p:spPr>
+          <a:xfrm flipV="1">
+            <a:off x="4788024" y="2060848"/>
+            <a:ext cx="1714500" cy="1928812"/>
+          </a:xfrm>
+          <a:prstGeom prst="flowChartOffpageConnector">
+            <a:avLst/>
+          </a:prstGeom>
+          <a:solidFill>
+            <a:srgbClr val="4D9A9E"/>
+          </a:solidFill>
+          <a:ln>
+            <a:noFill/>
+          </a:ln>
+        </p:spPr>
+        <p:style>
+          <a:lnRef idx="2">
+            <a:schemeClr val="accent1">
+              <a:shade val="50000"/>
+            </a:schemeClr>
+          </a:lnRef>
+          <a:fillRef idx="1">
+            <a:schemeClr val="accent1"/>
+          </a:fillRef>
+          <a:effectRef idx="0">
+            <a:schemeClr val="accent1"/>
+          </a:effectRef>
+          <a:fontRef idx="minor">
+            <a:schemeClr val="lt1"/>
+          </a:fontRef>
+        </p:style>
+        <p:txBody>
+          <a:bodyPr anchor="ctr"/>
+          <a:lstStyle/>
+          <a:p>
+            <a:pPr algn="ctr">
+              <a:defRPr/>
+            </a:pPr>
+            <a:endParaRPr lang="zh-CN" altLang="en-US"/>
+          </a:p>
+        </p:txBody>
+      </p:sp>
+      <p:sp>
+        <p:nvSpPr>
+          <p:cNvPr id="5126" name="TextBox 5" hidden="1"/>
+          <p:cNvSpPr txBox="1">
+            <a:spLocks noChangeArrowheads="1"/>
+          </p:cNvSpPr>
+          <p:nvPr/>
+        </p:nvSpPr>
+        <p:spPr bwMode="auto">
+          <a:xfrm>
+            <a:off x="1939925" y="1954213"/>
+            <a:ext cx="1943100" cy="369887"/>
+          </a:xfrm>
+          <a:prstGeom prst="rect">
+            <a:avLst/>
+          </a:prstGeom>
+          <a:noFill/>
+          <a:ln w="9525">
+            <a:noFill/>
+            <a:miter lim="800000"/>
+            <a:headEnd/>
+            <a:tailEnd/>
+          </a:ln>
+        </p:spPr>
+        <p:txBody>
+          <a:bodyPr>
+            <a:spAutoFit/>
+          </a:bodyPr>
+          <a:lstStyle/>
+          <a:p>
+            <a:r>
+              <a:rPr lang="zh-CN" altLang="en-US">
+                <a:latin typeface="微软雅黑" pitchFamily="34" charset="-122"/>
+                <a:ea typeface="微软雅黑" pitchFamily="34" charset="-122"/>
+              </a:rPr>
+              <a:t>点击添加文本</a:t>
+            </a:r>
+          </a:p>
+        </p:txBody>
+      </p:sp>
+      <p:sp>
+        <p:nvSpPr>
+          <p:cNvPr id="5127" name="矩形 6" hidden="1"/>
+          <p:cNvSpPr>
+            <a:spLocks noChangeArrowheads="1"/>
+          </p:cNvSpPr>
+          <p:nvPr/>
+        </p:nvSpPr>
+        <p:spPr bwMode="auto">
+          <a:xfrm>
+            <a:off x="1939925" y="3025775"/>
+            <a:ext cx="1471613" cy="646113"/>
+          </a:xfrm>
+          <a:prstGeom prst="rect">
+            <a:avLst/>
+          </a:prstGeom>
+          <a:noFill/>
+          <a:ln w="9525">
+            <a:noFill/>
+            <a:miter lim="800000"/>
+            <a:headEnd/>
+            <a:tailEnd/>
+          </a:ln>
+        </p:spPr>
+        <p:txBody>
+          <a:bodyPr>
+            <a:spAutoFit/>
+          </a:bodyPr>
+          <a:lstStyle/>
+          <a:p>
+            <a:r>
+              <a:rPr lang="zh-CN" altLang="en-US">
+                <a:latin typeface="微软雅黑" pitchFamily="34" charset="-122"/>
+                <a:ea typeface="微软雅黑" pitchFamily="34" charset="-122"/>
+              </a:rPr>
+              <a:t>点击添加文本</a:t>
+            </a:r>
+          </a:p>
+        </p:txBody>
+      </p:sp>
+      <p:sp>
+        <p:nvSpPr>
+          <p:cNvPr id="5128" name="矩形 7" hidden="1"/>
+          <p:cNvSpPr>
+            <a:spLocks noChangeArrowheads="1"/>
+          </p:cNvSpPr>
+          <p:nvPr/>
+        </p:nvSpPr>
+        <p:spPr bwMode="auto">
+          <a:xfrm>
+            <a:off x="2011363" y="4240213"/>
+            <a:ext cx="1471612" cy="646112"/>
+          </a:xfrm>
+          <a:prstGeom prst="rect">
+            <a:avLst/>
+          </a:prstGeom>
+          <a:noFill/>
+          <a:ln w="9525">
+            <a:noFill/>
+            <a:miter lim="800000"/>
+            <a:headEnd/>
+            <a:tailEnd/>
+          </a:ln>
+        </p:spPr>
+        <p:txBody>
+          <a:bodyPr>
+            <a:spAutoFit/>
+          </a:bodyPr>
+          <a:lstStyle/>
+          <a:p>
+            <a:r>
+              <a:rPr lang="zh-CN" altLang="en-US">
+                <a:latin typeface="微软雅黑" pitchFamily="34" charset="-122"/>
+                <a:ea typeface="微软雅黑" pitchFamily="34" charset="-122"/>
+              </a:rPr>
+              <a:t>点击添加文本</a:t>
+            </a:r>
+          </a:p>
+        </p:txBody>
+      </p:sp>
+      <p:sp>
+        <p:nvSpPr>
+          <p:cNvPr id="5129" name="矩形 8" hidden="1"/>
+          <p:cNvSpPr>
+            <a:spLocks noChangeArrowheads="1"/>
+          </p:cNvSpPr>
+          <p:nvPr/>
+        </p:nvSpPr>
+        <p:spPr bwMode="auto">
+          <a:xfrm>
+            <a:off x="2011363" y="5526088"/>
+            <a:ext cx="1471612" cy="646112"/>
+          </a:xfrm>
+          <a:prstGeom prst="rect">
+            <a:avLst/>
+          </a:prstGeom>
+          <a:noFill/>
+          <a:ln w="9525">
+            <a:noFill/>
+            <a:miter lim="800000"/>
+            <a:headEnd/>
+            <a:tailEnd/>
+          </a:ln>
+        </p:spPr>
+        <p:txBody>
+          <a:bodyPr>
+            <a:spAutoFit/>
+          </a:bodyPr>
+          <a:lstStyle/>
+          <a:p>
+            <a:r>
+              <a:rPr lang="zh-CN" altLang="en-US">
+                <a:latin typeface="微软雅黑" pitchFamily="34" charset="-122"/>
+                <a:ea typeface="微软雅黑" pitchFamily="34" charset="-122"/>
+              </a:rPr>
+              <a:t>点击添加文本</a:t>
+            </a:r>
+          </a:p>
+        </p:txBody>
+      </p:sp>
+      <p:sp>
+        <p:nvSpPr>
+          <p:cNvPr id="5130" name="矩形 6"/>
+          <p:cNvSpPr>
+            <a:spLocks noChangeArrowheads="1"/>
+          </p:cNvSpPr>
+          <p:nvPr/>
+        </p:nvSpPr>
+        <p:spPr bwMode="auto">
+          <a:xfrm>
+            <a:off x="357188" y="285750"/>
+            <a:ext cx="2763898" cy="523220"/>
+          </a:xfrm>
+          <a:prstGeom prst="rect">
+            <a:avLst/>
+          </a:prstGeom>
+          <a:noFill/>
+          <a:ln w="9525">
+            <a:noFill/>
+            <a:miter lim="800000"/>
+            <a:headEnd/>
+            <a:tailEnd/>
+          </a:ln>
+        </p:spPr>
+        <p:txBody>
+          <a:bodyPr wrap="none">
+            <a:spAutoFit/>
+          </a:bodyPr>
+          <a:lstStyle/>
+          <a:p>
+            <a:r>
+              <a:rPr lang="zh-CN" altLang="en-US" sz="2800">
+                <a:latin typeface="微软雅黑" pitchFamily="34" charset="-122"/>
+                <a:ea typeface="微软雅黑" pitchFamily="34" charset="-122"/>
+              </a:rPr>
+              <a:t>介绍和</a:t>
+            </a:r>
+            <a:r>
+              <a:rPr lang="zh-CN" altLang="en-US" sz="2800">
+                <a:latin typeface="微软雅黑" pitchFamily="34" charset="-122"/>
+                <a:ea typeface="微软雅黑" pitchFamily="34" charset="-122"/>
+              </a:rPr>
+              <a:t>背景驱动</a:t>
+            </a:r>
+          </a:p>
+        </p:txBody>
+      </p:sp>
+      <p:sp>
+        <p:nvSpPr>
+          <p:cNvPr id="5131" name="矩形 12"/>
+          <p:cNvSpPr>
+            <a:spLocks noChangeArrowheads="1"/>
+          </p:cNvSpPr>
+          <p:nvPr/>
+        </p:nvSpPr>
+        <p:spPr bwMode="auto">
+          <a:xfrm>
+            <a:off x="5091276" y="3060973"/>
+            <a:ext cx="1107996" cy="369332"/>
+          </a:xfrm>
+          <a:prstGeom prst="rect">
+            <a:avLst/>
+          </a:prstGeom>
+          <a:noFill/>
+          <a:ln w="9525">
+            <a:noFill/>
+            <a:miter lim="800000"/>
+            <a:headEnd/>
+            <a:tailEnd/>
+          </a:ln>
+        </p:spPr>
+        <p:txBody>
+          <a:bodyPr wrap="none">
+            <a:spAutoFit/>
+          </a:bodyPr>
+          <a:lstStyle/>
+          <a:p>
+            <a:r>
+              <a:rPr lang="zh-CN" altLang="en-US">
+                <a:latin typeface="微软雅黑" pitchFamily="34" charset="-122"/>
+                <a:ea typeface="微软雅黑" pitchFamily="34" charset="-122"/>
+              </a:rPr>
+              <a:t>背景驱动</a:t>
+            </a:r>
+            <a:endParaRPr lang="zh-CN" altLang="en-US">
+              <a:latin typeface="微软雅黑" pitchFamily="34" charset="-122"/>
+              <a:ea typeface="微软雅黑" pitchFamily="34" charset="-122"/>
+            </a:endParaRPr>
+          </a:p>
+        </p:txBody>
+      </p:sp>
+      <p:sp>
+        <p:nvSpPr>
+          <p:cNvPr id="5134" name="矩形 15"/>
+          <p:cNvSpPr>
+            <a:spLocks noChangeArrowheads="1"/>
+          </p:cNvSpPr>
+          <p:nvPr/>
+        </p:nvSpPr>
+        <p:spPr bwMode="auto">
+          <a:xfrm>
+            <a:off x="3073524" y="3060973"/>
+            <a:ext cx="1527982" cy="369332"/>
+          </a:xfrm>
+          <a:prstGeom prst="rect">
+            <a:avLst/>
+          </a:prstGeom>
+          <a:noFill/>
+          <a:ln w="9525">
+            <a:noFill/>
+            <a:miter lim="800000"/>
+            <a:headEnd/>
+            <a:tailEnd/>
+          </a:ln>
+        </p:spPr>
+        <p:txBody>
+          <a:bodyPr wrap="none">
+            <a:spAutoFit/>
+          </a:bodyPr>
+          <a:lstStyle/>
+          <a:p>
+            <a:r>
+              <a:rPr lang="en-US" altLang="zh-CN">
+                <a:latin typeface="微软雅黑" pitchFamily="34" charset="-122"/>
+                <a:ea typeface="微软雅黑" pitchFamily="34" charset="-122"/>
+              </a:rPr>
+              <a:t>OpenCL</a:t>
+            </a:r>
+            <a:r>
+              <a:rPr lang="zh-CN" altLang="en-US">
+                <a:latin typeface="微软雅黑" pitchFamily="34" charset="-122"/>
+                <a:ea typeface="微软雅黑" pitchFamily="34" charset="-122"/>
+              </a:rPr>
+              <a:t>概论</a:t>
+            </a:r>
+            <a:endParaRPr lang="zh-CN" altLang="en-US">
+              <a:latin typeface="微软雅黑" pitchFamily="34" charset="-122"/>
+              <a:ea typeface="微软雅黑" pitchFamily="34" charset="-122"/>
+            </a:endParaRPr>
           </a:p>
         </p:txBody>
       </p:sp>
     </p:spTree>
-    <p:extLst>
-      <p:ext uri="{BB962C8B-B14F-4D97-AF65-F5344CB8AC3E}">
-        <p14:creationId xmlns:p14="http://schemas.microsoft.com/office/powerpoint/2010/main" val="1615935710"/>
-      </p:ext>
-    </p:extLst>
   </p:cSld>
   <p:clrMapOvr>
     <a:masterClrMapping/>
@@ -3701,53 +5229,522 @@
       </p:grpSpPr>
       <p:sp>
         <p:nvSpPr>
-          <p:cNvPr id="3" name="Content Placeholder 2"/>
-          <p:cNvSpPr>
-            <a:spLocks noGrp="1"/>
-          </p:cNvSpPr>
-          <p:nvPr>
-            <p:ph idx="1"/>
-          </p:nvPr>
+          <p:cNvPr id="11" name="矩形 10"/>
+          <p:cNvSpPr/>
+          <p:nvPr/>
         </p:nvSpPr>
         <p:spPr>
           <a:xfrm>
-            <a:off x="2074818" y="510630"/>
-            <a:ext cx="7913914" cy="5376364"/>
-          </a:xfrm>
+            <a:off x="4429125" y="1701800"/>
+            <a:ext cx="928688" cy="3143250"/>
+          </a:xfrm>
+          <a:prstGeom prst="rect">
+            <a:avLst/>
+          </a:prstGeom>
+          <a:solidFill>
+            <a:srgbClr val="4D9A9E"/>
+          </a:solidFill>
+          <a:ln>
+            <a:noFill/>
+          </a:ln>
+        </p:spPr>
+        <p:style>
+          <a:lnRef idx="2">
+            <a:schemeClr val="accent1">
+              <a:shade val="50000"/>
+            </a:schemeClr>
+          </a:lnRef>
+          <a:fillRef idx="1">
+            <a:schemeClr val="accent1"/>
+          </a:fillRef>
+          <a:effectRef idx="0">
+            <a:schemeClr val="accent1"/>
+          </a:effectRef>
+          <a:fontRef idx="minor">
+            <a:schemeClr val="lt1"/>
+          </a:fontRef>
+        </p:style>
+        <p:txBody>
+          <a:bodyPr anchor="ctr"/>
+          <a:lstStyle/>
+          <a:p>
+            <a:pPr algn="ctr">
+              <a:defRPr/>
+            </a:pPr>
+            <a:endParaRPr lang="zh-CN" altLang="en-US"/>
+          </a:p>
+        </p:txBody>
+      </p:sp>
+      <p:sp>
+        <p:nvSpPr>
+          <p:cNvPr id="12" name="矩形 11"/>
+          <p:cNvSpPr/>
+          <p:nvPr/>
+        </p:nvSpPr>
+        <p:spPr>
+          <a:xfrm rot="16200000">
+            <a:off x="4393406" y="1594644"/>
+            <a:ext cx="928688" cy="3143250"/>
+          </a:xfrm>
+          <a:prstGeom prst="rect">
+            <a:avLst/>
+          </a:prstGeom>
+          <a:solidFill>
+            <a:srgbClr val="4D9A9E"/>
+          </a:solidFill>
+          <a:ln>
+            <a:noFill/>
+          </a:ln>
+        </p:spPr>
+        <p:style>
+          <a:lnRef idx="2">
+            <a:schemeClr val="accent1">
+              <a:shade val="50000"/>
+            </a:schemeClr>
+          </a:lnRef>
+          <a:fillRef idx="1">
+            <a:schemeClr val="accent1"/>
+          </a:fillRef>
+          <a:effectRef idx="0">
+            <a:schemeClr val="accent1"/>
+          </a:effectRef>
+          <a:fontRef idx="minor">
+            <a:schemeClr val="lt1"/>
+          </a:fontRef>
+        </p:style>
+        <p:txBody>
+          <a:bodyPr anchor="ctr"/>
+          <a:lstStyle/>
+          <a:p>
+            <a:pPr algn="ctr">
+              <a:defRPr/>
+            </a:pPr>
+            <a:endParaRPr lang="zh-CN" altLang="en-US"/>
+          </a:p>
+        </p:txBody>
+      </p:sp>
+      <p:sp>
+        <p:nvSpPr>
+          <p:cNvPr id="6148" name="TextBox 5" hidden="1"/>
+          <p:cNvSpPr txBox="1">
+            <a:spLocks noChangeArrowheads="1"/>
+          </p:cNvSpPr>
+          <p:nvPr/>
+        </p:nvSpPr>
+        <p:spPr bwMode="auto">
+          <a:xfrm>
+            <a:off x="1939925" y="1954213"/>
+            <a:ext cx="1943100" cy="369887"/>
+          </a:xfrm>
+          <a:prstGeom prst="rect">
+            <a:avLst/>
+          </a:prstGeom>
+          <a:noFill/>
+          <a:ln w="9525">
+            <a:noFill/>
+            <a:miter lim="800000"/>
+            <a:headEnd/>
+            <a:tailEnd/>
+          </a:ln>
         </p:spPr>
         <p:txBody>
           <a:bodyPr>
-            <a:normAutofit/>
+            <a:spAutoFit/>
           </a:bodyPr>
           <a:lstStyle/>
           <a:p>
-            <a:pPr marL="0" indent="457200">
-              <a:lnSpc>
-                <a:spcPct val="150000"/>
-              </a:lnSpc>
-              <a:buNone/>
-            </a:pPr>
-            <a:r>
-              <a:rPr lang="zh-CN" altLang="en-US" sz="2400"/>
-              <a:t>对图像进行处理时，人们往往对图像中的一部分感趣，我们称这些部分为目标或者前景，而另一部分叫做背景，图像中的目标部分一般对应图像中的具有 特定性质的区域。为了对目标进行准确的分析和识别，需要将这些且标从图像中 提取和分离出来。对提取出来的结果进一步的利用</a:t>
-            </a:r>
-            <a:r>
-              <a:rPr lang="zh-CN" altLang="en-US" sz="2400"/>
-              <a:t>。</a:t>
-            </a:r>
-            <a:r>
-              <a:rPr lang="zh-CN" altLang="en-US" sz="2400"/>
-              <a:t>就能够得到相应的特征。而图像分割是这样一种技术：它将图像各具特性的区域分离开并且将感趣的目标从图像区域中提取出来。我们这里所指的特性可以是：灰度颜色，纹理等。 </a:t>
-            </a:r>
+            <a:r>
+              <a:rPr lang="zh-CN" altLang="en-US">
+                <a:latin typeface="微软雅黑" pitchFamily="34" charset="-122"/>
+                <a:ea typeface="微软雅黑" pitchFamily="34" charset="-122"/>
+              </a:rPr>
+              <a:t>点击添加文本</a:t>
+            </a:r>
+          </a:p>
+        </p:txBody>
+      </p:sp>
+      <p:sp>
+        <p:nvSpPr>
+          <p:cNvPr id="6149" name="矩形 6" hidden="1"/>
+          <p:cNvSpPr>
+            <a:spLocks noChangeArrowheads="1"/>
+          </p:cNvSpPr>
+          <p:nvPr/>
+        </p:nvSpPr>
+        <p:spPr bwMode="auto">
+          <a:xfrm>
+            <a:off x="1939925" y="3025775"/>
+            <a:ext cx="1471613" cy="646113"/>
+          </a:xfrm>
+          <a:prstGeom prst="rect">
+            <a:avLst/>
+          </a:prstGeom>
+          <a:noFill/>
+          <a:ln w="9525">
+            <a:noFill/>
+            <a:miter lim="800000"/>
+            <a:headEnd/>
+            <a:tailEnd/>
+          </a:ln>
+        </p:spPr>
+        <p:txBody>
+          <a:bodyPr>
+            <a:spAutoFit/>
+          </a:bodyPr>
+          <a:lstStyle/>
+          <a:p>
+            <a:r>
+              <a:rPr lang="zh-CN" altLang="en-US">
+                <a:latin typeface="微软雅黑" pitchFamily="34" charset="-122"/>
+                <a:ea typeface="微软雅黑" pitchFamily="34" charset="-122"/>
+              </a:rPr>
+              <a:t>点击添加文本</a:t>
+            </a:r>
+          </a:p>
+        </p:txBody>
+      </p:sp>
+      <p:sp>
+        <p:nvSpPr>
+          <p:cNvPr id="6150" name="矩形 7" hidden="1"/>
+          <p:cNvSpPr>
+            <a:spLocks noChangeArrowheads="1"/>
+          </p:cNvSpPr>
+          <p:nvPr/>
+        </p:nvSpPr>
+        <p:spPr bwMode="auto">
+          <a:xfrm>
+            <a:off x="2011363" y="4240213"/>
+            <a:ext cx="1471612" cy="646112"/>
+          </a:xfrm>
+          <a:prstGeom prst="rect">
+            <a:avLst/>
+          </a:prstGeom>
+          <a:noFill/>
+          <a:ln w="9525">
+            <a:noFill/>
+            <a:miter lim="800000"/>
+            <a:headEnd/>
+            <a:tailEnd/>
+          </a:ln>
+        </p:spPr>
+        <p:txBody>
+          <a:bodyPr>
+            <a:spAutoFit/>
+          </a:bodyPr>
+          <a:lstStyle/>
+          <a:p>
+            <a:r>
+              <a:rPr lang="zh-CN" altLang="en-US">
+                <a:latin typeface="微软雅黑" pitchFamily="34" charset="-122"/>
+                <a:ea typeface="微软雅黑" pitchFamily="34" charset="-122"/>
+              </a:rPr>
+              <a:t>点击添加文本</a:t>
+            </a:r>
+          </a:p>
+        </p:txBody>
+      </p:sp>
+      <p:sp>
+        <p:nvSpPr>
+          <p:cNvPr id="6151" name="矩形 8" hidden="1"/>
+          <p:cNvSpPr>
+            <a:spLocks noChangeArrowheads="1"/>
+          </p:cNvSpPr>
+          <p:nvPr/>
+        </p:nvSpPr>
+        <p:spPr bwMode="auto">
+          <a:xfrm>
+            <a:off x="2011363" y="5526088"/>
+            <a:ext cx="1471612" cy="646112"/>
+          </a:xfrm>
+          <a:prstGeom prst="rect">
+            <a:avLst/>
+          </a:prstGeom>
+          <a:noFill/>
+          <a:ln w="9525">
+            <a:noFill/>
+            <a:miter lim="800000"/>
+            <a:headEnd/>
+            <a:tailEnd/>
+          </a:ln>
+        </p:spPr>
+        <p:txBody>
+          <a:bodyPr>
+            <a:spAutoFit/>
+          </a:bodyPr>
+          <a:lstStyle/>
+          <a:p>
+            <a:r>
+              <a:rPr lang="zh-CN" altLang="en-US">
+                <a:latin typeface="微软雅黑" pitchFamily="34" charset="-122"/>
+                <a:ea typeface="微软雅黑" pitchFamily="34" charset="-122"/>
+              </a:rPr>
+              <a:t>点击添加文本</a:t>
+            </a:r>
+          </a:p>
+        </p:txBody>
+      </p:sp>
+      <p:sp>
+        <p:nvSpPr>
+          <p:cNvPr id="6152" name="矩形 6"/>
+          <p:cNvSpPr>
+            <a:spLocks noChangeArrowheads="1"/>
+          </p:cNvSpPr>
+          <p:nvPr/>
+        </p:nvSpPr>
+        <p:spPr bwMode="auto">
+          <a:xfrm>
+            <a:off x="357188" y="285750"/>
+            <a:ext cx="5232523" cy="954107"/>
+          </a:xfrm>
+          <a:prstGeom prst="rect">
+            <a:avLst/>
+          </a:prstGeom>
+          <a:noFill/>
+          <a:ln w="9525">
+            <a:noFill/>
+            <a:miter lim="800000"/>
+            <a:headEnd/>
+            <a:tailEnd/>
+          </a:ln>
+        </p:spPr>
+        <p:txBody>
+          <a:bodyPr wrap="none">
+            <a:spAutoFit/>
+          </a:bodyPr>
+          <a:lstStyle/>
+          <a:p>
+            <a:r>
+              <a:rPr lang="zh-CN" altLang="en-US" sz="2800" b="1"/>
+              <a:t>从特定的</a:t>
+            </a:r>
+            <a:r>
+              <a:rPr lang="en-US" sz="2800" b="1"/>
+              <a:t>GPU</a:t>
+            </a:r>
+            <a:r>
+              <a:rPr lang="zh-CN" altLang="en-US" sz="2800" b="1"/>
+              <a:t>转化</a:t>
+            </a:r>
+            <a:r>
+              <a:rPr lang="en-US" sz="2800" b="1"/>
+              <a:t>OpenCL</a:t>
+            </a:r>
+            <a:r>
+              <a:rPr lang="zh-CN" altLang="en-US" sz="2800" b="1"/>
+              <a:t>程序</a:t>
+            </a:r>
+          </a:p>
+          <a:p>
+            <a:r>
+              <a:rPr lang="zh-CN" altLang="en-US" sz="2800" b="1"/>
+              <a:t>以及</a:t>
+            </a:r>
+            <a:r>
+              <a:rPr lang="en-US" sz="2800" b="1"/>
+              <a:t>CPU</a:t>
+            </a:r>
+            <a:r>
+              <a:rPr lang="zh-CN" altLang="en-US" sz="2800" b="1"/>
+              <a:t>具体优化技术</a:t>
+            </a:r>
+            <a:r>
+              <a:rPr lang="en-US" sz="2800"/>
+              <a:t> </a:t>
+            </a:r>
+            <a:endParaRPr lang="zh-CN" altLang="en-US" sz="2800">
+              <a:latin typeface="微软雅黑" pitchFamily="34" charset="-122"/>
+              <a:ea typeface="微软雅黑" pitchFamily="34" charset="-122"/>
+            </a:endParaRPr>
+          </a:p>
+        </p:txBody>
+      </p:sp>
+      <p:sp>
+        <p:nvSpPr>
+          <p:cNvPr id="6153" name="矩形 12"/>
+          <p:cNvSpPr>
+            <a:spLocks noChangeArrowheads="1"/>
+          </p:cNvSpPr>
+          <p:nvPr/>
+        </p:nvSpPr>
+        <p:spPr bwMode="auto">
+          <a:xfrm>
+            <a:off x="2385386" y="2843103"/>
+            <a:ext cx="1800493" cy="646331"/>
+          </a:xfrm>
+          <a:prstGeom prst="rect">
+            <a:avLst/>
+          </a:prstGeom>
+          <a:noFill/>
+          <a:ln w="9525">
+            <a:noFill/>
+            <a:miter lim="800000"/>
+            <a:headEnd/>
+            <a:tailEnd/>
+          </a:ln>
+        </p:spPr>
+        <p:txBody>
+          <a:bodyPr wrap="none">
+            <a:spAutoFit/>
+          </a:bodyPr>
+          <a:lstStyle/>
+          <a:p>
+            <a:pPr algn="ctr"/>
+            <a:r>
+              <a:rPr lang="en-US"/>
+              <a:t>B</a:t>
+            </a:r>
+            <a:r>
+              <a:rPr lang="zh-CN" altLang="en-US"/>
+              <a:t>：优化存储器</a:t>
+            </a:r>
+          </a:p>
+          <a:p>
+            <a:pPr algn="ctr"/>
+            <a:r>
+              <a:rPr lang="zh-CN" altLang="en-US"/>
+              <a:t>层次结构的用法</a:t>
+            </a:r>
+            <a:endParaRPr lang="en-US"/>
+          </a:p>
+        </p:txBody>
+      </p:sp>
+      <p:sp>
+        <p:nvSpPr>
+          <p:cNvPr id="6154" name="矩形 13"/>
+          <p:cNvSpPr>
+            <a:spLocks noChangeArrowheads="1"/>
+          </p:cNvSpPr>
+          <p:nvPr/>
+        </p:nvSpPr>
+        <p:spPr bwMode="auto">
+          <a:xfrm>
+            <a:off x="4534584" y="4868858"/>
+            <a:ext cx="646331" cy="369332"/>
+          </a:xfrm>
+          <a:prstGeom prst="rect">
+            <a:avLst/>
+          </a:prstGeom>
+          <a:noFill/>
+          <a:ln w="9525">
+            <a:noFill/>
+            <a:miter lim="800000"/>
+            <a:headEnd/>
+            <a:tailEnd/>
+          </a:ln>
+        </p:spPr>
+        <p:txBody>
+          <a:bodyPr wrap="none">
+            <a:spAutoFit/>
+          </a:bodyPr>
+          <a:lstStyle/>
+          <a:p>
+            <a:r>
+              <a:rPr lang="zh-CN" altLang="en-US">
+                <a:latin typeface="微软雅黑" pitchFamily="34" charset="-122"/>
+                <a:ea typeface="微软雅黑" pitchFamily="34" charset="-122"/>
+              </a:rPr>
+              <a:t>总结</a:t>
+            </a:r>
+            <a:endParaRPr lang="zh-CN" altLang="en-US">
+              <a:latin typeface="微软雅黑" pitchFamily="34" charset="-122"/>
+              <a:ea typeface="微软雅黑" pitchFamily="34" charset="-122"/>
+            </a:endParaRPr>
+          </a:p>
+        </p:txBody>
+      </p:sp>
+      <p:sp>
+        <p:nvSpPr>
+          <p:cNvPr id="6155" name="矩形 14"/>
+          <p:cNvSpPr>
+            <a:spLocks noChangeArrowheads="1"/>
+          </p:cNvSpPr>
+          <p:nvPr/>
+        </p:nvSpPr>
+        <p:spPr bwMode="auto">
+          <a:xfrm>
+            <a:off x="5487977" y="2843103"/>
+            <a:ext cx="1800493" cy="646331"/>
+          </a:xfrm>
+          <a:prstGeom prst="rect">
+            <a:avLst/>
+          </a:prstGeom>
+          <a:noFill/>
+          <a:ln w="9525">
+            <a:noFill/>
+            <a:miter lim="800000"/>
+            <a:headEnd/>
+            <a:tailEnd/>
+          </a:ln>
+        </p:spPr>
+        <p:txBody>
+          <a:bodyPr wrap="none">
+            <a:spAutoFit/>
+          </a:bodyPr>
+          <a:lstStyle/>
+          <a:p>
+            <a:pPr algn="ctr"/>
+            <a:r>
+              <a:rPr lang="en-US"/>
+              <a:t>C</a:t>
+            </a:r>
+            <a:r>
+              <a:rPr lang="zh-CN" altLang="en-US"/>
+              <a:t>：有效的</a:t>
+            </a:r>
+          </a:p>
+          <a:p>
+            <a:pPr algn="ctr"/>
+            <a:r>
+              <a:rPr lang="zh-CN" altLang="en-US"/>
+              <a:t>数据存取的方式</a:t>
+            </a:r>
+            <a:endParaRPr lang="en-US"/>
+          </a:p>
+        </p:txBody>
+      </p:sp>
+      <p:sp>
+        <p:nvSpPr>
+          <p:cNvPr id="6156" name="矩形 15"/>
+          <p:cNvSpPr>
+            <a:spLocks noChangeArrowheads="1"/>
+          </p:cNvSpPr>
+          <p:nvPr/>
+        </p:nvSpPr>
+        <p:spPr bwMode="auto">
+          <a:xfrm>
+            <a:off x="3570030" y="1344614"/>
+            <a:ext cx="2646878" cy="369332"/>
+          </a:xfrm>
+          <a:prstGeom prst="rect">
+            <a:avLst/>
+          </a:prstGeom>
+          <a:noFill/>
+          <a:ln w="9525">
+            <a:noFill/>
+            <a:miter lim="800000"/>
+            <a:headEnd/>
+            <a:tailEnd/>
+          </a:ln>
+        </p:spPr>
+        <p:txBody>
+          <a:bodyPr wrap="none">
+            <a:spAutoFit/>
+          </a:bodyPr>
+          <a:lstStyle/>
+          <a:p>
+            <a:r>
+              <a:rPr lang="en-US"/>
+              <a:t>A</a:t>
+            </a:r>
+            <a:r>
+              <a:rPr lang="zh-CN" altLang="en-US"/>
+              <a:t>：增加任务划分的粒度</a:t>
+            </a:r>
+            <a:endParaRPr lang="en-US"/>
           </a:p>
         </p:txBody>
       </p:sp>
     </p:spTree>
-    <p:extLst>
-      <p:ext uri="{BB962C8B-B14F-4D97-AF65-F5344CB8AC3E}">
-        <p14:creationId xmlns:p14="http://schemas.microsoft.com/office/powerpoint/2010/main" val="1541027284"/>
-      </p:ext>
-    </p:extLst>
   </p:cSld>
   <p:clrMapOvr>
     <a:masterClrMapping/>
@@ -3781,46 +5778,368 @@
       </p:grpSpPr>
       <p:sp>
         <p:nvSpPr>
-          <p:cNvPr id="3" name="Content Placeholder 2"/>
-          <p:cNvSpPr>
-            <a:spLocks noGrp="1"/>
-          </p:cNvSpPr>
-          <p:nvPr>
-            <p:ph idx="1"/>
-          </p:nvPr>
-        </p:nvSpPr>
-        <p:spPr>
-          <a:xfrm>
-            <a:off x="2081350" y="1590494"/>
-            <a:ext cx="7994468" cy="3260181"/>
-          </a:xfrm>
+          <p:cNvPr id="7174" name="TextBox 5" hidden="1"/>
+          <p:cNvSpPr txBox="1">
+            <a:spLocks noChangeArrowheads="1"/>
+          </p:cNvSpPr>
+          <p:nvPr/>
+        </p:nvSpPr>
+        <p:spPr bwMode="auto">
+          <a:xfrm>
+            <a:off x="1939925" y="1954213"/>
+            <a:ext cx="1943100" cy="369887"/>
+          </a:xfrm>
+          <a:prstGeom prst="rect">
+            <a:avLst/>
+          </a:prstGeom>
+          <a:noFill/>
+          <a:ln w="9525">
+            <a:noFill/>
+            <a:miter lim="800000"/>
+            <a:headEnd/>
+            <a:tailEnd/>
+          </a:ln>
         </p:spPr>
         <p:txBody>
           <a:bodyPr>
-            <a:normAutofit lnSpcReduction="10000"/>
+            <a:spAutoFit/>
           </a:bodyPr>
           <a:lstStyle/>
           <a:p>
-            <a:pPr marL="0" indent="457200">
-              <a:lnSpc>
-                <a:spcPct val="150000"/>
-              </a:lnSpc>
-              <a:buNone/>
-            </a:pPr>
+            <a:r>
+              <a:rPr lang="zh-CN" altLang="en-US">
+                <a:latin typeface="微软雅黑" pitchFamily="34" charset="-122"/>
+                <a:ea typeface="微软雅黑" pitchFamily="34" charset="-122"/>
+              </a:rPr>
+              <a:t>点击添加文本</a:t>
+            </a:r>
+          </a:p>
+        </p:txBody>
+      </p:sp>
+      <p:sp>
+        <p:nvSpPr>
+          <p:cNvPr id="7175" name="矩形 6" hidden="1"/>
+          <p:cNvSpPr>
+            <a:spLocks noChangeArrowheads="1"/>
+          </p:cNvSpPr>
+          <p:nvPr/>
+        </p:nvSpPr>
+        <p:spPr bwMode="auto">
+          <a:xfrm>
+            <a:off x="1939925" y="3025775"/>
+            <a:ext cx="1471613" cy="646113"/>
+          </a:xfrm>
+          <a:prstGeom prst="rect">
+            <a:avLst/>
+          </a:prstGeom>
+          <a:noFill/>
+          <a:ln w="9525">
+            <a:noFill/>
+            <a:miter lim="800000"/>
+            <a:headEnd/>
+            <a:tailEnd/>
+          </a:ln>
+        </p:spPr>
+        <p:txBody>
+          <a:bodyPr>
+            <a:spAutoFit/>
+          </a:bodyPr>
+          <a:lstStyle/>
+          <a:p>
+            <a:r>
+              <a:rPr lang="zh-CN" altLang="en-US">
+                <a:latin typeface="微软雅黑" pitchFamily="34" charset="-122"/>
+                <a:ea typeface="微软雅黑" pitchFamily="34" charset="-122"/>
+              </a:rPr>
+              <a:t>点击添加文本</a:t>
+            </a:r>
+          </a:p>
+        </p:txBody>
+      </p:sp>
+      <p:sp>
+        <p:nvSpPr>
+          <p:cNvPr id="7176" name="矩形 7" hidden="1"/>
+          <p:cNvSpPr>
+            <a:spLocks noChangeArrowheads="1"/>
+          </p:cNvSpPr>
+          <p:nvPr/>
+        </p:nvSpPr>
+        <p:spPr bwMode="auto">
+          <a:xfrm>
+            <a:off x="2011363" y="4240213"/>
+            <a:ext cx="1471612" cy="646112"/>
+          </a:xfrm>
+          <a:prstGeom prst="rect">
+            <a:avLst/>
+          </a:prstGeom>
+          <a:noFill/>
+          <a:ln w="9525">
+            <a:noFill/>
+            <a:miter lim="800000"/>
+            <a:headEnd/>
+            <a:tailEnd/>
+          </a:ln>
+        </p:spPr>
+        <p:txBody>
+          <a:bodyPr>
+            <a:spAutoFit/>
+          </a:bodyPr>
+          <a:lstStyle/>
+          <a:p>
+            <a:r>
+              <a:rPr lang="zh-CN" altLang="en-US">
+                <a:latin typeface="微软雅黑" pitchFamily="34" charset="-122"/>
+                <a:ea typeface="微软雅黑" pitchFamily="34" charset="-122"/>
+              </a:rPr>
+              <a:t>点击添加文本</a:t>
+            </a:r>
+          </a:p>
+        </p:txBody>
+      </p:sp>
+      <p:sp>
+        <p:nvSpPr>
+          <p:cNvPr id="7177" name="矩形 8" hidden="1"/>
+          <p:cNvSpPr>
+            <a:spLocks noChangeArrowheads="1"/>
+          </p:cNvSpPr>
+          <p:nvPr/>
+        </p:nvSpPr>
+        <p:spPr bwMode="auto">
+          <a:xfrm>
+            <a:off x="2011363" y="5526088"/>
+            <a:ext cx="1471612" cy="646112"/>
+          </a:xfrm>
+          <a:prstGeom prst="rect">
+            <a:avLst/>
+          </a:prstGeom>
+          <a:noFill/>
+          <a:ln w="9525">
+            <a:noFill/>
+            <a:miter lim="800000"/>
+            <a:headEnd/>
+            <a:tailEnd/>
+          </a:ln>
+        </p:spPr>
+        <p:txBody>
+          <a:bodyPr>
+            <a:spAutoFit/>
+          </a:bodyPr>
+          <a:lstStyle/>
+          <a:p>
+            <a:r>
+              <a:rPr lang="zh-CN" altLang="en-US">
+                <a:latin typeface="微软雅黑" pitchFamily="34" charset="-122"/>
+                <a:ea typeface="微软雅黑" pitchFamily="34" charset="-122"/>
+              </a:rPr>
+              <a:t>点击添加文本</a:t>
+            </a:r>
+          </a:p>
+        </p:txBody>
+      </p:sp>
+      <p:sp>
+        <p:nvSpPr>
+          <p:cNvPr id="7178" name="矩形 6"/>
+          <p:cNvSpPr>
+            <a:spLocks noChangeArrowheads="1"/>
+          </p:cNvSpPr>
+          <p:nvPr/>
+        </p:nvSpPr>
+        <p:spPr bwMode="auto">
+          <a:xfrm>
+            <a:off x="357188" y="285750"/>
+            <a:ext cx="1720343" cy="523220"/>
+          </a:xfrm>
+          <a:prstGeom prst="rect">
+            <a:avLst/>
+          </a:prstGeom>
+          <a:noFill/>
+          <a:ln w="9525">
+            <a:noFill/>
+            <a:miter lim="800000"/>
+            <a:headEnd/>
+            <a:tailEnd/>
+          </a:ln>
+        </p:spPr>
+        <p:txBody>
+          <a:bodyPr wrap="none">
+            <a:spAutoFit/>
+          </a:bodyPr>
+          <a:lstStyle/>
+          <a:p>
+            <a:r>
+              <a:rPr lang="zh-CN" altLang="en-US" sz="2800" b="1"/>
+              <a:t>实验评价</a:t>
+            </a:r>
+            <a:r>
+              <a:rPr lang="en-US" sz="2800"/>
+              <a:t> </a:t>
+            </a:r>
+            <a:endParaRPr lang="zh-CN" altLang="en-US" sz="2800">
+              <a:latin typeface="微软雅黑" pitchFamily="34" charset="-122"/>
+              <a:ea typeface="微软雅黑" pitchFamily="34" charset="-122"/>
+            </a:endParaRPr>
+          </a:p>
+        </p:txBody>
+      </p:sp>
+      <p:sp>
+        <p:nvSpPr>
+          <p:cNvPr id="3" name="Rectangle 2"/>
+          <p:cNvSpPr>
+            <a:spLocks noChangeArrowheads="1"/>
+          </p:cNvSpPr>
+          <p:nvPr/>
+        </p:nvSpPr>
+        <p:spPr bwMode="auto">
+          <a:xfrm>
+            <a:off x="2915816" y="2060848"/>
+            <a:ext cx="9144000" cy="0"/>
+          </a:xfrm>
+          <a:prstGeom prst="rect">
+            <a:avLst/>
+          </a:prstGeom>
+          <a:noFill/>
+          <a:ln>
+            <a:noFill/>
+          </a:ln>
+          <a:effectLst/>
+          <a:extLst>
+            <a:ext uri="{909E8E84-426E-40DD-AFC4-6F175D3DCCD1}">
+              <a14:hiddenFill xmlns:a14="http://schemas.microsoft.com/office/drawing/2010/main">
+                <a:solidFill>
+                  <a:schemeClr val="accent1"/>
+                </a:solidFill>
+              </a14:hiddenFill>
+            </a:ext>
+            <a:ext uri="{91240B29-F687-4F45-9708-019B960494DF}">
+              <a14:hiddenLine xmlns:a14="http://schemas.microsoft.com/office/drawing/2010/main" w="9525">
+                <a:solidFill>
+                  <a:schemeClr val="tx1"/>
+                </a:solidFill>
+                <a:miter lim="800000"/>
+                <a:headEnd/>
+                <a:tailEnd/>
+              </a14:hiddenLine>
+            </a:ext>
+            <a:ext uri="{AF507438-7753-43E0-B8FC-AC1667EBCBE1}">
+              <a14:hiddenEffects xmlns:a14="http://schemas.microsoft.com/office/drawing/2010/main">
+                <a:effectLst>
+                  <a:outerShdw blurRad="63500" dist="38099" dir="2700000" algn="ctr" rotWithShape="0">
+                    <a:schemeClr val="bg2">
+                      <a:alpha val="74998"/>
+                    </a:schemeClr>
+                  </a:outerShdw>
+                </a:effectLst>
+              </a14:hiddenEffects>
+            </a:ext>
+          </a:extLst>
+        </p:spPr>
+        <p:txBody>
+          <a:bodyPr vert="horz" wrap="none" lIns="91440" tIns="45720" rIns="91440" bIns="45720" numCol="1" anchor="ctr" anchorCtr="0" compatLnSpc="1">
+            <a:prstTxWarp prst="textNoShape">
+              <a:avLst/>
+            </a:prstTxWarp>
+            <a:spAutoFit/>
+          </a:bodyPr>
+          <a:lstStyle/>
+          <a:p>
+            <a:endParaRPr lang="en-US"/>
+          </a:p>
+        </p:txBody>
+      </p:sp>
+      <p:pic>
+        <p:nvPicPr>
+          <p:cNvPr id="1025" name="Picture 1"/>
+          <p:cNvPicPr>
+            <a:picLocks noChangeAspect="1" noChangeArrowheads="1"/>
+          </p:cNvPicPr>
+          <p:nvPr/>
+        </p:nvPicPr>
+        <p:blipFill>
+          <a:blip r:embed="rId2">
+            <a:extLst>
+              <a:ext uri="{28A0092B-C50C-407E-A947-70E740481C1C}">
+                <a14:useLocalDpi xmlns:a14="http://schemas.microsoft.com/office/drawing/2010/main" val="0"/>
+              </a:ext>
+            </a:extLst>
+          </a:blip>
+          <a:srcRect/>
+          <a:stretch>
+            <a:fillRect/>
+          </a:stretch>
+        </p:blipFill>
+        <p:spPr bwMode="auto">
+          <a:xfrm>
+            <a:off x="2339752" y="1052736"/>
+            <a:ext cx="4381935" cy="2808312"/>
+          </a:xfrm>
+          <a:prstGeom prst="rect">
+            <a:avLst/>
+          </a:prstGeom>
+          <a:noFill/>
+          <a:extLst>
+            <a:ext uri="{909E8E84-426E-40DD-AFC4-6F175D3DCCD1}">
+              <a14:hiddenFill xmlns:a14="http://schemas.microsoft.com/office/drawing/2010/main">
+                <a:solidFill>
+                  <a:srgbClr val="FFFFFF"/>
+                </a:solidFill>
+              </a14:hiddenFill>
+            </a:ext>
+          </a:extLst>
+        </p:spPr>
+      </p:pic>
+      <p:sp>
+        <p:nvSpPr>
+          <p:cNvPr id="4" name="TextBox 3"/>
+          <p:cNvSpPr txBox="1"/>
+          <p:nvPr/>
+        </p:nvSpPr>
+        <p:spPr>
+          <a:xfrm>
+            <a:off x="1547664" y="4005064"/>
+            <a:ext cx="6147837" cy="369332"/>
+          </a:xfrm>
+          <a:prstGeom prst="rect">
+            <a:avLst/>
+          </a:prstGeom>
+          <a:noFill/>
+        </p:spPr>
+        <p:txBody>
+          <a:bodyPr wrap="none" rtlCol="0">
+            <a:spAutoFit/>
+          </a:bodyPr>
+          <a:lstStyle/>
+          <a:p>
+            <a:r>
+              <a:rPr lang="en-US"/>
+              <a:t>GPU的具体和CPU具体</a:t>
+            </a:r>
             <a:r>
               <a:rPr lang="zh-CN" altLang="en-US"/>
-              <a:t>图像分割是进行图像分析和识别的非常重要的步，原因是很明显的，在图像分析和识别过程中需要目标的分离和特征的提取，这样使的图像抽象成为更容易表达的形式，使图像的分析和识别更有意义。 </a:t>
+              <a:t>在</a:t>
+            </a:r>
+            <a:r>
+              <a:rPr lang="en-US"/>
+              <a:t>CPU和GPU</a:t>
+            </a:r>
+            <a:r>
+              <a:rPr lang="zh-CN" altLang="en-US"/>
+              <a:t>运行</a:t>
+            </a:r>
+            <a:r>
+              <a:rPr lang="en-US"/>
+              <a:t>之间的性能比较</a:t>
+            </a:r>
+            <a:r>
+              <a:rPr lang="en-US">
+                <a:effectLst/>
+              </a:rPr>
+              <a:t> </a:t>
             </a:r>
             <a:endParaRPr lang="en-US"/>
           </a:p>
         </p:txBody>
       </p:sp>
     </p:spTree>
-    <p:extLst>
-      <p:ext uri="{BB962C8B-B14F-4D97-AF65-F5344CB8AC3E}">
-        <p14:creationId xmlns:p14="http://schemas.microsoft.com/office/powerpoint/2010/main" val="1747844822"/>
-      </p:ext>
-    </p:extLst>
   </p:cSld>
   <p:clrMapOvr>
     <a:masterClrMapping/>
@@ -3854,117 +6173,674 @@
       </p:grpSpPr>
       <p:sp>
         <p:nvSpPr>
-          <p:cNvPr id="3" name="Content Placeholder 2"/>
-          <p:cNvSpPr>
-            <a:spLocks noGrp="1"/>
-          </p:cNvSpPr>
-          <p:nvPr>
-            <p:ph idx="1"/>
-          </p:nvPr>
+          <p:cNvPr id="11" name="剪去单角的矩形 10"/>
+          <p:cNvSpPr/>
+          <p:nvPr/>
         </p:nvSpPr>
         <p:spPr>
           <a:xfrm>
-            <a:off x="1648099" y="1015729"/>
-            <a:ext cx="8784771" cy="4351338"/>
-          </a:xfrm>
+            <a:off x="2357438" y="3500438"/>
+            <a:ext cx="2714625" cy="2714625"/>
+          </a:xfrm>
+          <a:prstGeom prst="snip1Rect">
+            <a:avLst/>
+          </a:prstGeom>
+          <a:solidFill>
+            <a:srgbClr val="4D9A9E"/>
+          </a:solidFill>
+          <a:ln>
+            <a:noFill/>
+          </a:ln>
+        </p:spPr>
+        <p:style>
+          <a:lnRef idx="2">
+            <a:schemeClr val="accent1">
+              <a:shade val="50000"/>
+            </a:schemeClr>
+          </a:lnRef>
+          <a:fillRef idx="1">
+            <a:schemeClr val="accent1"/>
+          </a:fillRef>
+          <a:effectRef idx="0">
+            <a:schemeClr val="accent1"/>
+          </a:effectRef>
+          <a:fontRef idx="minor">
+            <a:schemeClr val="lt1"/>
+          </a:fontRef>
+        </p:style>
+        <p:txBody>
+          <a:bodyPr anchor="ctr"/>
+          <a:lstStyle/>
+          <a:p>
+            <a:pPr algn="ctr">
+              <a:defRPr/>
+            </a:pPr>
+            <a:endParaRPr lang="zh-CN" altLang="en-US"/>
+          </a:p>
+        </p:txBody>
+      </p:sp>
+      <p:sp>
+        <p:nvSpPr>
+          <p:cNvPr id="12" name="剪去单角的矩形 11"/>
+          <p:cNvSpPr/>
+          <p:nvPr/>
+        </p:nvSpPr>
+        <p:spPr>
+          <a:xfrm flipV="1">
+            <a:off x="2357438" y="714375"/>
+            <a:ext cx="2714625" cy="2714625"/>
+          </a:xfrm>
+          <a:prstGeom prst="snip1Rect">
+            <a:avLst/>
+          </a:prstGeom>
+          <a:solidFill>
+            <a:srgbClr val="4D9A9E"/>
+          </a:solidFill>
+          <a:ln>
+            <a:noFill/>
+          </a:ln>
+        </p:spPr>
+        <p:style>
+          <a:lnRef idx="2">
+            <a:schemeClr val="accent1">
+              <a:shade val="50000"/>
+            </a:schemeClr>
+          </a:lnRef>
+          <a:fillRef idx="1">
+            <a:schemeClr val="accent1"/>
+          </a:fillRef>
+          <a:effectRef idx="0">
+            <a:schemeClr val="accent1"/>
+          </a:effectRef>
+          <a:fontRef idx="minor">
+            <a:schemeClr val="lt1"/>
+          </a:fontRef>
+        </p:style>
+        <p:txBody>
+          <a:bodyPr anchor="ctr"/>
+          <a:lstStyle/>
+          <a:p>
+            <a:pPr algn="ctr">
+              <a:defRPr/>
+            </a:pPr>
+            <a:endParaRPr lang="zh-CN" altLang="en-US"/>
+          </a:p>
+        </p:txBody>
+      </p:sp>
+      <p:sp>
+        <p:nvSpPr>
+          <p:cNvPr id="13" name="剪去单角的矩形 12"/>
+          <p:cNvSpPr/>
+          <p:nvPr/>
+        </p:nvSpPr>
+        <p:spPr>
+          <a:xfrm flipH="1">
+            <a:off x="5143500" y="3500438"/>
+            <a:ext cx="2714625" cy="2714625"/>
+          </a:xfrm>
+          <a:prstGeom prst="snip1Rect">
+            <a:avLst/>
+          </a:prstGeom>
+          <a:solidFill>
+            <a:srgbClr val="4D9A9E"/>
+          </a:solidFill>
+          <a:ln>
+            <a:noFill/>
+          </a:ln>
+        </p:spPr>
+        <p:style>
+          <a:lnRef idx="2">
+            <a:schemeClr val="accent1">
+              <a:shade val="50000"/>
+            </a:schemeClr>
+          </a:lnRef>
+          <a:fillRef idx="1">
+            <a:schemeClr val="accent1"/>
+          </a:fillRef>
+          <a:effectRef idx="0">
+            <a:schemeClr val="accent1"/>
+          </a:effectRef>
+          <a:fontRef idx="minor">
+            <a:schemeClr val="lt1"/>
+          </a:fontRef>
+        </p:style>
+        <p:txBody>
+          <a:bodyPr anchor="ctr"/>
+          <a:lstStyle/>
+          <a:p>
+            <a:pPr algn="ctr">
+              <a:defRPr/>
+            </a:pPr>
+            <a:endParaRPr lang="zh-CN" altLang="en-US"/>
+          </a:p>
+        </p:txBody>
+      </p:sp>
+      <p:sp>
+        <p:nvSpPr>
+          <p:cNvPr id="14" name="剪去单角的矩形 13"/>
+          <p:cNvSpPr/>
+          <p:nvPr/>
+        </p:nvSpPr>
+        <p:spPr>
+          <a:xfrm flipH="1" flipV="1">
+            <a:off x="5143500" y="714375"/>
+            <a:ext cx="2714625" cy="2714625"/>
+          </a:xfrm>
+          <a:prstGeom prst="snip1Rect">
+            <a:avLst/>
+          </a:prstGeom>
+          <a:solidFill>
+            <a:srgbClr val="4D9A9E"/>
+          </a:solidFill>
+          <a:ln>
+            <a:noFill/>
+          </a:ln>
+        </p:spPr>
+        <p:style>
+          <a:lnRef idx="2">
+            <a:schemeClr val="accent1">
+              <a:shade val="50000"/>
+            </a:schemeClr>
+          </a:lnRef>
+          <a:fillRef idx="1">
+            <a:schemeClr val="accent1"/>
+          </a:fillRef>
+          <a:effectRef idx="0">
+            <a:schemeClr val="accent1"/>
+          </a:effectRef>
+          <a:fontRef idx="minor">
+            <a:schemeClr val="lt1"/>
+          </a:fontRef>
+        </p:style>
+        <p:txBody>
+          <a:bodyPr anchor="ctr"/>
+          <a:lstStyle/>
+          <a:p>
+            <a:pPr algn="ctr">
+              <a:defRPr/>
+            </a:pPr>
+            <a:endParaRPr lang="zh-CN" altLang="en-US"/>
+          </a:p>
+        </p:txBody>
+      </p:sp>
+      <p:sp>
+        <p:nvSpPr>
+          <p:cNvPr id="8198" name="TextBox 5" hidden="1"/>
+          <p:cNvSpPr txBox="1">
+            <a:spLocks noChangeArrowheads="1"/>
+          </p:cNvSpPr>
+          <p:nvPr/>
+        </p:nvSpPr>
+        <p:spPr bwMode="auto">
+          <a:xfrm>
+            <a:off x="1939925" y="1954213"/>
+            <a:ext cx="1943100" cy="369887"/>
+          </a:xfrm>
+          <a:prstGeom prst="rect">
+            <a:avLst/>
+          </a:prstGeom>
+          <a:noFill/>
+          <a:ln w="9525">
+            <a:noFill/>
+            <a:miter lim="800000"/>
+            <a:headEnd/>
+            <a:tailEnd/>
+          </a:ln>
         </p:spPr>
         <p:txBody>
           <a:bodyPr>
-            <a:normAutofit/>
+            <a:spAutoFit/>
           </a:bodyPr>
           <a:lstStyle/>
           <a:p>
-            <a:pPr marL="0" indent="457200">
-              <a:lnSpc>
-                <a:spcPct val="150000"/>
-              </a:lnSpc>
-              <a:buNone/>
-            </a:pPr>
-            <a:r>
-              <a:rPr lang="zh-CN" altLang="en-US"/>
-              <a:t>随着科技水平的不断发展，图像处理的质量也在不断的提高，并且更加注重图像的变化。对图像处理的一种简单的理解方式就是为了准确的对图像进行人工的或者自动的识别，对图像进行的各种处理咀便改善图像本身的效果。另外的一些想法是为节省内存空间等对图像进行的编解码，压缩等方式。 </a:t>
-            </a:r>
-            <a:endParaRPr lang="en-US"/>
+            <a:r>
+              <a:rPr lang="zh-CN" altLang="en-US">
+                <a:latin typeface="微软雅黑" pitchFamily="34" charset="-122"/>
+                <a:ea typeface="微软雅黑" pitchFamily="34" charset="-122"/>
+              </a:rPr>
+              <a:t>点击添加文本</a:t>
+            </a:r>
+          </a:p>
+        </p:txBody>
+      </p:sp>
+      <p:sp>
+        <p:nvSpPr>
+          <p:cNvPr id="8199" name="矩形 6" hidden="1"/>
+          <p:cNvSpPr>
+            <a:spLocks noChangeArrowheads="1"/>
+          </p:cNvSpPr>
+          <p:nvPr/>
+        </p:nvSpPr>
+        <p:spPr bwMode="auto">
+          <a:xfrm>
+            <a:off x="1939925" y="3025775"/>
+            <a:ext cx="1471613" cy="646113"/>
+          </a:xfrm>
+          <a:prstGeom prst="rect">
+            <a:avLst/>
+          </a:prstGeom>
+          <a:noFill/>
+          <a:ln w="9525">
+            <a:noFill/>
+            <a:miter lim="800000"/>
+            <a:headEnd/>
+            <a:tailEnd/>
+          </a:ln>
+        </p:spPr>
+        <p:txBody>
+          <a:bodyPr>
+            <a:spAutoFit/>
+          </a:bodyPr>
+          <a:lstStyle/>
+          <a:p>
+            <a:r>
+              <a:rPr lang="zh-CN" altLang="en-US">
+                <a:latin typeface="微软雅黑" pitchFamily="34" charset="-122"/>
+                <a:ea typeface="微软雅黑" pitchFamily="34" charset="-122"/>
+              </a:rPr>
+              <a:t>点击添加文本</a:t>
+            </a:r>
+          </a:p>
+        </p:txBody>
+      </p:sp>
+      <p:sp>
+        <p:nvSpPr>
+          <p:cNvPr id="8200" name="矩形 7" hidden="1"/>
+          <p:cNvSpPr>
+            <a:spLocks noChangeArrowheads="1"/>
+          </p:cNvSpPr>
+          <p:nvPr/>
+        </p:nvSpPr>
+        <p:spPr bwMode="auto">
+          <a:xfrm>
+            <a:off x="2011363" y="4240213"/>
+            <a:ext cx="1471612" cy="646112"/>
+          </a:xfrm>
+          <a:prstGeom prst="rect">
+            <a:avLst/>
+          </a:prstGeom>
+          <a:noFill/>
+          <a:ln w="9525">
+            <a:noFill/>
+            <a:miter lim="800000"/>
+            <a:headEnd/>
+            <a:tailEnd/>
+          </a:ln>
+        </p:spPr>
+        <p:txBody>
+          <a:bodyPr>
+            <a:spAutoFit/>
+          </a:bodyPr>
+          <a:lstStyle/>
+          <a:p>
+            <a:r>
+              <a:rPr lang="zh-CN" altLang="en-US">
+                <a:latin typeface="微软雅黑" pitchFamily="34" charset="-122"/>
+                <a:ea typeface="微软雅黑" pitchFamily="34" charset="-122"/>
+              </a:rPr>
+              <a:t>点击添加文本</a:t>
+            </a:r>
+          </a:p>
+        </p:txBody>
+      </p:sp>
+      <p:sp>
+        <p:nvSpPr>
+          <p:cNvPr id="8201" name="矩形 8" hidden="1"/>
+          <p:cNvSpPr>
+            <a:spLocks noChangeArrowheads="1"/>
+          </p:cNvSpPr>
+          <p:nvPr/>
+        </p:nvSpPr>
+        <p:spPr bwMode="auto">
+          <a:xfrm>
+            <a:off x="2011363" y="5526088"/>
+            <a:ext cx="1471612" cy="646112"/>
+          </a:xfrm>
+          <a:prstGeom prst="rect">
+            <a:avLst/>
+          </a:prstGeom>
+          <a:noFill/>
+          <a:ln w="9525">
+            <a:noFill/>
+            <a:miter lim="800000"/>
+            <a:headEnd/>
+            <a:tailEnd/>
+          </a:ln>
+        </p:spPr>
+        <p:txBody>
+          <a:bodyPr>
+            <a:spAutoFit/>
+          </a:bodyPr>
+          <a:lstStyle/>
+          <a:p>
+            <a:r>
+              <a:rPr lang="zh-CN" altLang="en-US">
+                <a:latin typeface="微软雅黑" pitchFamily="34" charset="-122"/>
+                <a:ea typeface="微软雅黑" pitchFamily="34" charset="-122"/>
+              </a:rPr>
+              <a:t>点击添加文本</a:t>
+            </a:r>
+          </a:p>
+        </p:txBody>
+      </p:sp>
+      <p:sp>
+        <p:nvSpPr>
+          <p:cNvPr id="8202" name="矩形 6"/>
+          <p:cNvSpPr>
+            <a:spLocks noChangeArrowheads="1"/>
+          </p:cNvSpPr>
+          <p:nvPr/>
+        </p:nvSpPr>
+        <p:spPr bwMode="auto">
+          <a:xfrm>
+            <a:off x="323528" y="191155"/>
+            <a:ext cx="1620957" cy="523220"/>
+          </a:xfrm>
+          <a:prstGeom prst="rect">
+            <a:avLst/>
+          </a:prstGeom>
+          <a:noFill/>
+          <a:ln w="9525">
+            <a:noFill/>
+            <a:miter lim="800000"/>
+            <a:headEnd/>
+            <a:tailEnd/>
+          </a:ln>
+        </p:spPr>
+        <p:txBody>
+          <a:bodyPr wrap="none">
+            <a:spAutoFit/>
+          </a:bodyPr>
+          <a:lstStyle/>
+          <a:p>
+            <a:r>
+              <a:rPr lang="zh-CN" altLang="en-US" sz="2800" b="1"/>
+              <a:t>报告小结</a:t>
+            </a:r>
+            <a:endParaRPr lang="zh-CN" altLang="en-US" sz="2800">
+              <a:latin typeface="微软雅黑" pitchFamily="34" charset="-122"/>
+              <a:ea typeface="微软雅黑" pitchFamily="34" charset="-122"/>
+            </a:endParaRPr>
+          </a:p>
+        </p:txBody>
+      </p:sp>
+      <p:sp>
+        <p:nvSpPr>
+          <p:cNvPr id="8203" name="矩形 12"/>
+          <p:cNvSpPr>
+            <a:spLocks noChangeArrowheads="1"/>
+          </p:cNvSpPr>
+          <p:nvPr/>
+        </p:nvSpPr>
+        <p:spPr bwMode="auto">
+          <a:xfrm>
+            <a:off x="2614792" y="1988856"/>
+            <a:ext cx="1989647" cy="646331"/>
+          </a:xfrm>
+          <a:prstGeom prst="rect">
+            <a:avLst/>
+          </a:prstGeom>
+          <a:noFill/>
+          <a:ln w="9525">
+            <a:noFill/>
+            <a:miter lim="800000"/>
+            <a:headEnd/>
+            <a:tailEnd/>
+          </a:ln>
+        </p:spPr>
+        <p:txBody>
+          <a:bodyPr wrap="none">
+            <a:spAutoFit/>
+          </a:bodyPr>
+          <a:lstStyle/>
+          <a:p>
+            <a:pPr algn="ctr"/>
+            <a:r>
+              <a:rPr lang="zh-CN" altLang="en-US">
+                <a:latin typeface="微软雅黑" pitchFamily="34" charset="-122"/>
+                <a:ea typeface="微软雅黑" pitchFamily="34" charset="-122"/>
+              </a:rPr>
+              <a:t>评估</a:t>
+            </a:r>
+            <a:r>
+              <a:rPr lang="en-US">
+                <a:latin typeface="微软雅黑" pitchFamily="34" charset="-122"/>
+                <a:ea typeface="微软雅黑" pitchFamily="34" charset="-122"/>
+              </a:rPr>
+              <a:t>OpenCL</a:t>
+            </a:r>
+            <a:r>
+              <a:rPr lang="zh-CN" altLang="en-US">
+                <a:latin typeface="微软雅黑" pitchFamily="34" charset="-122"/>
+                <a:ea typeface="微软雅黑" pitchFamily="34" charset="-122"/>
+              </a:rPr>
+              <a:t>程序</a:t>
+            </a:r>
+          </a:p>
+          <a:p>
+            <a:pPr algn="ctr"/>
+            <a:r>
+              <a:rPr lang="zh-CN" altLang="en-US">
+                <a:latin typeface="微软雅黑" pitchFamily="34" charset="-122"/>
+                <a:ea typeface="微软雅黑" pitchFamily="34" charset="-122"/>
+              </a:rPr>
+              <a:t>的性能</a:t>
+            </a:r>
+            <a:r>
+              <a:rPr lang="en-US">
+                <a:latin typeface="微软雅黑" pitchFamily="34" charset="-122"/>
+                <a:ea typeface="微软雅黑" pitchFamily="34" charset="-122"/>
+              </a:rPr>
+              <a:t> </a:t>
+            </a:r>
+            <a:endParaRPr lang="zh-CN" altLang="en-US">
+              <a:latin typeface="微软雅黑" pitchFamily="34" charset="-122"/>
+              <a:ea typeface="微软雅黑" pitchFamily="34" charset="-122"/>
+            </a:endParaRPr>
+          </a:p>
+        </p:txBody>
+      </p:sp>
+      <p:sp>
+        <p:nvSpPr>
+          <p:cNvPr id="8204" name="矩形 13"/>
+          <p:cNvSpPr>
+            <a:spLocks noChangeArrowheads="1"/>
+          </p:cNvSpPr>
+          <p:nvPr/>
+        </p:nvSpPr>
+        <p:spPr bwMode="auto">
+          <a:xfrm>
+            <a:off x="5643563" y="4534584"/>
+            <a:ext cx="1824538" cy="646331"/>
+          </a:xfrm>
+          <a:prstGeom prst="rect">
+            <a:avLst/>
+          </a:prstGeom>
+          <a:noFill/>
+          <a:ln w="9525">
+            <a:noFill/>
+            <a:miter lim="800000"/>
+            <a:headEnd/>
+            <a:tailEnd/>
+          </a:ln>
+        </p:spPr>
+        <p:txBody>
+          <a:bodyPr wrap="none">
+            <a:spAutoFit/>
+          </a:bodyPr>
+          <a:lstStyle/>
+          <a:p>
+            <a:pPr algn="ctr"/>
+            <a:r>
+              <a:rPr lang="zh-CN" altLang="en-US">
+                <a:latin typeface="微软雅黑" pitchFamily="34" charset="-122"/>
+                <a:ea typeface="微软雅黑" pitchFamily="34" charset="-122"/>
+              </a:rPr>
+              <a:t>最终：</a:t>
+            </a:r>
+          </a:p>
+          <a:p>
+            <a:pPr algn="ctr"/>
+            <a:r>
+              <a:rPr lang="zh-CN" altLang="en-US">
+                <a:latin typeface="微软雅黑" pitchFamily="34" charset="-122"/>
+                <a:ea typeface="微软雅黑" pitchFamily="34" charset="-122"/>
+              </a:rPr>
+              <a:t>提升</a:t>
+            </a:r>
+            <a:r>
+              <a:rPr lang="en-US" altLang="zh-CN">
+                <a:latin typeface="微软雅黑" pitchFamily="34" charset="-122"/>
+                <a:ea typeface="微软雅黑" pitchFamily="34" charset="-122"/>
+              </a:rPr>
+              <a:t>GPU</a:t>
+            </a:r>
+            <a:r>
+              <a:rPr lang="zh-CN" altLang="en-US">
+                <a:latin typeface="微软雅黑" pitchFamily="34" charset="-122"/>
+                <a:ea typeface="微软雅黑" pitchFamily="34" charset="-122"/>
+              </a:rPr>
+              <a:t>的性能</a:t>
+            </a:r>
+            <a:endParaRPr lang="zh-CN" altLang="en-US">
+              <a:latin typeface="微软雅黑" pitchFamily="34" charset="-122"/>
+              <a:ea typeface="微软雅黑" pitchFamily="34" charset="-122"/>
+            </a:endParaRPr>
+          </a:p>
+        </p:txBody>
+      </p:sp>
+      <p:sp>
+        <p:nvSpPr>
+          <p:cNvPr id="8205" name="矩形 14"/>
+          <p:cNvSpPr>
+            <a:spLocks noChangeArrowheads="1"/>
+          </p:cNvSpPr>
+          <p:nvPr/>
+        </p:nvSpPr>
+        <p:spPr bwMode="auto">
+          <a:xfrm>
+            <a:off x="2760946" y="4539238"/>
+            <a:ext cx="1989647" cy="646331"/>
+          </a:xfrm>
+          <a:prstGeom prst="rect">
+            <a:avLst/>
+          </a:prstGeom>
+          <a:noFill/>
+          <a:ln w="9525">
+            <a:noFill/>
+            <a:miter lim="800000"/>
+            <a:headEnd/>
+            <a:tailEnd/>
+          </a:ln>
+        </p:spPr>
+        <p:txBody>
+          <a:bodyPr wrap="none">
+            <a:spAutoFit/>
+          </a:bodyPr>
+          <a:lstStyle/>
+          <a:p>
+            <a:pPr algn="ctr"/>
+            <a:r>
+              <a:rPr lang="zh-CN" altLang="en-US">
+                <a:latin typeface="微软雅黑" pitchFamily="34" charset="-122"/>
+                <a:ea typeface="微软雅黑" pitchFamily="34" charset="-122"/>
+              </a:rPr>
+              <a:t>评估具体的</a:t>
+            </a:r>
+          </a:p>
+          <a:p>
+            <a:pPr algn="ctr"/>
+            <a:r>
+              <a:rPr lang="en-US" altLang="zh-CN">
+                <a:latin typeface="微软雅黑" pitchFamily="34" charset="-122"/>
+                <a:ea typeface="微软雅黑" pitchFamily="34" charset="-122"/>
+              </a:rPr>
+              <a:t>OpenCL</a:t>
+            </a:r>
+            <a:r>
+              <a:rPr lang="zh-CN" altLang="en-US">
+                <a:latin typeface="微软雅黑" pitchFamily="34" charset="-122"/>
+                <a:ea typeface="微软雅黑" pitchFamily="34" charset="-122"/>
+              </a:rPr>
+              <a:t>程序性能</a:t>
+            </a:r>
+            <a:endParaRPr lang="zh-CN" altLang="en-US">
+              <a:latin typeface="微软雅黑" pitchFamily="34" charset="-122"/>
+              <a:ea typeface="微软雅黑" pitchFamily="34" charset="-122"/>
+            </a:endParaRPr>
+          </a:p>
+        </p:txBody>
+      </p:sp>
+      <p:sp>
+        <p:nvSpPr>
+          <p:cNvPr id="8206" name="矩形 15"/>
+          <p:cNvSpPr>
+            <a:spLocks noChangeArrowheads="1"/>
+          </p:cNvSpPr>
+          <p:nvPr/>
+        </p:nvSpPr>
+        <p:spPr bwMode="auto">
+          <a:xfrm>
+            <a:off x="5643563" y="2000250"/>
+            <a:ext cx="1758815" cy="646331"/>
+          </a:xfrm>
+          <a:prstGeom prst="rect">
+            <a:avLst/>
+          </a:prstGeom>
+          <a:noFill/>
+          <a:ln w="9525">
+            <a:noFill/>
+            <a:miter lim="800000"/>
+            <a:headEnd/>
+            <a:tailEnd/>
+          </a:ln>
+        </p:spPr>
+        <p:txBody>
+          <a:bodyPr wrap="none">
+            <a:spAutoFit/>
+          </a:bodyPr>
+          <a:lstStyle/>
+          <a:p>
+            <a:pPr algn="ctr"/>
+            <a:r>
+              <a:rPr lang="zh-CN" altLang="en-US">
+                <a:latin typeface="微软雅黑" pitchFamily="34" charset="-122"/>
+                <a:ea typeface="微软雅黑" pitchFamily="34" charset="-122"/>
+              </a:rPr>
+              <a:t>总结</a:t>
+            </a:r>
+            <a:r>
+              <a:rPr lang="en-US" altLang="zh-CN">
+                <a:latin typeface="微软雅黑" pitchFamily="34" charset="-122"/>
+                <a:ea typeface="微软雅黑" pitchFamily="34" charset="-122"/>
+              </a:rPr>
+              <a:t>OpenCL</a:t>
+            </a:r>
+            <a:r>
+              <a:rPr lang="zh-CN" altLang="en-US">
+                <a:latin typeface="微软雅黑" pitchFamily="34" charset="-122"/>
+                <a:ea typeface="微软雅黑" pitchFamily="34" charset="-122"/>
+              </a:rPr>
+              <a:t>的</a:t>
+            </a:r>
+          </a:p>
+          <a:p>
+            <a:pPr algn="ctr"/>
+            <a:r>
+              <a:rPr lang="zh-CN" altLang="en-US">
+                <a:latin typeface="微软雅黑" pitchFamily="34" charset="-122"/>
+                <a:ea typeface="微软雅黑" pitchFamily="34" charset="-122"/>
+              </a:rPr>
+              <a:t>三个优化技术</a:t>
+            </a:r>
+            <a:endParaRPr lang="zh-CN" altLang="en-US">
+              <a:latin typeface="微软雅黑" pitchFamily="34" charset="-122"/>
+              <a:ea typeface="微软雅黑" pitchFamily="34" charset="-122"/>
+            </a:endParaRPr>
           </a:p>
         </p:txBody>
       </p:sp>
     </p:spTree>
-    <p:extLst>
-      <p:ext uri="{BB962C8B-B14F-4D97-AF65-F5344CB8AC3E}">
-        <p14:creationId xmlns:p14="http://schemas.microsoft.com/office/powerpoint/2010/main" val="1452888574"/>
-      </p:ext>
-    </p:extLst>
-  </p:cSld>
-  <p:clrMapOvr>
-    <a:masterClrMapping/>
-  </p:clrMapOvr>
-  <p:timing>
-    <p:tnLst>
-      <p:par>
-        <p:cTn id="1" dur="indefinite" restart="never" nodeType="tmRoot"/>
-      </p:par>
-    </p:tnLst>
-  </p:timing>
-</p:sld>
-</file>
-
-<file path=ppt/slides/slide7.xml><?xml version="1.0" encoding="utf-8"?>
-<p:sld xmlns:a="http://schemas.openxmlformats.org/drawingml/2006/main" xmlns:r="http://schemas.openxmlformats.org/officeDocument/2006/relationships" xmlns:p="http://schemas.openxmlformats.org/presentationml/2006/main">
-  <p:cSld>
-    <p:spTree>
-      <p:nvGrpSpPr>
-        <p:cNvPr id="1" name=""/>
-        <p:cNvGrpSpPr/>
-        <p:nvPr/>
-      </p:nvGrpSpPr>
-      <p:grpSpPr>
-        <a:xfrm>
-          <a:off x="0" y="0"/>
-          <a:ext cx="0" cy="0"/>
-          <a:chOff x="0" y="0"/>
-          <a:chExt cx="0" cy="0"/>
-        </a:xfrm>
-      </p:grpSpPr>
-      <p:sp>
-        <p:nvSpPr>
-          <p:cNvPr id="3" name="Content Placeholder 2"/>
-          <p:cNvSpPr>
-            <a:spLocks noGrp="1"/>
-          </p:cNvSpPr>
-          <p:nvPr>
-            <p:ph idx="1"/>
-          </p:nvPr>
-        </p:nvSpPr>
-        <p:spPr>
-          <a:xfrm>
-            <a:off x="1500051" y="1041854"/>
-            <a:ext cx="9255034" cy="4351338"/>
-          </a:xfrm>
-        </p:spPr>
-        <p:txBody>
-          <a:bodyPr/>
-          <a:lstStyle/>
-          <a:p>
-            <a:pPr marL="0" indent="457200">
-              <a:lnSpc>
-                <a:spcPct val="150000"/>
-              </a:lnSpc>
-              <a:buNone/>
-            </a:pPr>
-            <a:r>
-              <a:rPr lang="zh-CN" altLang="en-US"/>
-              <a:t>而在这个图像处理过程中，我们所研究的对象也是有讲究的，并不是对整幅图像，而是图像中对我们一些盛兴趣的区域进行研究。从而获得想要得到的特征或者说图像信息－所以对图像进行分析处理，关键就是要提取出图像中的有效信息。从而指导整个图像的处理。</a:t>
-            </a:r>
-            <a:endParaRPr lang="en-US"/>
-          </a:p>
-        </p:txBody>
-      </p:sp>
-    </p:spTree>
-    <p:extLst>
-      <p:ext uri="{BB962C8B-B14F-4D97-AF65-F5344CB8AC3E}">
-        <p14:creationId xmlns:p14="http://schemas.microsoft.com/office/powerpoint/2010/main" val="1460082195"/>
-      </p:ext>
-    </p:extLst>
   </p:cSld>
   <p:clrMapOvr>
     <a:masterClrMapping/>
@@ -3980,7 +6856,7 @@
 </file>
 
 <file path=ppt/theme/theme1.xml><?xml version="1.0" encoding="utf-8"?>
-<a:theme xmlns:a="http://schemas.openxmlformats.org/drawingml/2006/main" name="Office Theme">
+<a:theme xmlns:a="http://schemas.openxmlformats.org/drawingml/2006/main" name="Office 主题">
   <a:themeElements>
     <a:clrScheme name="Office">
       <a:dk1>
@@ -3990,39 +6866,39 @@
         <a:sysClr val="window" lastClr="FFFFFF"/>
       </a:lt1>
       <a:dk2>
-        <a:srgbClr val="44546A"/>
+        <a:srgbClr val="1F497D"/>
       </a:dk2>
       <a:lt2>
-        <a:srgbClr val="E7E6E6"/>
+        <a:srgbClr val="EEECE1"/>
       </a:lt2>
       <a:accent1>
-        <a:srgbClr val="5B9BD5"/>
+        <a:srgbClr val="4F81BD"/>
       </a:accent1>
       <a:accent2>
-        <a:srgbClr val="ED7D31"/>
+        <a:srgbClr val="C0504D"/>
       </a:accent2>
       <a:accent3>
-        <a:srgbClr val="A5A5A5"/>
+        <a:srgbClr val="9BBB59"/>
       </a:accent3>
       <a:accent4>
-        <a:srgbClr val="FFC000"/>
+        <a:srgbClr val="8064A2"/>
       </a:accent4>
       <a:accent5>
-        <a:srgbClr val="4472C4"/>
+        <a:srgbClr val="4BACC6"/>
       </a:accent5>
       <a:accent6>
-        <a:srgbClr val="70AD47"/>
+        <a:srgbClr val="F79646"/>
       </a:accent6>
       <a:hlink>
-        <a:srgbClr val="0563C1"/>
+        <a:srgbClr val="0000FF"/>
       </a:hlink>
       <a:folHlink>
-        <a:srgbClr val="954F72"/>
+        <a:srgbClr val="800080"/>
       </a:folHlink>
     </a:clrScheme>
     <a:fontScheme name="Office">
       <a:majorFont>
-        <a:latin typeface="Calibri Light" panose="020F0302020204030204"/>
+        <a:latin typeface="Calibri"/>
         <a:ea typeface=""/>
         <a:cs typeface=""/>
         <a:font script="Jpan" typeface="ＭＳ Ｐゴシック"/>
@@ -4054,10 +6930,9 @@
         <a:font script="Mong" typeface="Mongolian Baiti"/>
         <a:font script="Viet" typeface="Times New Roman"/>
         <a:font script="Uigh" typeface="Microsoft Uighur"/>
-        <a:font script="Geor" typeface="Sylfaen"/>
       </a:majorFont>
       <a:minorFont>
-        <a:latin typeface="Calibri" panose="020F0502020204030204"/>
+        <a:latin typeface="Calibri"/>
         <a:ea typeface=""/>
         <a:cs typeface=""/>
         <a:font script="Jpan" typeface="ＭＳ Ｐゴシック"/>
@@ -4089,7 +6964,6 @@
         <a:font script="Mong" typeface="Mongolian Baiti"/>
         <a:font script="Viet" typeface="Arial"/>
         <a:font script="Uigh" typeface="Microsoft Uighur"/>
-        <a:font script="Geor" typeface="Sylfaen"/>
       </a:minorFont>
     </a:fontScheme>
     <a:fmtScheme name="Office">
@@ -4101,147 +6975,171 @@
           <a:gsLst>
             <a:gs pos="0">
               <a:schemeClr val="phClr">
-                <a:lumMod val="110000"/>
-                <a:satMod val="105000"/>
-                <a:tint val="67000"/>
+                <a:tint val="50000"/>
+                <a:satMod val="300000"/>
               </a:schemeClr>
             </a:gs>
-            <a:gs pos="50000">
+            <a:gs pos="35000">
               <a:schemeClr val="phClr">
-                <a:lumMod val="105000"/>
-                <a:satMod val="103000"/>
-                <a:tint val="73000"/>
+                <a:tint val="37000"/>
+                <a:satMod val="300000"/>
               </a:schemeClr>
             </a:gs>
             <a:gs pos="100000">
               <a:schemeClr val="phClr">
-                <a:lumMod val="105000"/>
-                <a:satMod val="109000"/>
-                <a:tint val="81000"/>
+                <a:tint val="15000"/>
+                <a:satMod val="350000"/>
               </a:schemeClr>
             </a:gs>
           </a:gsLst>
-          <a:lin ang="5400000" scaled="0"/>
+          <a:lin ang="16200000" scaled="1"/>
         </a:gradFill>
         <a:gradFill rotWithShape="1">
           <a:gsLst>
             <a:gs pos="0">
               <a:schemeClr val="phClr">
-                <a:satMod val="103000"/>
-                <a:lumMod val="102000"/>
-                <a:tint val="94000"/>
+                <a:shade val="51000"/>
+                <a:satMod val="130000"/>
               </a:schemeClr>
             </a:gs>
-            <a:gs pos="50000">
+            <a:gs pos="80000">
               <a:schemeClr val="phClr">
-                <a:satMod val="110000"/>
-                <a:lumMod val="100000"/>
-                <a:shade val="100000"/>
+                <a:shade val="93000"/>
+                <a:satMod val="130000"/>
               </a:schemeClr>
             </a:gs>
             <a:gs pos="100000">
               <a:schemeClr val="phClr">
-                <a:lumMod val="99000"/>
-                <a:satMod val="120000"/>
-                <a:shade val="78000"/>
+                <a:shade val="94000"/>
+                <a:satMod val="135000"/>
               </a:schemeClr>
             </a:gs>
           </a:gsLst>
-          <a:lin ang="5400000" scaled="0"/>
+          <a:lin ang="16200000" scaled="0"/>
         </a:gradFill>
       </a:fillStyleLst>
       <a:lnStyleLst>
-        <a:ln w="6350" cap="flat" cmpd="sng" algn="ctr">
+        <a:ln w="9525" cap="flat" cmpd="sng" algn="ctr">
+          <a:solidFill>
+            <a:schemeClr val="phClr">
+              <a:shade val="95000"/>
+              <a:satMod val="105000"/>
+            </a:schemeClr>
+          </a:solidFill>
+          <a:prstDash val="solid"/>
+        </a:ln>
+        <a:ln w="25400" cap="flat" cmpd="sng" algn="ctr">
           <a:solidFill>
             <a:schemeClr val="phClr"/>
           </a:solidFill>
           <a:prstDash val="solid"/>
-          <a:miter lim="800000"/>
         </a:ln>
-        <a:ln w="12700" cap="flat" cmpd="sng" algn="ctr">
+        <a:ln w="38100" cap="flat" cmpd="sng" algn="ctr">
           <a:solidFill>
             <a:schemeClr val="phClr"/>
           </a:solidFill>
           <a:prstDash val="solid"/>
-          <a:miter lim="800000"/>
-        </a:ln>
-        <a:ln w="19050" cap="flat" cmpd="sng" algn="ctr">
-          <a:solidFill>
-            <a:schemeClr val="phClr"/>
-          </a:solidFill>
-          <a:prstDash val="solid"/>
-          <a:miter lim="800000"/>
         </a:ln>
       </a:lnStyleLst>
       <a:effectStyleLst>
         <a:effectStyle>
-          <a:effectLst/>
-        </a:effectStyle>
-        <a:effectStyle>
-          <a:effectLst/>
+          <a:effectLst>
+            <a:outerShdw blurRad="40000" dist="20000" dir="5400000" rotWithShape="0">
+              <a:srgbClr val="000000">
+                <a:alpha val="38000"/>
+              </a:srgbClr>
+            </a:outerShdw>
+          </a:effectLst>
         </a:effectStyle>
         <a:effectStyle>
           <a:effectLst>
-            <a:outerShdw blurRad="57150" dist="19050" dir="5400000" algn="ctr" rotWithShape="0">
+            <a:outerShdw blurRad="40000" dist="23000" dir="5400000" rotWithShape="0">
               <a:srgbClr val="000000">
-                <a:alpha val="63000"/>
+                <a:alpha val="35000"/>
               </a:srgbClr>
             </a:outerShdw>
           </a:effectLst>
+        </a:effectStyle>
+        <a:effectStyle>
+          <a:effectLst>
+            <a:outerShdw blurRad="40000" dist="23000" dir="5400000" rotWithShape="0">
+              <a:srgbClr val="000000">
+                <a:alpha val="35000"/>
+              </a:srgbClr>
+            </a:outerShdw>
+          </a:effectLst>
+          <a:scene3d>
+            <a:camera prst="orthographicFront">
+              <a:rot lat="0" lon="0" rev="0"/>
+            </a:camera>
+            <a:lightRig rig="threePt" dir="t">
+              <a:rot lat="0" lon="0" rev="1200000"/>
+            </a:lightRig>
+          </a:scene3d>
+          <a:sp3d>
+            <a:bevelT w="63500" h="25400"/>
+          </a:sp3d>
         </a:effectStyle>
       </a:effectStyleLst>
       <a:bgFillStyleLst>
         <a:solidFill>
           <a:schemeClr val="phClr"/>
         </a:solidFill>
-        <a:solidFill>
-          <a:schemeClr val="phClr">
-            <a:tint val="95000"/>
-            <a:satMod val="170000"/>
-          </a:schemeClr>
-        </a:solidFill>
         <a:gradFill rotWithShape="1">
           <a:gsLst>
             <a:gs pos="0">
               <a:schemeClr val="phClr">
-                <a:tint val="93000"/>
-                <a:satMod val="150000"/>
-                <a:shade val="98000"/>
-                <a:lumMod val="102000"/>
+                <a:tint val="40000"/>
+                <a:satMod val="350000"/>
               </a:schemeClr>
             </a:gs>
-            <a:gs pos="50000">
+            <a:gs pos="40000">
               <a:schemeClr val="phClr">
-                <a:tint val="98000"/>
-                <a:satMod val="130000"/>
-                <a:shade val="90000"/>
-                <a:lumMod val="103000"/>
+                <a:tint val="45000"/>
+                <a:shade val="99000"/>
+                <a:satMod val="350000"/>
               </a:schemeClr>
             </a:gs>
             <a:gs pos="100000">
               <a:schemeClr val="phClr">
-                <a:shade val="63000"/>
-                <a:satMod val="120000"/>
+                <a:shade val="20000"/>
+                <a:satMod val="255000"/>
               </a:schemeClr>
             </a:gs>
           </a:gsLst>
-          <a:lin ang="5400000" scaled="0"/>
+          <a:path path="circle">
+            <a:fillToRect l="50000" t="-80000" r="50000" b="180000"/>
+          </a:path>
+        </a:gradFill>
+        <a:gradFill rotWithShape="1">
+          <a:gsLst>
+            <a:gs pos="0">
+              <a:schemeClr val="phClr">
+                <a:tint val="80000"/>
+                <a:satMod val="300000"/>
+              </a:schemeClr>
+            </a:gs>
+            <a:gs pos="100000">
+              <a:schemeClr val="phClr">
+                <a:shade val="30000"/>
+                <a:satMod val="200000"/>
+              </a:schemeClr>
+            </a:gs>
+          </a:gsLst>
+          <a:path path="circle">
+            <a:fillToRect l="50000" t="50000" r="50000" b="50000"/>
+          </a:path>
         </a:gradFill>
       </a:bgFillStyleLst>
     </a:fmtScheme>
   </a:themeElements>
   <a:objectDefaults/>
   <a:extraClrSchemeLst/>
-  <a:extLst>
-    <a:ext uri="{05A4C25C-085E-4340-85A3-A5531E510DB2}">
-      <thm15:themeFamily xmlns:thm15="http://schemas.microsoft.com/office/thememl/2012/main" name="Office Theme" id="{62F939B6-93AF-4DB8-9C6B-D6C7DFDC589F}" vid="{4A3C46E8-61CC-4603-A589-7422A47A8E4A}"/>
-    </a:ext>
-  </a:extLst>
 </a:theme>
 </file>
 
 <file path=ppt/theme/theme2.xml><?xml version="1.0" encoding="utf-8"?>
-<a:theme xmlns:a="http://schemas.openxmlformats.org/drawingml/2006/main" name="Office Theme">
+<a:theme xmlns:a="http://schemas.openxmlformats.org/drawingml/2006/main" name="Office 主题">
   <a:themeElements>
     <a:clrScheme name="Office">
       <a:dk1>
@@ -4251,39 +7149,39 @@
         <a:sysClr val="window" lastClr="FFFFFF"/>
       </a:lt1>
       <a:dk2>
-        <a:srgbClr val="44546A"/>
+        <a:srgbClr val="1F497D"/>
       </a:dk2>
       <a:lt2>
-        <a:srgbClr val="E7E6E6"/>
+        <a:srgbClr val="EEECE1"/>
       </a:lt2>
       <a:accent1>
-        <a:srgbClr val="5B9BD5"/>
+        <a:srgbClr val="4F81BD"/>
       </a:accent1>
       <a:accent2>
-        <a:srgbClr val="ED7D31"/>
+        <a:srgbClr val="C0504D"/>
       </a:accent2>
       <a:accent3>
-        <a:srgbClr val="A5A5A5"/>
+        <a:srgbClr val="9BBB59"/>
       </a:accent3>
       <a:accent4>
-        <a:srgbClr val="FFC000"/>
+        <a:srgbClr val="8064A2"/>
       </a:accent4>
       <a:accent5>
-        <a:srgbClr val="4472C4"/>
+        <a:srgbClr val="4BACC6"/>
       </a:accent5>
       <a:accent6>
-        <a:srgbClr val="70AD47"/>
+        <a:srgbClr val="F79646"/>
       </a:accent6>
       <a:hlink>
-        <a:srgbClr val="0563C1"/>
+        <a:srgbClr val="0000FF"/>
       </a:hlink>
       <a:folHlink>
-        <a:srgbClr val="954F72"/>
+        <a:srgbClr val="800080"/>
       </a:folHlink>
     </a:clrScheme>
     <a:fontScheme name="Office">
       <a:majorFont>
-        <a:latin typeface="Calibri Light" panose="020F0302020204030204"/>
+        <a:latin typeface="Calibri"/>
         <a:ea typeface=""/>
         <a:cs typeface=""/>
         <a:font script="Jpan" typeface="ＭＳ Ｐゴシック"/>
@@ -4315,10 +7213,9 @@
         <a:font script="Mong" typeface="Mongolian Baiti"/>
         <a:font script="Viet" typeface="Times New Roman"/>
         <a:font script="Uigh" typeface="Microsoft Uighur"/>
-        <a:font script="Geor" typeface="Sylfaen"/>
       </a:majorFont>
       <a:minorFont>
-        <a:latin typeface="Calibri" panose="020F0502020204030204"/>
+        <a:latin typeface="Calibri"/>
         <a:ea typeface=""/>
         <a:cs typeface=""/>
         <a:font script="Jpan" typeface="ＭＳ Ｐゴシック"/>
@@ -4350,7 +7247,6 @@
         <a:font script="Mong" typeface="Mongolian Baiti"/>
         <a:font script="Viet" typeface="Arial"/>
         <a:font script="Uigh" typeface="Microsoft Uighur"/>
-        <a:font script="Geor" typeface="Sylfaen"/>
       </a:minorFont>
     </a:fontScheme>
     <a:fmtScheme name="Office">
@@ -4362,141 +7258,165 @@
           <a:gsLst>
             <a:gs pos="0">
               <a:schemeClr val="phClr">
-                <a:lumMod val="110000"/>
-                <a:satMod val="105000"/>
-                <a:tint val="67000"/>
+                <a:tint val="50000"/>
+                <a:satMod val="300000"/>
               </a:schemeClr>
             </a:gs>
-            <a:gs pos="50000">
+            <a:gs pos="35000">
               <a:schemeClr val="phClr">
-                <a:lumMod val="105000"/>
-                <a:satMod val="103000"/>
-                <a:tint val="73000"/>
+                <a:tint val="37000"/>
+                <a:satMod val="300000"/>
               </a:schemeClr>
             </a:gs>
             <a:gs pos="100000">
               <a:schemeClr val="phClr">
-                <a:lumMod val="105000"/>
-                <a:satMod val="109000"/>
-                <a:tint val="81000"/>
+                <a:tint val="15000"/>
+                <a:satMod val="350000"/>
               </a:schemeClr>
             </a:gs>
           </a:gsLst>
-          <a:lin ang="5400000" scaled="0"/>
+          <a:lin ang="16200000" scaled="1"/>
         </a:gradFill>
         <a:gradFill rotWithShape="1">
           <a:gsLst>
             <a:gs pos="0">
               <a:schemeClr val="phClr">
-                <a:satMod val="103000"/>
-                <a:lumMod val="102000"/>
-                <a:tint val="94000"/>
+                <a:shade val="51000"/>
+                <a:satMod val="130000"/>
               </a:schemeClr>
             </a:gs>
-            <a:gs pos="50000">
+            <a:gs pos="80000">
               <a:schemeClr val="phClr">
-                <a:satMod val="110000"/>
-                <a:lumMod val="100000"/>
-                <a:shade val="100000"/>
+                <a:shade val="93000"/>
+                <a:satMod val="130000"/>
               </a:schemeClr>
             </a:gs>
             <a:gs pos="100000">
               <a:schemeClr val="phClr">
-                <a:lumMod val="99000"/>
-                <a:satMod val="120000"/>
-                <a:shade val="78000"/>
+                <a:shade val="94000"/>
+                <a:satMod val="135000"/>
               </a:schemeClr>
             </a:gs>
           </a:gsLst>
-          <a:lin ang="5400000" scaled="0"/>
+          <a:lin ang="16200000" scaled="0"/>
         </a:gradFill>
       </a:fillStyleLst>
       <a:lnStyleLst>
-        <a:ln w="6350" cap="flat" cmpd="sng" algn="ctr">
+        <a:ln w="9525" cap="flat" cmpd="sng" algn="ctr">
+          <a:solidFill>
+            <a:schemeClr val="phClr">
+              <a:shade val="95000"/>
+              <a:satMod val="105000"/>
+            </a:schemeClr>
+          </a:solidFill>
+          <a:prstDash val="solid"/>
+        </a:ln>
+        <a:ln w="25400" cap="flat" cmpd="sng" algn="ctr">
           <a:solidFill>
             <a:schemeClr val="phClr"/>
           </a:solidFill>
           <a:prstDash val="solid"/>
-          <a:miter lim="800000"/>
         </a:ln>
-        <a:ln w="12700" cap="flat" cmpd="sng" algn="ctr">
+        <a:ln w="38100" cap="flat" cmpd="sng" algn="ctr">
           <a:solidFill>
             <a:schemeClr val="phClr"/>
           </a:solidFill>
           <a:prstDash val="solid"/>
-          <a:miter lim="800000"/>
-        </a:ln>
-        <a:ln w="19050" cap="flat" cmpd="sng" algn="ctr">
-          <a:solidFill>
-            <a:schemeClr val="phClr"/>
-          </a:solidFill>
-          <a:prstDash val="solid"/>
-          <a:miter lim="800000"/>
         </a:ln>
       </a:lnStyleLst>
       <a:effectStyleLst>
         <a:effectStyle>
-          <a:effectLst/>
-        </a:effectStyle>
-        <a:effectStyle>
-          <a:effectLst/>
+          <a:effectLst>
+            <a:outerShdw blurRad="40000" dist="20000" dir="5400000" rotWithShape="0">
+              <a:srgbClr val="000000">
+                <a:alpha val="38000"/>
+              </a:srgbClr>
+            </a:outerShdw>
+          </a:effectLst>
         </a:effectStyle>
         <a:effectStyle>
           <a:effectLst>
-            <a:outerShdw blurRad="57150" dist="19050" dir="5400000" algn="ctr" rotWithShape="0">
+            <a:outerShdw blurRad="40000" dist="23000" dir="5400000" rotWithShape="0">
               <a:srgbClr val="000000">
-                <a:alpha val="63000"/>
+                <a:alpha val="35000"/>
               </a:srgbClr>
             </a:outerShdw>
           </a:effectLst>
+        </a:effectStyle>
+        <a:effectStyle>
+          <a:effectLst>
+            <a:outerShdw blurRad="40000" dist="23000" dir="5400000" rotWithShape="0">
+              <a:srgbClr val="000000">
+                <a:alpha val="35000"/>
+              </a:srgbClr>
+            </a:outerShdw>
+          </a:effectLst>
+          <a:scene3d>
+            <a:camera prst="orthographicFront">
+              <a:rot lat="0" lon="0" rev="0"/>
+            </a:camera>
+            <a:lightRig rig="threePt" dir="t">
+              <a:rot lat="0" lon="0" rev="1200000"/>
+            </a:lightRig>
+          </a:scene3d>
+          <a:sp3d>
+            <a:bevelT w="63500" h="25400"/>
+          </a:sp3d>
         </a:effectStyle>
       </a:effectStyleLst>
       <a:bgFillStyleLst>
         <a:solidFill>
           <a:schemeClr val="phClr"/>
         </a:solidFill>
-        <a:solidFill>
-          <a:schemeClr val="phClr">
-            <a:tint val="95000"/>
-            <a:satMod val="170000"/>
-          </a:schemeClr>
-        </a:solidFill>
         <a:gradFill rotWithShape="1">
           <a:gsLst>
             <a:gs pos="0">
               <a:schemeClr val="phClr">
-                <a:tint val="93000"/>
-                <a:satMod val="150000"/>
-                <a:shade val="98000"/>
-                <a:lumMod val="102000"/>
+                <a:tint val="40000"/>
+                <a:satMod val="350000"/>
               </a:schemeClr>
             </a:gs>
-            <a:gs pos="50000">
+            <a:gs pos="40000">
               <a:schemeClr val="phClr">
-                <a:tint val="98000"/>
-                <a:satMod val="130000"/>
-                <a:shade val="90000"/>
-                <a:lumMod val="103000"/>
+                <a:tint val="45000"/>
+                <a:shade val="99000"/>
+                <a:satMod val="350000"/>
               </a:schemeClr>
             </a:gs>
             <a:gs pos="100000">
               <a:schemeClr val="phClr">
-                <a:shade val="63000"/>
-                <a:satMod val="120000"/>
+                <a:shade val="20000"/>
+                <a:satMod val="255000"/>
               </a:schemeClr>
             </a:gs>
           </a:gsLst>
-          <a:lin ang="5400000" scaled="0"/>
+          <a:path path="circle">
+            <a:fillToRect l="50000" t="-80000" r="50000" b="180000"/>
+          </a:path>
+        </a:gradFill>
+        <a:gradFill rotWithShape="1">
+          <a:gsLst>
+            <a:gs pos="0">
+              <a:schemeClr val="phClr">
+                <a:tint val="80000"/>
+                <a:satMod val="300000"/>
+              </a:schemeClr>
+            </a:gs>
+            <a:gs pos="100000">
+              <a:schemeClr val="phClr">
+                <a:shade val="30000"/>
+                <a:satMod val="200000"/>
+              </a:schemeClr>
+            </a:gs>
+          </a:gsLst>
+          <a:path path="circle">
+            <a:fillToRect l="50000" t="50000" r="50000" b="50000"/>
+          </a:path>
         </a:gradFill>
       </a:bgFillStyleLst>
     </a:fmtScheme>
   </a:themeElements>
   <a:objectDefaults/>
   <a:extraClrSchemeLst/>
-  <a:extLst>
-    <a:ext uri="{05A4C25C-085E-4340-85A3-A5531E510DB2}">
-      <thm15:themeFamily xmlns:thm15="http://schemas.microsoft.com/office/thememl/2012/main" name="Office Theme" id="{62F939B6-93AF-4DB8-9C6B-D6C7DFDC589F}" vid="{4A3C46E8-61CC-4603-A589-7422A47A8E4A}"/>
-    </a:ext>
-  </a:extLst>
 </a:theme>
 </file>